--- a/docs/diagrams/HighLevelSequenceDiagrams.pptx
+++ b/docs/diagrams/HighLevelSequenceDiagrams.pptx
@@ -5,10 +5,12 @@
     <p:sldMasterId id="2147483648" r:id="rId1"/>
   </p:sldMasterIdLst>
   <p:notesMasterIdLst>
-    <p:notesMasterId r:id="rId3"/>
+    <p:notesMasterId r:id="rId5"/>
   </p:notesMasterIdLst>
   <p:sldIdLst>
     <p:sldId id="266" r:id="rId2"/>
+    <p:sldId id="267" r:id="rId3"/>
+    <p:sldId id="268" r:id="rId4"/>
   </p:sldIdLst>
   <p:sldSz cx="9144000" cy="6858000" type="screen4x3"/>
   <p:notesSz cx="6858000" cy="9144000"/>
@@ -107,6 +109,22 @@
       </a:defRPr>
     </a:lvl9pPr>
   </p:defaultTextStyle>
+  <p:extLst>
+    <p:ext uri="{EFAFB233-063F-42B5-8137-9DF3F51BA10A}">
+      <p15:sldGuideLst xmlns:p15="http://schemas.microsoft.com/office/powerpoint/2012/main">
+        <p15:guide id="1" orient="horz" pos="1488">
+          <p15:clr>
+            <a:srgbClr val="A4A3A4"/>
+          </p15:clr>
+        </p15:guide>
+        <p15:guide id="2" pos="2880">
+          <p15:clr>
+            <a:srgbClr val="A4A3A4"/>
+          </p15:clr>
+        </p15:guide>
+      </p15:sldGuideLst>
+    </p:ext>
+  </p:extLst>
 </p:presentation>
 </file>
 
@@ -192,7 +210,7 @@
           <a:p>
             <a:fld id="{F5CC4B3F-88C1-4FFA-B1B6-F41C21DC6924}" type="datetimeFigureOut">
               <a:rPr lang="en-US" smtClean="0"/>
-              <a:t>10/16/2016</a:t>
+              <a:t>10/30/2018</a:t>
             </a:fld>
             <a:endParaRPr lang="en-US"/>
           </a:p>
@@ -256,38 +274,37 @@
           <a:p>
             <a:pPr lvl="0"/>
             <a:r>
-              <a:rPr lang="en-US" smtClean="0"/>
+              <a:rPr lang="en-US"/>
               <a:t>Click to edit Master text styles</a:t>
             </a:r>
           </a:p>
           <a:p>
             <a:pPr lvl="1"/>
             <a:r>
-              <a:rPr lang="en-US" smtClean="0"/>
+              <a:rPr lang="en-US"/>
               <a:t>Second level</a:t>
             </a:r>
           </a:p>
           <a:p>
             <a:pPr lvl="2"/>
             <a:r>
-              <a:rPr lang="en-US" smtClean="0"/>
+              <a:rPr lang="en-US"/>
               <a:t>Third level</a:t>
             </a:r>
           </a:p>
           <a:p>
             <a:pPr lvl="3"/>
             <a:r>
-              <a:rPr lang="en-US" smtClean="0"/>
+              <a:rPr lang="en-US"/>
               <a:t>Fourth level</a:t>
             </a:r>
           </a:p>
           <a:p>
             <a:pPr lvl="4"/>
             <a:r>
-              <a:rPr lang="en-US" smtClean="0"/>
+              <a:rPr lang="en-US"/>
               <a:t>Fifth level</a:t>
             </a:r>
-            <a:endParaRPr lang="en-US"/>
           </a:p>
         </p:txBody>
       </p:sp>
@@ -498,10 +515,9 @@
           <a:lstStyle/>
           <a:p>
             <a:r>
-              <a:rPr lang="en-US" smtClean="0"/>
+              <a:rPr lang="en-US"/>
               <a:t>Click to edit Master title style</a:t>
             </a:r>
-            <a:endParaRPr lang="en-US"/>
           </a:p>
         </p:txBody>
       </p:sp>
@@ -617,10 +633,9 @@
           </a:lstStyle>
           <a:p>
             <a:r>
-              <a:rPr lang="en-US" smtClean="0"/>
+              <a:rPr lang="en-US"/>
               <a:t>Click to edit Master subtitle style</a:t>
             </a:r>
-            <a:endParaRPr lang="en-US"/>
           </a:p>
         </p:txBody>
       </p:sp>
@@ -641,7 +656,7 @@
           <a:p>
             <a:fld id="{78C97017-6FC3-485B-9764-EAC9E56C1D49}" type="datetimeFigureOut">
               <a:rPr lang="en-US" smtClean="0"/>
-              <a:t>10/16/2016</a:t>
+              <a:t>10/30/2018</a:t>
             </a:fld>
             <a:endParaRPr lang="en-US"/>
           </a:p>
@@ -735,10 +750,9 @@
           <a:lstStyle/>
           <a:p>
             <a:r>
-              <a:rPr lang="en-US" smtClean="0"/>
+              <a:rPr lang="en-US"/>
               <a:t>Click to edit Master title style</a:t>
             </a:r>
-            <a:endParaRPr lang="en-US"/>
           </a:p>
         </p:txBody>
       </p:sp>
@@ -759,38 +773,37 @@
           <a:p>
             <a:pPr lvl="0"/>
             <a:r>
-              <a:rPr lang="en-US" smtClean="0"/>
+              <a:rPr lang="en-US"/>
               <a:t>Click to edit Master text styles</a:t>
             </a:r>
           </a:p>
           <a:p>
             <a:pPr lvl="1"/>
             <a:r>
-              <a:rPr lang="en-US" smtClean="0"/>
+              <a:rPr lang="en-US"/>
               <a:t>Second level</a:t>
             </a:r>
           </a:p>
           <a:p>
             <a:pPr lvl="2"/>
             <a:r>
-              <a:rPr lang="en-US" smtClean="0"/>
+              <a:rPr lang="en-US"/>
               <a:t>Third level</a:t>
             </a:r>
           </a:p>
           <a:p>
             <a:pPr lvl="3"/>
             <a:r>
-              <a:rPr lang="en-US" smtClean="0"/>
+              <a:rPr lang="en-US"/>
               <a:t>Fourth level</a:t>
             </a:r>
           </a:p>
           <a:p>
             <a:pPr lvl="4"/>
             <a:r>
-              <a:rPr lang="en-US" smtClean="0"/>
+              <a:rPr lang="en-US"/>
               <a:t>Fifth level</a:t>
             </a:r>
-            <a:endParaRPr lang="en-US"/>
           </a:p>
         </p:txBody>
       </p:sp>
@@ -811,7 +824,7 @@
           <a:p>
             <a:fld id="{78C97017-6FC3-485B-9764-EAC9E56C1D49}" type="datetimeFigureOut">
               <a:rPr lang="en-US" smtClean="0"/>
-              <a:t>10/16/2016</a:t>
+              <a:t>10/30/2018</a:t>
             </a:fld>
             <a:endParaRPr lang="en-US"/>
           </a:p>
@@ -910,10 +923,9 @@
           <a:lstStyle/>
           <a:p>
             <a:r>
-              <a:rPr lang="en-US" smtClean="0"/>
+              <a:rPr lang="en-US"/>
               <a:t>Click to edit Master title style</a:t>
             </a:r>
-            <a:endParaRPr lang="en-US"/>
           </a:p>
         </p:txBody>
       </p:sp>
@@ -939,38 +951,37 @@
           <a:p>
             <a:pPr lvl="0"/>
             <a:r>
-              <a:rPr lang="en-US" smtClean="0"/>
+              <a:rPr lang="en-US"/>
               <a:t>Click to edit Master text styles</a:t>
             </a:r>
           </a:p>
           <a:p>
             <a:pPr lvl="1"/>
             <a:r>
-              <a:rPr lang="en-US" smtClean="0"/>
+              <a:rPr lang="en-US"/>
               <a:t>Second level</a:t>
             </a:r>
           </a:p>
           <a:p>
             <a:pPr lvl="2"/>
             <a:r>
-              <a:rPr lang="en-US" smtClean="0"/>
+              <a:rPr lang="en-US"/>
               <a:t>Third level</a:t>
             </a:r>
           </a:p>
           <a:p>
             <a:pPr lvl="3"/>
             <a:r>
-              <a:rPr lang="en-US" smtClean="0"/>
+              <a:rPr lang="en-US"/>
               <a:t>Fourth level</a:t>
             </a:r>
           </a:p>
           <a:p>
             <a:pPr lvl="4"/>
             <a:r>
-              <a:rPr lang="en-US" smtClean="0"/>
+              <a:rPr lang="en-US"/>
               <a:t>Fifth level</a:t>
             </a:r>
-            <a:endParaRPr lang="en-US"/>
           </a:p>
         </p:txBody>
       </p:sp>
@@ -991,7 +1002,7 @@
           <a:p>
             <a:fld id="{78C97017-6FC3-485B-9764-EAC9E56C1D49}" type="datetimeFigureOut">
               <a:rPr lang="en-US" smtClean="0"/>
-              <a:t>10/16/2016</a:t>
+              <a:t>10/30/2018</a:t>
             </a:fld>
             <a:endParaRPr lang="en-US"/>
           </a:p>
@@ -1085,10 +1096,9 @@
           <a:lstStyle/>
           <a:p>
             <a:r>
-              <a:rPr lang="en-US" smtClean="0"/>
+              <a:rPr lang="en-US"/>
               <a:t>Click to edit Master title style</a:t>
             </a:r>
-            <a:endParaRPr lang="en-US"/>
           </a:p>
         </p:txBody>
       </p:sp>
@@ -1109,38 +1119,37 @@
           <a:p>
             <a:pPr lvl="0"/>
             <a:r>
-              <a:rPr lang="en-US" smtClean="0"/>
+              <a:rPr lang="en-US"/>
               <a:t>Click to edit Master text styles</a:t>
             </a:r>
           </a:p>
           <a:p>
             <a:pPr lvl="1"/>
             <a:r>
-              <a:rPr lang="en-US" smtClean="0"/>
+              <a:rPr lang="en-US"/>
               <a:t>Second level</a:t>
             </a:r>
           </a:p>
           <a:p>
             <a:pPr lvl="2"/>
             <a:r>
-              <a:rPr lang="en-US" smtClean="0"/>
+              <a:rPr lang="en-US"/>
               <a:t>Third level</a:t>
             </a:r>
           </a:p>
           <a:p>
             <a:pPr lvl="3"/>
             <a:r>
-              <a:rPr lang="en-US" smtClean="0"/>
+              <a:rPr lang="en-US"/>
               <a:t>Fourth level</a:t>
             </a:r>
           </a:p>
           <a:p>
             <a:pPr lvl="4"/>
             <a:r>
-              <a:rPr lang="en-US" smtClean="0"/>
+              <a:rPr lang="en-US"/>
               <a:t>Fifth level</a:t>
             </a:r>
-            <a:endParaRPr lang="en-US"/>
           </a:p>
         </p:txBody>
       </p:sp>
@@ -1161,7 +1170,7 @@
           <a:p>
             <a:fld id="{78C97017-6FC3-485B-9764-EAC9E56C1D49}" type="datetimeFigureOut">
               <a:rPr lang="en-US" smtClean="0"/>
-              <a:t>10/16/2016</a:t>
+              <a:t>10/30/2018</a:t>
             </a:fld>
             <a:endParaRPr lang="en-US"/>
           </a:p>
@@ -1264,10 +1273,9 @@
           </a:lstStyle>
           <a:p>
             <a:r>
-              <a:rPr lang="en-US" smtClean="0"/>
+              <a:rPr lang="en-US"/>
               <a:t>Click to edit Master title style</a:t>
             </a:r>
-            <a:endParaRPr lang="en-US"/>
           </a:p>
         </p:txBody>
       </p:sp>
@@ -1384,7 +1392,7 @@
           <a:p>
             <a:pPr lvl="0"/>
             <a:r>
-              <a:rPr lang="en-US" smtClean="0"/>
+              <a:rPr lang="en-US"/>
               <a:t>Click to edit Master text styles</a:t>
             </a:r>
           </a:p>
@@ -1407,7 +1415,7 @@
           <a:p>
             <a:fld id="{78C97017-6FC3-485B-9764-EAC9E56C1D49}" type="datetimeFigureOut">
               <a:rPr lang="en-US" smtClean="0"/>
-              <a:t>10/16/2016</a:t>
+              <a:t>10/30/2018</a:t>
             </a:fld>
             <a:endParaRPr lang="en-US"/>
           </a:p>
@@ -1501,10 +1509,9 @@
           <a:lstStyle/>
           <a:p>
             <a:r>
-              <a:rPr lang="en-US" smtClean="0"/>
+              <a:rPr lang="en-US"/>
               <a:t>Click to edit Master title style</a:t>
             </a:r>
-            <a:endParaRPr lang="en-US"/>
           </a:p>
         </p:txBody>
       </p:sp>
@@ -1558,38 +1565,37 @@
           <a:p>
             <a:pPr lvl="0"/>
             <a:r>
-              <a:rPr lang="en-US" smtClean="0"/>
+              <a:rPr lang="en-US"/>
               <a:t>Click to edit Master text styles</a:t>
             </a:r>
           </a:p>
           <a:p>
             <a:pPr lvl="1"/>
             <a:r>
-              <a:rPr lang="en-US" smtClean="0"/>
+              <a:rPr lang="en-US"/>
               <a:t>Second level</a:t>
             </a:r>
           </a:p>
           <a:p>
             <a:pPr lvl="2"/>
             <a:r>
-              <a:rPr lang="en-US" smtClean="0"/>
+              <a:rPr lang="en-US"/>
               <a:t>Third level</a:t>
             </a:r>
           </a:p>
           <a:p>
             <a:pPr lvl="3"/>
             <a:r>
-              <a:rPr lang="en-US" smtClean="0"/>
+              <a:rPr lang="en-US"/>
               <a:t>Fourth level</a:t>
             </a:r>
           </a:p>
           <a:p>
             <a:pPr lvl="4"/>
             <a:r>
-              <a:rPr lang="en-US" smtClean="0"/>
+              <a:rPr lang="en-US"/>
               <a:t>Fifth level</a:t>
             </a:r>
-            <a:endParaRPr lang="en-US"/>
           </a:p>
         </p:txBody>
       </p:sp>
@@ -1643,38 +1649,37 @@
           <a:p>
             <a:pPr lvl="0"/>
             <a:r>
-              <a:rPr lang="en-US" smtClean="0"/>
+              <a:rPr lang="en-US"/>
               <a:t>Click to edit Master text styles</a:t>
             </a:r>
           </a:p>
           <a:p>
             <a:pPr lvl="1"/>
             <a:r>
-              <a:rPr lang="en-US" smtClean="0"/>
+              <a:rPr lang="en-US"/>
               <a:t>Second level</a:t>
             </a:r>
           </a:p>
           <a:p>
             <a:pPr lvl="2"/>
             <a:r>
-              <a:rPr lang="en-US" smtClean="0"/>
+              <a:rPr lang="en-US"/>
               <a:t>Third level</a:t>
             </a:r>
           </a:p>
           <a:p>
             <a:pPr lvl="3"/>
             <a:r>
-              <a:rPr lang="en-US" smtClean="0"/>
+              <a:rPr lang="en-US"/>
               <a:t>Fourth level</a:t>
             </a:r>
           </a:p>
           <a:p>
             <a:pPr lvl="4"/>
             <a:r>
-              <a:rPr lang="en-US" smtClean="0"/>
+              <a:rPr lang="en-US"/>
               <a:t>Fifth level</a:t>
             </a:r>
-            <a:endParaRPr lang="en-US"/>
           </a:p>
         </p:txBody>
       </p:sp>
@@ -1695,7 +1700,7 @@
           <a:p>
             <a:fld id="{78C97017-6FC3-485B-9764-EAC9E56C1D49}" type="datetimeFigureOut">
               <a:rPr lang="en-US" smtClean="0"/>
-              <a:t>10/16/2016</a:t>
+              <a:t>10/30/2018</a:t>
             </a:fld>
             <a:endParaRPr lang="en-US"/>
           </a:p>
@@ -1793,10 +1798,9 @@
           </a:lstStyle>
           <a:p>
             <a:r>
-              <a:rPr lang="en-US" smtClean="0"/>
+              <a:rPr lang="en-US"/>
               <a:t>Click to edit Master title style</a:t>
             </a:r>
-            <a:endParaRPr lang="en-US"/>
           </a:p>
         </p:txBody>
       </p:sp>
@@ -1859,7 +1863,7 @@
           <a:p>
             <a:pPr lvl="0"/>
             <a:r>
-              <a:rPr lang="en-US" smtClean="0"/>
+              <a:rPr lang="en-US"/>
               <a:t>Click to edit Master text styles</a:t>
             </a:r>
           </a:p>
@@ -1915,38 +1919,37 @@
           <a:p>
             <a:pPr lvl="0"/>
             <a:r>
-              <a:rPr lang="en-US" smtClean="0"/>
+              <a:rPr lang="en-US"/>
               <a:t>Click to edit Master text styles</a:t>
             </a:r>
           </a:p>
           <a:p>
             <a:pPr lvl="1"/>
             <a:r>
-              <a:rPr lang="en-US" smtClean="0"/>
+              <a:rPr lang="en-US"/>
               <a:t>Second level</a:t>
             </a:r>
           </a:p>
           <a:p>
             <a:pPr lvl="2"/>
             <a:r>
-              <a:rPr lang="en-US" smtClean="0"/>
+              <a:rPr lang="en-US"/>
               <a:t>Third level</a:t>
             </a:r>
           </a:p>
           <a:p>
             <a:pPr lvl="3"/>
             <a:r>
-              <a:rPr lang="en-US" smtClean="0"/>
+              <a:rPr lang="en-US"/>
               <a:t>Fourth level</a:t>
             </a:r>
           </a:p>
           <a:p>
             <a:pPr lvl="4"/>
             <a:r>
-              <a:rPr lang="en-US" smtClean="0"/>
+              <a:rPr lang="en-US"/>
               <a:t>Fifth level</a:t>
             </a:r>
-            <a:endParaRPr lang="en-US"/>
           </a:p>
         </p:txBody>
       </p:sp>
@@ -2009,7 +2012,7 @@
           <a:p>
             <a:pPr lvl="0"/>
             <a:r>
-              <a:rPr lang="en-US" smtClean="0"/>
+              <a:rPr lang="en-US"/>
               <a:t>Click to edit Master text styles</a:t>
             </a:r>
           </a:p>
@@ -2065,38 +2068,37 @@
           <a:p>
             <a:pPr lvl="0"/>
             <a:r>
-              <a:rPr lang="en-US" smtClean="0"/>
+              <a:rPr lang="en-US"/>
               <a:t>Click to edit Master text styles</a:t>
             </a:r>
           </a:p>
           <a:p>
             <a:pPr lvl="1"/>
             <a:r>
-              <a:rPr lang="en-US" smtClean="0"/>
+              <a:rPr lang="en-US"/>
               <a:t>Second level</a:t>
             </a:r>
           </a:p>
           <a:p>
             <a:pPr lvl="2"/>
             <a:r>
-              <a:rPr lang="en-US" smtClean="0"/>
+              <a:rPr lang="en-US"/>
               <a:t>Third level</a:t>
             </a:r>
           </a:p>
           <a:p>
             <a:pPr lvl="3"/>
             <a:r>
-              <a:rPr lang="en-US" smtClean="0"/>
+              <a:rPr lang="en-US"/>
               <a:t>Fourth level</a:t>
             </a:r>
           </a:p>
           <a:p>
             <a:pPr lvl="4"/>
             <a:r>
-              <a:rPr lang="en-US" smtClean="0"/>
+              <a:rPr lang="en-US"/>
               <a:t>Fifth level</a:t>
             </a:r>
-            <a:endParaRPr lang="en-US"/>
           </a:p>
         </p:txBody>
       </p:sp>
@@ -2117,7 +2119,7 @@
           <a:p>
             <a:fld id="{78C97017-6FC3-485B-9764-EAC9E56C1D49}" type="datetimeFigureOut">
               <a:rPr lang="en-US" smtClean="0"/>
-              <a:t>10/16/2016</a:t>
+              <a:t>10/30/2018</a:t>
             </a:fld>
             <a:endParaRPr lang="en-US"/>
           </a:p>
@@ -2211,10 +2213,9 @@
           <a:lstStyle/>
           <a:p>
             <a:r>
-              <a:rPr lang="en-US" smtClean="0"/>
+              <a:rPr lang="en-US"/>
               <a:t>Click to edit Master title style</a:t>
             </a:r>
-            <a:endParaRPr lang="en-US"/>
           </a:p>
         </p:txBody>
       </p:sp>
@@ -2235,7 +2236,7 @@
           <a:p>
             <a:fld id="{78C97017-6FC3-485B-9764-EAC9E56C1D49}" type="datetimeFigureOut">
               <a:rPr lang="en-US" smtClean="0"/>
-              <a:t>10/16/2016</a:t>
+              <a:t>10/30/2018</a:t>
             </a:fld>
             <a:endParaRPr lang="en-US"/>
           </a:p>
@@ -2330,7 +2331,7 @@
           <a:p>
             <a:fld id="{78C97017-6FC3-485B-9764-EAC9E56C1D49}" type="datetimeFigureOut">
               <a:rPr lang="en-US" smtClean="0"/>
-              <a:t>10/16/2016</a:t>
+              <a:t>10/30/2018</a:t>
             </a:fld>
             <a:endParaRPr lang="en-US"/>
           </a:p>
@@ -2433,10 +2434,9 @@
           </a:lstStyle>
           <a:p>
             <a:r>
-              <a:rPr lang="en-US" smtClean="0"/>
+              <a:rPr lang="en-US"/>
               <a:t>Click to edit Master title style</a:t>
             </a:r>
-            <a:endParaRPr lang="en-US"/>
           </a:p>
         </p:txBody>
       </p:sp>
@@ -2490,38 +2490,37 @@
           <a:p>
             <a:pPr lvl="0"/>
             <a:r>
-              <a:rPr lang="en-US" smtClean="0"/>
+              <a:rPr lang="en-US"/>
               <a:t>Click to edit Master text styles</a:t>
             </a:r>
           </a:p>
           <a:p>
             <a:pPr lvl="1"/>
             <a:r>
-              <a:rPr lang="en-US" smtClean="0"/>
+              <a:rPr lang="en-US"/>
               <a:t>Second level</a:t>
             </a:r>
           </a:p>
           <a:p>
             <a:pPr lvl="2"/>
             <a:r>
-              <a:rPr lang="en-US" smtClean="0"/>
+              <a:rPr lang="en-US"/>
               <a:t>Third level</a:t>
             </a:r>
           </a:p>
           <a:p>
             <a:pPr lvl="3"/>
             <a:r>
-              <a:rPr lang="en-US" smtClean="0"/>
+              <a:rPr lang="en-US"/>
               <a:t>Fourth level</a:t>
             </a:r>
           </a:p>
           <a:p>
             <a:pPr lvl="4"/>
             <a:r>
-              <a:rPr lang="en-US" smtClean="0"/>
+              <a:rPr lang="en-US"/>
               <a:t>Fifth level</a:t>
             </a:r>
-            <a:endParaRPr lang="en-US"/>
           </a:p>
         </p:txBody>
       </p:sp>
@@ -2584,7 +2583,7 @@
           <a:p>
             <a:pPr lvl="0"/>
             <a:r>
-              <a:rPr lang="en-US" smtClean="0"/>
+              <a:rPr lang="en-US"/>
               <a:t>Click to edit Master text styles</a:t>
             </a:r>
           </a:p>
@@ -2607,7 +2606,7 @@
           <a:p>
             <a:fld id="{78C97017-6FC3-485B-9764-EAC9E56C1D49}" type="datetimeFigureOut">
               <a:rPr lang="en-US" smtClean="0"/>
-              <a:t>10/16/2016</a:t>
+              <a:t>10/30/2018</a:t>
             </a:fld>
             <a:endParaRPr lang="en-US"/>
           </a:p>
@@ -2710,10 +2709,9 @@
           </a:lstStyle>
           <a:p>
             <a:r>
-              <a:rPr lang="en-US" smtClean="0"/>
+              <a:rPr lang="en-US"/>
               <a:t>Click to edit Master title style</a:t>
             </a:r>
-            <a:endParaRPr lang="en-US"/>
           </a:p>
         </p:txBody>
       </p:sp>
@@ -2837,7 +2835,7 @@
           <a:p>
             <a:pPr lvl="0"/>
             <a:r>
-              <a:rPr lang="en-US" smtClean="0"/>
+              <a:rPr lang="en-US"/>
               <a:t>Click to edit Master text styles</a:t>
             </a:r>
           </a:p>
@@ -2860,7 +2858,7 @@
           <a:p>
             <a:fld id="{78C97017-6FC3-485B-9764-EAC9E56C1D49}" type="datetimeFigureOut">
               <a:rPr lang="en-US" smtClean="0"/>
-              <a:t>10/16/2016</a:t>
+              <a:t>10/30/2018</a:t>
             </a:fld>
             <a:endParaRPr lang="en-US"/>
           </a:p>
@@ -2969,10 +2967,9 @@
           <a:lstStyle/>
           <a:p>
             <a:r>
-              <a:rPr lang="en-US" smtClean="0"/>
+              <a:rPr lang="en-US"/>
               <a:t>Click to edit Master title style</a:t>
             </a:r>
-            <a:endParaRPr lang="en-US"/>
           </a:p>
         </p:txBody>
       </p:sp>
@@ -3003,38 +3000,37 @@
           <a:p>
             <a:pPr lvl="0"/>
             <a:r>
-              <a:rPr lang="en-US" smtClean="0"/>
+              <a:rPr lang="en-US"/>
               <a:t>Click to edit Master text styles</a:t>
             </a:r>
           </a:p>
           <a:p>
             <a:pPr lvl="1"/>
             <a:r>
-              <a:rPr lang="en-US" smtClean="0"/>
+              <a:rPr lang="en-US"/>
               <a:t>Second level</a:t>
             </a:r>
           </a:p>
           <a:p>
             <a:pPr lvl="2"/>
             <a:r>
-              <a:rPr lang="en-US" smtClean="0"/>
+              <a:rPr lang="en-US"/>
               <a:t>Third level</a:t>
             </a:r>
           </a:p>
           <a:p>
             <a:pPr lvl="3"/>
             <a:r>
-              <a:rPr lang="en-US" smtClean="0"/>
+              <a:rPr lang="en-US"/>
               <a:t>Fourth level</a:t>
             </a:r>
           </a:p>
           <a:p>
             <a:pPr lvl="4"/>
             <a:r>
-              <a:rPr lang="en-US" smtClean="0"/>
+              <a:rPr lang="en-US"/>
               <a:t>Fifth level</a:t>
             </a:r>
-            <a:endParaRPr lang="en-US"/>
           </a:p>
         </p:txBody>
       </p:sp>
@@ -3073,7 +3069,7 @@
           <a:p>
             <a:fld id="{78C97017-6FC3-485B-9764-EAC9E56C1D49}" type="datetimeFigureOut">
               <a:rPr lang="en-US" smtClean="0"/>
-              <a:t>10/16/2016</a:t>
+              <a:t>10/30/2018</a:t>
             </a:fld>
             <a:endParaRPr lang="en-US"/>
           </a:p>
@@ -3492,7 +3488,7 @@
           <a:p>
             <a:pPr algn="ctr"/>
             <a:r>
-              <a:rPr lang="en-US" sz="1600" dirty="0" smtClean="0">
+              <a:rPr lang="en-US" sz="1600" dirty="0">
                 <a:solidFill>
                   <a:schemeClr val="bg1"/>
                 </a:solidFill>
@@ -3856,7 +3852,7 @@
           <a:p>
             <a:pPr algn="ctr"/>
             <a:r>
-              <a:rPr lang="en-US" sz="1600" dirty="0" smtClean="0">
+              <a:rPr lang="en-US" sz="1600" dirty="0">
                 <a:solidFill>
                   <a:schemeClr val="bg1"/>
                 </a:solidFill>
@@ -4003,7 +3999,7 @@
           <a:p>
             <a:pPr algn="ctr"/>
             <a:r>
-              <a:rPr lang="en-US" sz="1600" dirty="0" smtClean="0">
+              <a:rPr lang="en-US" sz="1600" dirty="0">
                 <a:solidFill>
                   <a:schemeClr val="bg1"/>
                 </a:solidFill>
@@ -4165,10 +4161,9 @@
           <a:lstStyle/>
           <a:p>
             <a:r>
-              <a:rPr lang="en-US" sz="1400" dirty="0" smtClean="0"/>
+              <a:rPr lang="en-US" sz="1400" dirty="0"/>
               <a:t>delete 1</a:t>
             </a:r>
-            <a:endParaRPr lang="en-US" sz="1400" dirty="0"/>
           </a:p>
         </p:txBody>
       </p:sp>
@@ -4231,18 +4226,13 @@
           <a:lstStyle/>
           <a:p>
             <a:r>
-              <a:rPr lang="en-US" sz="1400" dirty="0" smtClean="0">
+              <a:rPr lang="en-US" sz="1400" dirty="0">
                 <a:solidFill>
                   <a:srgbClr val="0070C0"/>
                 </a:solidFill>
               </a:rPr>
               <a:t>execute(“delete 1”)</a:t>
             </a:r>
-            <a:endParaRPr lang="en-US" sz="1400" dirty="0">
-              <a:solidFill>
-                <a:srgbClr val="0070C0"/>
-              </a:solidFill>
-            </a:endParaRPr>
           </a:p>
         </p:txBody>
       </p:sp>
@@ -4305,7 +4295,7 @@
           <a:lstStyle/>
           <a:p>
             <a:r>
-              <a:rPr lang="en-US" sz="1400" dirty="0" err="1" smtClean="0">
+              <a:rPr lang="en-US" sz="1400" dirty="0" err="1">
                 <a:solidFill>
                   <a:srgbClr val="7030A0"/>
                 </a:solidFill>
@@ -4313,18 +4303,13 @@
               <a:t>deletePerson</a:t>
             </a:r>
             <a:r>
-              <a:rPr lang="en-US" sz="1400" dirty="0" smtClean="0">
+              <a:rPr lang="en-US" sz="1400" dirty="0">
                 <a:solidFill>
                   <a:srgbClr val="7030A0"/>
                 </a:solidFill>
               </a:rPr>
               <a:t>(p)</a:t>
             </a:r>
-            <a:endParaRPr lang="en-US" sz="1400" dirty="0">
-              <a:solidFill>
-                <a:srgbClr val="7030A0"/>
-              </a:solidFill>
-            </a:endParaRPr>
           </a:p>
         </p:txBody>
       </p:sp>
@@ -4351,7 +4336,7 @@
           <a:lstStyle/>
           <a:p>
             <a:r>
-              <a:rPr lang="en-US" sz="1400" dirty="0" smtClean="0">
+              <a:rPr lang="en-US" sz="1400" dirty="0">
                 <a:solidFill>
                   <a:schemeClr val="accent5">
                     <a:lumMod val="75000"/>
@@ -4361,7 +4346,7 @@
               <a:t>post(</a:t>
             </a:r>
             <a:r>
-              <a:rPr lang="en-US" sz="1400" dirty="0" err="1" smtClean="0">
+              <a:rPr lang="en-US" sz="1400" dirty="0" err="1">
                 <a:solidFill>
                   <a:schemeClr val="accent5">
                     <a:lumMod val="75000"/>
@@ -4371,7 +4356,7 @@
               <a:t>AddressBookChangedEvent</a:t>
             </a:r>
             <a:r>
-              <a:rPr lang="en-US" sz="1400" dirty="0" smtClean="0">
+              <a:rPr lang="en-US" sz="1400" dirty="0">
                 <a:solidFill>
                   <a:schemeClr val="accent5">
                     <a:lumMod val="75000"/>
@@ -4380,13 +4365,6 @@
               </a:rPr>
               <a:t>)</a:t>
             </a:r>
-            <a:endParaRPr lang="en-US" sz="1400" dirty="0">
-              <a:solidFill>
-                <a:schemeClr val="accent5">
-                  <a:lumMod val="75000"/>
-                </a:schemeClr>
-              </a:solidFill>
-            </a:endParaRPr>
           </a:p>
         </p:txBody>
       </p:sp>
@@ -4552,7 +4530,7 @@
           <a:p>
             <a:pPr algn="ctr"/>
             <a:r>
-              <a:rPr lang="en-US" sz="1600" dirty="0" smtClean="0">
+              <a:rPr lang="en-US" sz="1600" dirty="0">
                 <a:solidFill>
                   <a:schemeClr val="bg1"/>
                 </a:solidFill>
@@ -4560,7 +4538,7 @@
               <a:t>:</a:t>
             </a:r>
             <a:r>
-              <a:rPr lang="en-US" sz="1600" dirty="0" err="1" smtClean="0">
+              <a:rPr lang="en-US" sz="1600" dirty="0" err="1">
                 <a:solidFill>
                   <a:schemeClr val="bg1"/>
                 </a:solidFill>
@@ -4793,7 +4771,7 @@
           <a:p>
             <a:pPr algn="ctr"/>
             <a:r>
-              <a:rPr lang="en-US" sz="1600" dirty="0" smtClean="0">
+              <a:rPr lang="en-US" sz="1600" dirty="0">
                 <a:solidFill>
                   <a:schemeClr val="bg1"/>
                 </a:solidFill>
@@ -4925,7 +4903,7 @@
           <a:lstStyle/>
           <a:p>
             <a:r>
-              <a:rPr lang="en-US" sz="1400" dirty="0" smtClean="0">
+              <a:rPr lang="en-US" sz="1400" dirty="0">
                 <a:solidFill>
                   <a:schemeClr val="accent5">
                     <a:lumMod val="75000"/>
@@ -4935,7 +4913,7 @@
               <a:t>post(</a:t>
             </a:r>
             <a:r>
-              <a:rPr lang="en-US" sz="1400" dirty="0" err="1" smtClean="0">
+              <a:rPr lang="en-US" sz="1400" dirty="0" err="1">
                 <a:solidFill>
                   <a:schemeClr val="accent5">
                     <a:lumMod val="75000"/>
@@ -4945,7 +4923,7 @@
               <a:t>AddressBookChangedEvent</a:t>
             </a:r>
             <a:r>
-              <a:rPr lang="en-US" sz="1400" dirty="0" smtClean="0">
+              <a:rPr lang="en-US" sz="1400" dirty="0">
                 <a:solidFill>
                   <a:schemeClr val="accent5">
                     <a:lumMod val="75000"/>
@@ -4954,13 +4932,6 @@
               </a:rPr>
               <a:t>)</a:t>
             </a:r>
-            <a:endParaRPr lang="en-US" sz="1400" dirty="0">
-              <a:solidFill>
-                <a:schemeClr val="accent5">
-                  <a:lumMod val="75000"/>
-                </a:schemeClr>
-              </a:solidFill>
-            </a:endParaRPr>
           </a:p>
         </p:txBody>
       </p:sp>
@@ -5052,7 +5023,7 @@
           <a:p>
             <a:pPr algn="ctr"/>
             <a:r>
-              <a:rPr lang="en-US" sz="1600" dirty="0" smtClean="0">
+              <a:rPr lang="en-US" sz="1600" dirty="0">
                 <a:solidFill>
                   <a:schemeClr val="bg1"/>
                 </a:solidFill>
@@ -5060,7 +5031,7 @@
               <a:t>:</a:t>
             </a:r>
             <a:r>
-              <a:rPr lang="en-US" sz="1600" dirty="0" err="1" smtClean="0">
+              <a:rPr lang="en-US" sz="1600" dirty="0" err="1">
                 <a:solidFill>
                   <a:schemeClr val="bg1"/>
                 </a:solidFill>
@@ -5307,7 +5278,7 @@
           <a:lstStyle/>
           <a:p>
             <a:r>
-              <a:rPr lang="en-US" sz="1400" dirty="0" err="1" smtClean="0">
+              <a:rPr lang="en-US" sz="1400" dirty="0" err="1">
                 <a:solidFill>
                   <a:schemeClr val="accent6">
                     <a:lumMod val="75000"/>
@@ -5317,7 +5288,7 @@
               <a:t>handleAddresssBookChangedEvent</a:t>
             </a:r>
             <a:r>
-              <a:rPr lang="en-US" sz="1400" dirty="0" smtClean="0">
+              <a:rPr lang="en-US" sz="1400" dirty="0">
                 <a:solidFill>
                   <a:schemeClr val="accent6">
                     <a:lumMod val="75000"/>
@@ -5326,13 +5297,6 @@
               </a:rPr>
               <a:t>()</a:t>
             </a:r>
-            <a:endParaRPr lang="en-US" sz="1400" dirty="0">
-              <a:solidFill>
-                <a:schemeClr val="accent6">
-                  <a:lumMod val="75000"/>
-                </a:schemeClr>
-              </a:solidFill>
-            </a:endParaRPr>
           </a:p>
         </p:txBody>
       </p:sp>
@@ -5417,7 +5381,7 @@
           <a:p>
             <a:pPr algn="ctr"/>
             <a:r>
-              <a:rPr lang="en-US" sz="1600" dirty="0" smtClean="0">
+              <a:rPr lang="en-US" sz="1600" dirty="0">
                 <a:solidFill>
                   <a:schemeClr val="bg1"/>
                 </a:solidFill>
@@ -5620,7 +5584,7 @@
           <a:lstStyle/>
           <a:p>
             <a:r>
-              <a:rPr lang="en-US" sz="1400" dirty="0" err="1" smtClean="0">
+              <a:rPr lang="en-US" sz="1400" dirty="0" err="1">
                 <a:solidFill>
                   <a:srgbClr val="00B050"/>
                 </a:solidFill>
@@ -5628,18 +5592,13 @@
               <a:t>handleAddresssBookChangedEvent</a:t>
             </a:r>
             <a:r>
-              <a:rPr lang="en-US" sz="1400" dirty="0" smtClean="0">
+              <a:rPr lang="en-US" sz="1400" dirty="0">
                 <a:solidFill>
                   <a:srgbClr val="00B050"/>
                 </a:solidFill>
               </a:rPr>
               <a:t>()</a:t>
             </a:r>
-            <a:endParaRPr lang="en-US" sz="1400" dirty="0">
-              <a:solidFill>
-                <a:srgbClr val="00B050"/>
-              </a:solidFill>
-            </a:endParaRPr>
           </a:p>
         </p:txBody>
       </p:sp>
@@ -5826,18 +5785,13 @@
           <a:p>
             <a:pPr algn="r"/>
             <a:r>
-              <a:rPr lang="en-US" sz="1400" dirty="0" smtClean="0">
+              <a:rPr lang="en-US" sz="1400" dirty="0">
                 <a:solidFill>
                   <a:srgbClr val="00B050"/>
                 </a:solidFill>
               </a:rPr>
               <a:t>Update status bar</a:t>
             </a:r>
-            <a:endParaRPr lang="en-US" sz="1400" dirty="0">
-              <a:solidFill>
-                <a:srgbClr val="00B050"/>
-              </a:solidFill>
-            </a:endParaRPr>
           </a:p>
         </p:txBody>
       </p:sp>
@@ -6027,7 +5981,7 @@
           <a:lstStyle/>
           <a:p>
             <a:r>
-              <a:rPr lang="en-US" sz="1400" dirty="0" smtClean="0">
+              <a:rPr lang="en-US" sz="1400" dirty="0">
                 <a:solidFill>
                   <a:schemeClr val="accent6">
                     <a:lumMod val="75000"/>
@@ -6037,7 +5991,7 @@
               <a:t>Save </a:t>
             </a:r>
             <a:br>
-              <a:rPr lang="en-US" sz="1400" dirty="0" smtClean="0">
+              <a:rPr lang="en-US" sz="1400" dirty="0">
                 <a:solidFill>
                   <a:schemeClr val="accent6">
                     <a:lumMod val="75000"/>
@@ -6046,7 +6000,7 @@
               </a:rPr>
             </a:br>
             <a:r>
-              <a:rPr lang="en-US" sz="1400" dirty="0" smtClean="0">
+              <a:rPr lang="en-US" sz="1400" dirty="0">
                 <a:solidFill>
                   <a:schemeClr val="accent6">
                     <a:lumMod val="75000"/>
@@ -6055,20 +6009,3356 @@
               </a:rPr>
               <a:t>to file</a:t>
             </a:r>
-            <a:endParaRPr lang="en-US" sz="1400" dirty="0">
+          </a:p>
+        </p:txBody>
+      </p:sp>
+    </p:spTree>
+    <p:extLst>
+      <p:ext uri="{BB962C8B-B14F-4D97-AF65-F5344CB8AC3E}">
+        <p14:creationId xmlns:p14="http://schemas.microsoft.com/office/powerpoint/2010/main" val="4023378879"/>
+      </p:ext>
+    </p:extLst>
+  </p:cSld>
+  <p:clrMapOvr>
+    <a:masterClrMapping/>
+  </p:clrMapOvr>
+</p:sld>
+</file>
+
+<file path=ppt/slides/slide2.xml><?xml version="1.0" encoding="utf-8"?>
+<p:sld xmlns:a="http://schemas.openxmlformats.org/drawingml/2006/main" xmlns:r="http://schemas.openxmlformats.org/officeDocument/2006/relationships" xmlns:p="http://schemas.openxmlformats.org/presentationml/2006/main">
+  <p:cSld>
+    <p:spTree>
+      <p:nvGrpSpPr>
+        <p:cNvPr id="1" name=""/>
+        <p:cNvGrpSpPr/>
+        <p:nvPr/>
+      </p:nvGrpSpPr>
+      <p:grpSpPr>
+        <a:xfrm>
+          <a:off x="0" y="0"/>
+          <a:ext cx="0" cy="0"/>
+          <a:chOff x="0" y="0"/>
+          <a:chExt cx="0" cy="0"/>
+        </a:xfrm>
+      </p:grpSpPr>
+      <p:sp>
+        <p:nvSpPr>
+          <p:cNvPr id="2" name="Rectangle 62"/>
+          <p:cNvSpPr/>
+          <p:nvPr/>
+        </p:nvSpPr>
+        <p:spPr>
+          <a:xfrm>
+            <a:off x="1111860" y="607926"/>
+            <a:ext cx="1093635" cy="346760"/>
+          </a:xfrm>
+          <a:prstGeom prst="rect">
+            <a:avLst/>
+          </a:prstGeom>
+          <a:solidFill>
+            <a:srgbClr val="00B050"/>
+          </a:solidFill>
+          <a:ln w="19050">
+            <a:solidFill>
+              <a:srgbClr val="00B050"/>
+            </a:solidFill>
+          </a:ln>
+          <a:effectLst/>
+        </p:spPr>
+        <p:style>
+          <a:lnRef idx="1">
+            <a:schemeClr val="accent2"/>
+          </a:lnRef>
+          <a:fillRef idx="2">
+            <a:schemeClr val="accent2"/>
+          </a:fillRef>
+          <a:effectRef idx="1">
+            <a:schemeClr val="accent2"/>
+          </a:effectRef>
+          <a:fontRef idx="minor">
+            <a:schemeClr val="dk1"/>
+          </a:fontRef>
+        </p:style>
+        <p:txBody>
+          <a:bodyPr rtlCol="0" anchor="ctr"/>
+          <a:lstStyle/>
+          <a:p>
+            <a:pPr algn="ctr"/>
+            <a:r>
+              <a:rPr lang="en-US" sz="1600" dirty="0">
+                <a:solidFill>
+                  <a:schemeClr val="bg1"/>
+                </a:solidFill>
+              </a:rPr>
+              <a:t>:UI</a:t>
+            </a:r>
+            <a:endParaRPr lang="en-SG" sz="1600" dirty="0">
+              <a:solidFill>
+                <a:schemeClr val="bg1"/>
+              </a:solidFill>
+            </a:endParaRPr>
+          </a:p>
+        </p:txBody>
+      </p:sp>
+      <p:cxnSp>
+        <p:nvCxnSpPr>
+          <p:cNvPr id="5" name="Straight Connector 4"/>
+          <p:cNvCxnSpPr/>
+          <p:nvPr/>
+        </p:nvCxnSpPr>
+        <p:spPr>
+          <a:xfrm>
+            <a:off x="1658677" y="971597"/>
+            <a:ext cx="0" cy="1723059"/>
+          </a:xfrm>
+          <a:prstGeom prst="line">
+            <a:avLst/>
+          </a:prstGeom>
+          <a:ln w="19050">
+            <a:solidFill>
+              <a:srgbClr val="00B050"/>
+            </a:solidFill>
+            <a:prstDash val="sysDash"/>
+          </a:ln>
+          <a:effectLst/>
+        </p:spPr>
+        <p:style>
+          <a:lnRef idx="1">
+            <a:schemeClr val="accent1"/>
+          </a:lnRef>
+          <a:fillRef idx="2">
+            <a:schemeClr val="accent1"/>
+          </a:fillRef>
+          <a:effectRef idx="1">
+            <a:schemeClr val="accent1"/>
+          </a:effectRef>
+          <a:fontRef idx="minor">
+            <a:schemeClr val="dk1"/>
+          </a:fontRef>
+        </p:style>
+      </p:cxnSp>
+      <p:sp>
+        <p:nvSpPr>
+          <p:cNvPr id="6" name="Rectangle 5"/>
+          <p:cNvSpPr/>
+          <p:nvPr/>
+        </p:nvSpPr>
+        <p:spPr>
+          <a:xfrm>
+            <a:off x="1586669" y="1322292"/>
+            <a:ext cx="152400" cy="1019910"/>
+          </a:xfrm>
+          <a:prstGeom prst="rect">
+            <a:avLst/>
+          </a:prstGeom>
+          <a:solidFill>
+            <a:srgbClr val="00B050"/>
+          </a:solidFill>
+          <a:ln>
+            <a:solidFill>
+              <a:srgbClr val="00B050"/>
+            </a:solidFill>
+          </a:ln>
+          <a:effectLst/>
+        </p:spPr>
+        <p:style>
+          <a:lnRef idx="1">
+            <a:schemeClr val="accent3"/>
+          </a:lnRef>
+          <a:fillRef idx="2">
+            <a:schemeClr val="accent3"/>
+          </a:fillRef>
+          <a:effectRef idx="1">
+            <a:schemeClr val="accent3"/>
+          </a:effectRef>
+          <a:fontRef idx="minor">
+            <a:schemeClr val="dk1"/>
+          </a:fontRef>
+        </p:style>
+        <p:txBody>
+          <a:bodyPr rtlCol="0" anchor="ctr"/>
+          <a:lstStyle/>
+          <a:p>
+            <a:pPr algn="ctr"/>
+            <a:endParaRPr lang="en-SG" sz="1400">
+              <a:solidFill>
+                <a:schemeClr val="dk1"/>
+              </a:solidFill>
+            </a:endParaRPr>
+          </a:p>
+        </p:txBody>
+      </p:sp>
+      <p:grpSp>
+        <p:nvGrpSpPr>
+          <p:cNvPr id="7" name="Actor"/>
+          <p:cNvGrpSpPr/>
+          <p:nvPr/>
+        </p:nvGrpSpPr>
+        <p:grpSpPr>
+          <a:xfrm>
+            <a:off x="152400" y="533400"/>
+            <a:ext cx="324036" cy="573410"/>
+            <a:chOff x="3239901" y="4149080"/>
+            <a:chExt cx="648072" cy="1146820"/>
+          </a:xfrm>
+        </p:grpSpPr>
+        <p:sp>
+          <p:nvSpPr>
+            <p:cNvPr id="8" name="Flowchart: Connector 7"/>
+            <p:cNvSpPr/>
+            <p:nvPr/>
+          </p:nvSpPr>
+          <p:spPr>
+            <a:xfrm>
+              <a:off x="3419872" y="4149080"/>
+              <a:ext cx="288032" cy="288032"/>
+            </a:xfrm>
+            <a:prstGeom prst="flowChartConnector">
+              <a:avLst/>
+            </a:prstGeom>
+            <a:solidFill>
+              <a:schemeClr val="bg1">
+                <a:lumMod val="85000"/>
+              </a:schemeClr>
+            </a:solidFill>
+            <a:ln w="28575">
+              <a:solidFill>
+                <a:schemeClr val="tx1"/>
+              </a:solidFill>
+            </a:ln>
+            <a:effectLst/>
+          </p:spPr>
+          <p:style>
+            <a:lnRef idx="1">
+              <a:schemeClr val="accent4"/>
+            </a:lnRef>
+            <a:fillRef idx="2">
+              <a:schemeClr val="accent4"/>
+            </a:fillRef>
+            <a:effectRef idx="1">
+              <a:schemeClr val="accent4"/>
+            </a:effectRef>
+            <a:fontRef idx="minor">
+              <a:schemeClr val="dk1"/>
+            </a:fontRef>
+          </p:style>
+          <p:txBody>
+            <a:bodyPr rtlCol="0" anchor="ctr"/>
+            <a:lstStyle/>
+            <a:p>
+              <a:pPr algn="ctr"/>
+              <a:endParaRPr lang="en-SG"/>
+            </a:p>
+          </p:txBody>
+        </p:sp>
+        <p:cxnSp>
+          <p:nvCxnSpPr>
+            <p:cNvPr id="9" name="Straight Connector 8"/>
+            <p:cNvCxnSpPr>
+              <a:stCxn id="8" idx="4"/>
+            </p:cNvCxnSpPr>
+            <p:nvPr/>
+          </p:nvCxnSpPr>
+          <p:spPr>
+            <a:xfrm>
+              <a:off x="3563888" y="4437112"/>
+              <a:ext cx="0" cy="504056"/>
+            </a:xfrm>
+            <a:prstGeom prst="line">
+              <a:avLst/>
+            </a:prstGeom>
+            <a:ln w="28575">
+              <a:solidFill>
+                <a:schemeClr val="tx1"/>
+              </a:solidFill>
+            </a:ln>
+            <a:effectLst/>
+          </p:spPr>
+          <p:style>
+            <a:lnRef idx="1">
+              <a:schemeClr val="accent4"/>
+            </a:lnRef>
+            <a:fillRef idx="2">
+              <a:schemeClr val="accent4"/>
+            </a:fillRef>
+            <a:effectRef idx="1">
+              <a:schemeClr val="accent4"/>
+            </a:effectRef>
+            <a:fontRef idx="minor">
+              <a:schemeClr val="dk1"/>
+            </a:fontRef>
+          </p:style>
+        </p:cxnSp>
+        <p:sp>
+          <p:nvSpPr>
+            <p:cNvPr id="10" name="Freeform 9"/>
+            <p:cNvSpPr/>
+            <p:nvPr/>
+          </p:nvSpPr>
+          <p:spPr>
+            <a:xfrm>
+              <a:off x="3324225" y="4933950"/>
+              <a:ext cx="479425" cy="361950"/>
+            </a:xfrm>
+            <a:custGeom>
+              <a:avLst/>
+              <a:gdLst>
+                <a:gd name="connsiteX0" fmla="*/ 0 w 479425"/>
+                <a:gd name="connsiteY0" fmla="*/ 355600 h 361950"/>
+                <a:gd name="connsiteX1" fmla="*/ 241300 w 479425"/>
+                <a:gd name="connsiteY1" fmla="*/ 0 h 361950"/>
+                <a:gd name="connsiteX2" fmla="*/ 479425 w 479425"/>
+                <a:gd name="connsiteY2" fmla="*/ 361950 h 361950"/>
+              </a:gdLst>
+              <a:ahLst/>
+              <a:cxnLst>
+                <a:cxn ang="0">
+                  <a:pos x="connsiteX0" y="connsiteY0"/>
+                </a:cxn>
+                <a:cxn ang="0">
+                  <a:pos x="connsiteX1" y="connsiteY1"/>
+                </a:cxn>
+                <a:cxn ang="0">
+                  <a:pos x="connsiteX2" y="connsiteY2"/>
+                </a:cxn>
+              </a:cxnLst>
+              <a:rect l="l" t="t" r="r" b="b"/>
+              <a:pathLst>
+                <a:path w="479425" h="361950">
+                  <a:moveTo>
+                    <a:pt x="0" y="355600"/>
+                  </a:moveTo>
+                  <a:lnTo>
+                    <a:pt x="241300" y="0"/>
+                  </a:lnTo>
+                  <a:lnTo>
+                    <a:pt x="479425" y="361950"/>
+                  </a:lnTo>
+                </a:path>
+              </a:pathLst>
+            </a:custGeom>
+            <a:noFill/>
+            <a:ln w="28575">
+              <a:solidFill>
+                <a:schemeClr val="tx1"/>
+              </a:solidFill>
+            </a:ln>
+            <a:effectLst/>
+          </p:spPr>
+          <p:style>
+            <a:lnRef idx="1">
+              <a:schemeClr val="accent4"/>
+            </a:lnRef>
+            <a:fillRef idx="2">
+              <a:schemeClr val="accent4"/>
+            </a:fillRef>
+            <a:effectRef idx="1">
+              <a:schemeClr val="accent4"/>
+            </a:effectRef>
+            <a:fontRef idx="minor">
+              <a:schemeClr val="dk1"/>
+            </a:fontRef>
+          </p:style>
+          <p:txBody>
+            <a:bodyPr rtlCol="0" anchor="ctr"/>
+            <a:lstStyle/>
+            <a:p>
+              <a:pPr algn="ctr"/>
+              <a:endParaRPr lang="en-SG"/>
+            </a:p>
+          </p:txBody>
+        </p:sp>
+        <p:cxnSp>
+          <p:nvCxnSpPr>
+            <p:cNvPr id="11" name="Straight Connector 10"/>
+            <p:cNvCxnSpPr/>
+            <p:nvPr/>
+          </p:nvCxnSpPr>
+          <p:spPr>
+            <a:xfrm>
+              <a:off x="3239901" y="4509120"/>
+              <a:ext cx="648072" cy="0"/>
+            </a:xfrm>
+            <a:prstGeom prst="line">
+              <a:avLst/>
+            </a:prstGeom>
+            <a:ln w="28575">
+              <a:solidFill>
+                <a:schemeClr val="tx1"/>
+              </a:solidFill>
+            </a:ln>
+            <a:effectLst/>
+          </p:spPr>
+          <p:style>
+            <a:lnRef idx="1">
+              <a:schemeClr val="accent4"/>
+            </a:lnRef>
+            <a:fillRef idx="2">
+              <a:schemeClr val="accent4"/>
+            </a:fillRef>
+            <a:effectRef idx="1">
+              <a:schemeClr val="accent4"/>
+            </a:effectRef>
+            <a:fontRef idx="minor">
+              <a:schemeClr val="dk1"/>
+            </a:fontRef>
+          </p:style>
+        </p:cxnSp>
+      </p:grpSp>
+      <p:sp>
+        <p:nvSpPr>
+          <p:cNvPr id="16" name="Rectangle 62"/>
+          <p:cNvSpPr/>
+          <p:nvPr/>
+        </p:nvSpPr>
+        <p:spPr>
+          <a:xfrm>
+            <a:off x="3335583" y="611613"/>
+            <a:ext cx="1093635" cy="346760"/>
+          </a:xfrm>
+          <a:prstGeom prst="rect">
+            <a:avLst/>
+          </a:prstGeom>
+          <a:solidFill>
+            <a:srgbClr val="0070C0"/>
+          </a:solidFill>
+          <a:ln w="19050">
+            <a:solidFill>
+              <a:srgbClr val="0070C0"/>
+            </a:solidFill>
+          </a:ln>
+          <a:effectLst/>
+        </p:spPr>
+        <p:style>
+          <a:lnRef idx="1">
+            <a:schemeClr val="accent2"/>
+          </a:lnRef>
+          <a:fillRef idx="2">
+            <a:schemeClr val="accent2"/>
+          </a:fillRef>
+          <a:effectRef idx="1">
+            <a:schemeClr val="accent2"/>
+          </a:effectRef>
+          <a:fontRef idx="minor">
+            <a:schemeClr val="dk1"/>
+          </a:fontRef>
+        </p:style>
+        <p:txBody>
+          <a:bodyPr rtlCol="0" anchor="ctr"/>
+          <a:lstStyle/>
+          <a:p>
+            <a:pPr algn="ctr"/>
+            <a:r>
+              <a:rPr lang="en-US" sz="1600" dirty="0">
+                <a:solidFill>
+                  <a:schemeClr val="bg1"/>
+                </a:solidFill>
+              </a:rPr>
+              <a:t>:Logic</a:t>
+            </a:r>
+            <a:endParaRPr lang="en-SG" sz="1600" dirty="0">
+              <a:solidFill>
+                <a:schemeClr val="bg1"/>
+              </a:solidFill>
+            </a:endParaRPr>
+          </a:p>
+        </p:txBody>
+      </p:sp>
+      <p:cxnSp>
+        <p:nvCxnSpPr>
+          <p:cNvPr id="17" name="Straight Connector 16"/>
+          <p:cNvCxnSpPr/>
+          <p:nvPr/>
+        </p:nvCxnSpPr>
+        <p:spPr>
+          <a:xfrm>
+            <a:off x="3882400" y="975284"/>
+            <a:ext cx="0" cy="1723059"/>
+          </a:xfrm>
+          <a:prstGeom prst="line">
+            <a:avLst/>
+          </a:prstGeom>
+          <a:ln w="19050">
+            <a:solidFill>
+              <a:srgbClr val="0070C0"/>
+            </a:solidFill>
+            <a:prstDash val="sysDash"/>
+          </a:ln>
+          <a:effectLst/>
+        </p:spPr>
+        <p:style>
+          <a:lnRef idx="1">
+            <a:schemeClr val="accent1"/>
+          </a:lnRef>
+          <a:fillRef idx="2">
+            <a:schemeClr val="accent1"/>
+          </a:fillRef>
+          <a:effectRef idx="1">
+            <a:schemeClr val="accent1"/>
+          </a:effectRef>
+          <a:fontRef idx="minor">
+            <a:schemeClr val="dk1"/>
+          </a:fontRef>
+        </p:style>
+      </p:cxnSp>
+      <p:sp>
+        <p:nvSpPr>
+          <p:cNvPr id="18" name="Rectangle 17"/>
+          <p:cNvSpPr/>
+          <p:nvPr/>
+        </p:nvSpPr>
+        <p:spPr>
+          <a:xfrm>
+            <a:off x="3810392" y="1433477"/>
+            <a:ext cx="144016" cy="832525"/>
+          </a:xfrm>
+          <a:prstGeom prst="rect">
+            <a:avLst/>
+          </a:prstGeom>
+          <a:solidFill>
+            <a:srgbClr val="0070C0"/>
+          </a:solidFill>
+          <a:ln>
+            <a:solidFill>
+              <a:srgbClr val="0070C0"/>
+            </a:solidFill>
+          </a:ln>
+          <a:effectLst/>
+        </p:spPr>
+        <p:style>
+          <a:lnRef idx="1">
+            <a:schemeClr val="accent3"/>
+          </a:lnRef>
+          <a:fillRef idx="2">
+            <a:schemeClr val="accent3"/>
+          </a:fillRef>
+          <a:effectRef idx="1">
+            <a:schemeClr val="accent3"/>
+          </a:effectRef>
+          <a:fontRef idx="minor">
+            <a:schemeClr val="dk1"/>
+          </a:fontRef>
+        </p:style>
+        <p:txBody>
+          <a:bodyPr rtlCol="0" anchor="ctr"/>
+          <a:lstStyle/>
+          <a:p>
+            <a:pPr algn="ctr"/>
+            <a:endParaRPr lang="en-SG" sz="1400">
+              <a:solidFill>
+                <a:schemeClr val="dk1"/>
+              </a:solidFill>
+            </a:endParaRPr>
+          </a:p>
+        </p:txBody>
+      </p:sp>
+      <p:sp>
+        <p:nvSpPr>
+          <p:cNvPr id="19" name="Rectangle 62"/>
+          <p:cNvSpPr/>
+          <p:nvPr/>
+        </p:nvSpPr>
+        <p:spPr>
+          <a:xfrm>
+            <a:off x="5316783" y="607926"/>
+            <a:ext cx="1093635" cy="346760"/>
+          </a:xfrm>
+          <a:prstGeom prst="rect">
+            <a:avLst/>
+          </a:prstGeom>
+          <a:solidFill>
+            <a:srgbClr val="7030A0"/>
+          </a:solidFill>
+          <a:ln w="19050">
+            <a:solidFill>
+              <a:srgbClr val="7030A0"/>
+            </a:solidFill>
+          </a:ln>
+          <a:effectLst/>
+        </p:spPr>
+        <p:style>
+          <a:lnRef idx="1">
+            <a:schemeClr val="accent2"/>
+          </a:lnRef>
+          <a:fillRef idx="2">
+            <a:schemeClr val="accent2"/>
+          </a:fillRef>
+          <a:effectRef idx="1">
+            <a:schemeClr val="accent2"/>
+          </a:effectRef>
+          <a:fontRef idx="minor">
+            <a:schemeClr val="dk1"/>
+          </a:fontRef>
+        </p:style>
+        <p:txBody>
+          <a:bodyPr rtlCol="0" anchor="ctr"/>
+          <a:lstStyle/>
+          <a:p>
+            <a:pPr algn="ctr"/>
+            <a:r>
+              <a:rPr lang="en-US" sz="1600" dirty="0">
+                <a:solidFill>
+                  <a:schemeClr val="bg1"/>
+                </a:solidFill>
+              </a:rPr>
+              <a:t>:Model</a:t>
+            </a:r>
+            <a:endParaRPr lang="en-SG" sz="1600" dirty="0">
+              <a:solidFill>
+                <a:schemeClr val="bg1"/>
+              </a:solidFill>
+            </a:endParaRPr>
+          </a:p>
+        </p:txBody>
+      </p:sp>
+      <p:cxnSp>
+        <p:nvCxnSpPr>
+          <p:cNvPr id="20" name="Straight Connector 19"/>
+          <p:cNvCxnSpPr/>
+          <p:nvPr/>
+        </p:nvCxnSpPr>
+        <p:spPr>
+          <a:xfrm>
+            <a:off x="5863600" y="971597"/>
+            <a:ext cx="0" cy="1723059"/>
+          </a:xfrm>
+          <a:prstGeom prst="line">
+            <a:avLst/>
+          </a:prstGeom>
+          <a:ln w="19050">
+            <a:solidFill>
+              <a:srgbClr val="7030A0"/>
+            </a:solidFill>
+            <a:prstDash val="sysDash"/>
+          </a:ln>
+          <a:effectLst/>
+        </p:spPr>
+        <p:style>
+          <a:lnRef idx="1">
+            <a:schemeClr val="accent1"/>
+          </a:lnRef>
+          <a:fillRef idx="2">
+            <a:schemeClr val="accent1"/>
+          </a:fillRef>
+          <a:effectRef idx="1">
+            <a:schemeClr val="accent1"/>
+          </a:effectRef>
+          <a:fontRef idx="minor">
+            <a:schemeClr val="dk1"/>
+          </a:fontRef>
+        </p:style>
+      </p:cxnSp>
+      <p:sp>
+        <p:nvSpPr>
+          <p:cNvPr id="21" name="Rectangle 20"/>
+          <p:cNvSpPr/>
+          <p:nvPr/>
+        </p:nvSpPr>
+        <p:spPr>
+          <a:xfrm>
+            <a:off x="5791592" y="1538408"/>
+            <a:ext cx="142006" cy="651394"/>
+          </a:xfrm>
+          <a:prstGeom prst="rect">
+            <a:avLst/>
+          </a:prstGeom>
+          <a:solidFill>
+            <a:srgbClr val="7030A0"/>
+          </a:solidFill>
+          <a:ln>
+            <a:solidFill>
+              <a:srgbClr val="7030A0"/>
+            </a:solidFill>
+          </a:ln>
+          <a:effectLst/>
+        </p:spPr>
+        <p:style>
+          <a:lnRef idx="1">
+            <a:schemeClr val="accent3"/>
+          </a:lnRef>
+          <a:fillRef idx="2">
+            <a:schemeClr val="accent3"/>
+          </a:fillRef>
+          <a:effectRef idx="1">
+            <a:schemeClr val="accent3"/>
+          </a:effectRef>
+          <a:fontRef idx="minor">
+            <a:schemeClr val="dk1"/>
+          </a:fontRef>
+        </p:style>
+        <p:txBody>
+          <a:bodyPr rtlCol="0" anchor="ctr"/>
+          <a:lstStyle/>
+          <a:p>
+            <a:pPr algn="ctr"/>
+            <a:endParaRPr lang="en-SG" sz="1400">
+              <a:solidFill>
+                <a:schemeClr val="dk1"/>
+              </a:solidFill>
+            </a:endParaRPr>
+          </a:p>
+        </p:txBody>
+      </p:sp>
+      <p:cxnSp>
+        <p:nvCxnSpPr>
+          <p:cNvPr id="23" name="Straight Arrow Connector 22"/>
+          <p:cNvCxnSpPr/>
+          <p:nvPr/>
+        </p:nvCxnSpPr>
+        <p:spPr>
+          <a:xfrm>
+            <a:off x="466818" y="1325979"/>
+            <a:ext cx="1119851" cy="0"/>
+          </a:xfrm>
+          <a:prstGeom prst="straightConnector1">
+            <a:avLst/>
+          </a:prstGeom>
+          <a:ln w="19050">
+            <a:solidFill>
+              <a:schemeClr val="tx1"/>
+            </a:solidFill>
+            <a:tailEnd type="arrow"/>
+          </a:ln>
+        </p:spPr>
+        <p:style>
+          <a:lnRef idx="1">
+            <a:schemeClr val="accent1"/>
+          </a:lnRef>
+          <a:fillRef idx="0">
+            <a:schemeClr val="accent1"/>
+          </a:fillRef>
+          <a:effectRef idx="0">
+            <a:schemeClr val="accent1"/>
+          </a:effectRef>
+          <a:fontRef idx="minor">
+            <a:schemeClr val="tx1"/>
+          </a:fontRef>
+        </p:style>
+      </p:cxnSp>
+      <p:sp>
+        <p:nvSpPr>
+          <p:cNvPr id="24" name="TextBox 23"/>
+          <p:cNvSpPr txBox="1"/>
+          <p:nvPr/>
+        </p:nvSpPr>
+        <p:spPr>
+          <a:xfrm>
+            <a:off x="473010" y="1371193"/>
+            <a:ext cx="1065810" cy="430887"/>
+          </a:xfrm>
+          <a:prstGeom prst="rect">
+            <a:avLst/>
+          </a:prstGeom>
+          <a:noFill/>
+        </p:spPr>
+        <p:txBody>
+          <a:bodyPr wrap="square" lIns="0" tIns="0" rIns="0" bIns="0" rtlCol="0">
+            <a:spAutoFit/>
+          </a:bodyPr>
+          <a:lstStyle/>
+          <a:p>
+            <a:r>
+              <a:rPr lang="en-US" sz="1400" dirty="0" err="1"/>
+              <a:t>loadtemplate</a:t>
+            </a:r>
+            <a:r>
+              <a:rPr lang="en-US" sz="1400" dirty="0"/>
+              <a:t> template1.txt</a:t>
+            </a:r>
+          </a:p>
+        </p:txBody>
+      </p:sp>
+      <p:cxnSp>
+        <p:nvCxnSpPr>
+          <p:cNvPr id="25" name="Straight Arrow Connector 24"/>
+          <p:cNvCxnSpPr/>
+          <p:nvPr/>
+        </p:nvCxnSpPr>
+        <p:spPr>
+          <a:xfrm>
+            <a:off x="1739069" y="1433478"/>
+            <a:ext cx="2071323" cy="0"/>
+          </a:xfrm>
+          <a:prstGeom prst="straightConnector1">
+            <a:avLst/>
+          </a:prstGeom>
+          <a:ln w="19050">
+            <a:solidFill>
+              <a:srgbClr val="00B050"/>
+            </a:solidFill>
+            <a:tailEnd type="arrow"/>
+          </a:ln>
+        </p:spPr>
+        <p:style>
+          <a:lnRef idx="1">
+            <a:schemeClr val="accent1"/>
+          </a:lnRef>
+          <a:fillRef idx="0">
+            <a:schemeClr val="accent1"/>
+          </a:fillRef>
+          <a:effectRef idx="0">
+            <a:schemeClr val="accent1"/>
+          </a:effectRef>
+          <a:fontRef idx="minor">
+            <a:schemeClr val="tx1"/>
+          </a:fontRef>
+        </p:style>
+      </p:cxnSp>
+      <p:sp>
+        <p:nvSpPr>
+          <p:cNvPr id="26" name="TextBox 25"/>
+          <p:cNvSpPr txBox="1"/>
+          <p:nvPr/>
+        </p:nvSpPr>
+        <p:spPr>
+          <a:xfrm>
+            <a:off x="1824281" y="1506676"/>
+            <a:ext cx="1905719" cy="430887"/>
+          </a:xfrm>
+          <a:prstGeom prst="rect">
+            <a:avLst/>
+          </a:prstGeom>
+          <a:noFill/>
+        </p:spPr>
+        <p:txBody>
+          <a:bodyPr wrap="square" lIns="0" tIns="0" rIns="0" bIns="0" rtlCol="0">
+            <a:spAutoFit/>
+          </a:bodyPr>
+          <a:lstStyle/>
+          <a:p>
+            <a:r>
+              <a:rPr lang="en-US" sz="1400" dirty="0">
+                <a:solidFill>
+                  <a:srgbClr val="0070C0"/>
+                </a:solidFill>
+              </a:rPr>
+              <a:t>execute(“</a:t>
+            </a:r>
+            <a:r>
+              <a:rPr lang="en-US" sz="1400" dirty="0" err="1">
+                <a:solidFill>
+                  <a:srgbClr val="0070C0"/>
+                </a:solidFill>
+              </a:rPr>
+              <a:t>loadtemplate</a:t>
+            </a:r>
+            <a:r>
+              <a:rPr lang="en-US" sz="1400" dirty="0">
+                <a:solidFill>
+                  <a:srgbClr val="0070C0"/>
+                </a:solidFill>
+              </a:rPr>
+              <a:t> template1.txt”)</a:t>
+            </a:r>
+          </a:p>
+        </p:txBody>
+      </p:sp>
+      <p:cxnSp>
+        <p:nvCxnSpPr>
+          <p:cNvPr id="28" name="Straight Arrow Connector 27"/>
+          <p:cNvCxnSpPr/>
+          <p:nvPr/>
+        </p:nvCxnSpPr>
+        <p:spPr>
+          <a:xfrm>
+            <a:off x="3954408" y="1538409"/>
+            <a:ext cx="1837184" cy="0"/>
+          </a:xfrm>
+          <a:prstGeom prst="straightConnector1">
+            <a:avLst/>
+          </a:prstGeom>
+          <a:ln w="19050">
+            <a:solidFill>
+              <a:srgbClr val="0070C0"/>
+            </a:solidFill>
+            <a:tailEnd type="arrow"/>
+          </a:ln>
+        </p:spPr>
+        <p:style>
+          <a:lnRef idx="1">
+            <a:schemeClr val="accent1"/>
+          </a:lnRef>
+          <a:fillRef idx="0">
+            <a:schemeClr val="accent1"/>
+          </a:fillRef>
+          <a:effectRef idx="0">
+            <a:schemeClr val="accent1"/>
+          </a:effectRef>
+          <a:fontRef idx="minor">
+            <a:schemeClr val="tx1"/>
+          </a:fontRef>
+        </p:style>
+      </p:cxnSp>
+      <p:sp>
+        <p:nvSpPr>
+          <p:cNvPr id="29" name="TextBox 28"/>
+          <p:cNvSpPr txBox="1"/>
+          <p:nvPr/>
+        </p:nvSpPr>
+        <p:spPr>
+          <a:xfrm>
+            <a:off x="4058780" y="1542583"/>
+            <a:ext cx="1665838" cy="215444"/>
+          </a:xfrm>
+          <a:prstGeom prst="rect">
+            <a:avLst/>
+          </a:prstGeom>
+          <a:noFill/>
+        </p:spPr>
+        <p:txBody>
+          <a:bodyPr wrap="square" lIns="0" tIns="0" rIns="0" bIns="0" rtlCol="0">
+            <a:spAutoFit/>
+          </a:bodyPr>
+          <a:lstStyle/>
+          <a:p>
+            <a:r>
+              <a:rPr lang="en-US" sz="1400" dirty="0" err="1">
+                <a:solidFill>
+                  <a:srgbClr val="7030A0"/>
+                </a:solidFill>
+              </a:rPr>
+              <a:t>loadtemplate</a:t>
+            </a:r>
+            <a:r>
+              <a:rPr lang="en-US" sz="1400" dirty="0">
+                <a:solidFill>
+                  <a:srgbClr val="7030A0"/>
+                </a:solidFill>
+              </a:rPr>
+              <a:t>(</a:t>
+            </a:r>
+            <a:r>
+              <a:rPr lang="en-US" sz="1400" dirty="0" err="1">
+                <a:solidFill>
+                  <a:srgbClr val="7030A0"/>
+                </a:solidFill>
+              </a:rPr>
+              <a:t>filepath</a:t>
+            </a:r>
+            <a:r>
+              <a:rPr lang="en-US" sz="1400" dirty="0">
+                <a:solidFill>
+                  <a:srgbClr val="7030A0"/>
+                </a:solidFill>
+              </a:rPr>
+              <a:t>)</a:t>
+            </a:r>
+          </a:p>
+        </p:txBody>
+      </p:sp>
+      <p:sp>
+        <p:nvSpPr>
+          <p:cNvPr id="33" name="TextBox 32"/>
+          <p:cNvSpPr txBox="1"/>
+          <p:nvPr/>
+        </p:nvSpPr>
+        <p:spPr>
+          <a:xfrm>
+            <a:off x="6028291" y="1687656"/>
+            <a:ext cx="2658509" cy="215444"/>
+          </a:xfrm>
+          <a:prstGeom prst="rect">
+            <a:avLst/>
+          </a:prstGeom>
+          <a:noFill/>
+        </p:spPr>
+        <p:txBody>
+          <a:bodyPr wrap="square" lIns="0" tIns="0" rIns="0" bIns="0" rtlCol="0">
+            <a:spAutoFit/>
+          </a:bodyPr>
+          <a:lstStyle/>
+          <a:p>
+            <a:r>
+              <a:rPr lang="en-US" sz="1400" dirty="0">
+                <a:solidFill>
+                  <a:schemeClr val="accent5">
+                    <a:lumMod val="75000"/>
+                  </a:schemeClr>
+                </a:solidFill>
+              </a:rPr>
+              <a:t>post(</a:t>
+            </a:r>
+            <a:r>
+              <a:rPr lang="en-US" sz="1400" dirty="0" err="1">
+                <a:solidFill>
+                  <a:schemeClr val="accent5">
+                    <a:lumMod val="75000"/>
+                  </a:schemeClr>
+                </a:solidFill>
+              </a:rPr>
+              <a:t>TemplateLoadRequestedEvent</a:t>
+            </a:r>
+            <a:r>
+              <a:rPr lang="en-US" sz="1400" dirty="0">
+                <a:solidFill>
+                  <a:schemeClr val="accent5">
+                    <a:lumMod val="75000"/>
+                  </a:schemeClr>
+                </a:solidFill>
+              </a:rPr>
+              <a:t>)</a:t>
+            </a:r>
+          </a:p>
+        </p:txBody>
+      </p:sp>
+      <p:cxnSp>
+        <p:nvCxnSpPr>
+          <p:cNvPr id="34" name="Straight Arrow Connector 33"/>
+          <p:cNvCxnSpPr/>
+          <p:nvPr/>
+        </p:nvCxnSpPr>
+        <p:spPr>
+          <a:xfrm>
+            <a:off x="3954408" y="2190681"/>
+            <a:ext cx="1837184" cy="0"/>
+          </a:xfrm>
+          <a:prstGeom prst="straightConnector1">
+            <a:avLst/>
+          </a:prstGeom>
+          <a:ln w="19050">
+            <a:solidFill>
+              <a:srgbClr val="7030A0"/>
+            </a:solidFill>
+            <a:prstDash val="sysDash"/>
+            <a:headEnd type="arrow" w="med" len="med"/>
+            <a:tailEnd type="none" w="med" len="med"/>
+          </a:ln>
+        </p:spPr>
+        <p:style>
+          <a:lnRef idx="1">
+            <a:schemeClr val="accent1"/>
+          </a:lnRef>
+          <a:fillRef idx="0">
+            <a:schemeClr val="accent1"/>
+          </a:fillRef>
+          <a:effectRef idx="0">
+            <a:schemeClr val="accent1"/>
+          </a:effectRef>
+          <a:fontRef idx="minor">
+            <a:schemeClr val="tx1"/>
+          </a:fontRef>
+        </p:style>
+      </p:cxnSp>
+      <p:cxnSp>
+        <p:nvCxnSpPr>
+          <p:cNvPr id="35" name="Straight Arrow Connector 34"/>
+          <p:cNvCxnSpPr/>
+          <p:nvPr/>
+        </p:nvCxnSpPr>
+        <p:spPr>
+          <a:xfrm>
+            <a:off x="1739069" y="2266002"/>
+            <a:ext cx="2058118" cy="0"/>
+          </a:xfrm>
+          <a:prstGeom prst="straightConnector1">
+            <a:avLst/>
+          </a:prstGeom>
+          <a:ln w="19050">
+            <a:solidFill>
+              <a:srgbClr val="0070C0"/>
+            </a:solidFill>
+            <a:prstDash val="sysDash"/>
+            <a:headEnd type="arrow" w="med" len="med"/>
+            <a:tailEnd type="none" w="med" len="med"/>
+          </a:ln>
+        </p:spPr>
+        <p:style>
+          <a:lnRef idx="1">
+            <a:schemeClr val="accent1"/>
+          </a:lnRef>
+          <a:fillRef idx="0">
+            <a:schemeClr val="accent1"/>
+          </a:fillRef>
+          <a:effectRef idx="0">
+            <a:schemeClr val="accent1"/>
+          </a:effectRef>
+          <a:fontRef idx="minor">
+            <a:schemeClr val="tx1"/>
+          </a:fontRef>
+        </p:style>
+      </p:cxnSp>
+      <p:cxnSp>
+        <p:nvCxnSpPr>
+          <p:cNvPr id="37" name="Straight Arrow Connector 36"/>
+          <p:cNvCxnSpPr/>
+          <p:nvPr/>
+        </p:nvCxnSpPr>
+        <p:spPr>
+          <a:xfrm>
+            <a:off x="390618" y="2342202"/>
+            <a:ext cx="1196051" cy="0"/>
+          </a:xfrm>
+          <a:prstGeom prst="straightConnector1">
+            <a:avLst/>
+          </a:prstGeom>
+          <a:ln w="19050">
+            <a:solidFill>
+              <a:srgbClr val="00B050"/>
+            </a:solidFill>
+            <a:prstDash val="sysDash"/>
+            <a:headEnd type="arrow" w="med" len="med"/>
+            <a:tailEnd type="none" w="med" len="med"/>
+          </a:ln>
+        </p:spPr>
+        <p:style>
+          <a:lnRef idx="1">
+            <a:schemeClr val="accent1"/>
+          </a:lnRef>
+          <a:fillRef idx="0">
+            <a:schemeClr val="accent1"/>
+          </a:fillRef>
+          <a:effectRef idx="0">
+            <a:schemeClr val="accent1"/>
+          </a:effectRef>
+          <a:fontRef idx="minor">
+            <a:schemeClr val="tx1"/>
+          </a:fontRef>
+        </p:style>
+      </p:cxnSp>
+      <p:sp>
+        <p:nvSpPr>
+          <p:cNvPr id="39" name="Rectangle 62"/>
+          <p:cNvSpPr/>
+          <p:nvPr/>
+        </p:nvSpPr>
+        <p:spPr>
+          <a:xfrm>
+            <a:off x="7772400" y="591251"/>
+            <a:ext cx="1371600" cy="346760"/>
+          </a:xfrm>
+          <a:prstGeom prst="rect">
+            <a:avLst/>
+          </a:prstGeom>
+          <a:solidFill>
+            <a:schemeClr val="accent5">
+              <a:lumMod val="75000"/>
+            </a:schemeClr>
+          </a:solidFill>
+          <a:ln w="19050">
+            <a:solidFill>
+              <a:schemeClr val="accent5">
+                <a:lumMod val="75000"/>
+              </a:schemeClr>
+            </a:solidFill>
+          </a:ln>
+          <a:effectLst/>
+        </p:spPr>
+        <p:style>
+          <a:lnRef idx="1">
+            <a:schemeClr val="accent2"/>
+          </a:lnRef>
+          <a:fillRef idx="2">
+            <a:schemeClr val="accent2"/>
+          </a:fillRef>
+          <a:effectRef idx="1">
+            <a:schemeClr val="accent2"/>
+          </a:effectRef>
+          <a:fontRef idx="minor">
+            <a:schemeClr val="dk1"/>
+          </a:fontRef>
+        </p:style>
+        <p:txBody>
+          <a:bodyPr rtlCol="0" anchor="ctr"/>
+          <a:lstStyle/>
+          <a:p>
+            <a:pPr algn="ctr"/>
+            <a:r>
+              <a:rPr lang="en-US" sz="1600" dirty="0">
+                <a:solidFill>
+                  <a:schemeClr val="bg1"/>
+                </a:solidFill>
+              </a:rPr>
+              <a:t>:</a:t>
+            </a:r>
+            <a:r>
+              <a:rPr lang="en-US" sz="1600" dirty="0" err="1">
+                <a:solidFill>
+                  <a:schemeClr val="bg1"/>
+                </a:solidFill>
+              </a:rPr>
+              <a:t>EventsCenter</a:t>
+            </a:r>
+            <a:endParaRPr lang="en-SG" sz="1600" dirty="0">
+              <a:solidFill>
+                <a:schemeClr val="bg1"/>
+              </a:solidFill>
+            </a:endParaRPr>
+          </a:p>
+        </p:txBody>
+      </p:sp>
+      <p:cxnSp>
+        <p:nvCxnSpPr>
+          <p:cNvPr id="40" name="Straight Connector 39"/>
+          <p:cNvCxnSpPr/>
+          <p:nvPr/>
+        </p:nvCxnSpPr>
+        <p:spPr>
+          <a:xfrm>
+            <a:off x="8693002" y="944305"/>
+            <a:ext cx="0" cy="1723059"/>
+          </a:xfrm>
+          <a:prstGeom prst="line">
+            <a:avLst/>
+          </a:prstGeom>
+          <a:ln w="19050">
+            <a:solidFill>
+              <a:schemeClr val="accent5">
+                <a:lumMod val="75000"/>
+              </a:schemeClr>
+            </a:solidFill>
+            <a:prstDash val="sysDash"/>
+          </a:ln>
+          <a:effectLst/>
+        </p:spPr>
+        <p:style>
+          <a:lnRef idx="1">
+            <a:schemeClr val="accent1"/>
+          </a:lnRef>
+          <a:fillRef idx="2">
+            <a:schemeClr val="accent1"/>
+          </a:fillRef>
+          <a:effectRef idx="1">
+            <a:schemeClr val="accent1"/>
+          </a:effectRef>
+          <a:fontRef idx="minor">
+            <a:schemeClr val="dk1"/>
+          </a:fontRef>
+        </p:style>
+      </p:cxnSp>
+      <p:sp>
+        <p:nvSpPr>
+          <p:cNvPr id="41" name="Rectangle 40"/>
+          <p:cNvSpPr/>
+          <p:nvPr/>
+        </p:nvSpPr>
+        <p:spPr>
+          <a:xfrm>
+            <a:off x="8620994" y="1961202"/>
+            <a:ext cx="142006" cy="176787"/>
+          </a:xfrm>
+          <a:prstGeom prst="rect">
+            <a:avLst/>
+          </a:prstGeom>
+          <a:solidFill>
+            <a:schemeClr val="accent5">
+              <a:lumMod val="75000"/>
+            </a:schemeClr>
+          </a:solidFill>
+          <a:ln>
+            <a:solidFill>
+              <a:schemeClr val="accent5">
+                <a:lumMod val="75000"/>
+              </a:schemeClr>
+            </a:solidFill>
+          </a:ln>
+          <a:effectLst/>
+        </p:spPr>
+        <p:style>
+          <a:lnRef idx="1">
+            <a:schemeClr val="accent3"/>
+          </a:lnRef>
+          <a:fillRef idx="2">
+            <a:schemeClr val="accent3"/>
+          </a:fillRef>
+          <a:effectRef idx="1">
+            <a:schemeClr val="accent3"/>
+          </a:effectRef>
+          <a:fontRef idx="minor">
+            <a:schemeClr val="dk1"/>
+          </a:fontRef>
+        </p:style>
+        <p:txBody>
+          <a:bodyPr rtlCol="0" anchor="ctr"/>
+          <a:lstStyle/>
+          <a:p>
+            <a:pPr algn="ctr"/>
+            <a:endParaRPr lang="en-SG" sz="1400">
+              <a:solidFill>
+                <a:schemeClr val="dk1"/>
+              </a:solidFill>
+            </a:endParaRPr>
+          </a:p>
+        </p:txBody>
+      </p:sp>
+      <p:cxnSp>
+        <p:nvCxnSpPr>
+          <p:cNvPr id="42" name="Straight Arrow Connector 41"/>
+          <p:cNvCxnSpPr/>
+          <p:nvPr/>
+        </p:nvCxnSpPr>
+        <p:spPr>
+          <a:xfrm>
+            <a:off x="5943992" y="1961202"/>
+            <a:ext cx="2568438" cy="0"/>
+          </a:xfrm>
+          <a:prstGeom prst="straightConnector1">
+            <a:avLst/>
+          </a:prstGeom>
+          <a:ln w="19050">
+            <a:solidFill>
+              <a:srgbClr val="7030A0"/>
+            </a:solidFill>
+            <a:tailEnd type="arrow"/>
+          </a:ln>
+        </p:spPr>
+        <p:style>
+          <a:lnRef idx="1">
+            <a:schemeClr val="accent1"/>
+          </a:lnRef>
+          <a:fillRef idx="0">
+            <a:schemeClr val="accent1"/>
+          </a:fillRef>
+          <a:effectRef idx="0">
+            <a:schemeClr val="accent1"/>
+          </a:effectRef>
+          <a:fontRef idx="minor">
+            <a:schemeClr val="tx1"/>
+          </a:fontRef>
+        </p:style>
+      </p:cxnSp>
+      <p:cxnSp>
+        <p:nvCxnSpPr>
+          <p:cNvPr id="44" name="Straight Arrow Connector 43"/>
+          <p:cNvCxnSpPr>
+            <a:cxnSpLocks/>
+            <a:endCxn id="41" idx="2"/>
+          </p:cNvCxnSpPr>
+          <p:nvPr/>
+        </p:nvCxnSpPr>
+        <p:spPr>
+          <a:xfrm>
+            <a:off x="5943992" y="2137989"/>
+            <a:ext cx="2748005" cy="0"/>
+          </a:xfrm>
+          <a:prstGeom prst="straightConnector1">
+            <a:avLst/>
+          </a:prstGeom>
+          <a:ln w="19050">
+            <a:solidFill>
+              <a:schemeClr val="accent5">
+                <a:lumMod val="75000"/>
+              </a:schemeClr>
+            </a:solidFill>
+            <a:prstDash val="sysDash"/>
+            <a:headEnd type="arrow" w="med" len="med"/>
+            <a:tailEnd type="none" w="med" len="med"/>
+          </a:ln>
+        </p:spPr>
+        <p:style>
+          <a:lnRef idx="1">
+            <a:schemeClr val="accent1"/>
+          </a:lnRef>
+          <a:fillRef idx="0">
+            <a:schemeClr val="accent1"/>
+          </a:fillRef>
+          <a:effectRef idx="0">
+            <a:schemeClr val="accent1"/>
+          </a:effectRef>
+          <a:fontRef idx="minor">
+            <a:schemeClr val="tx1"/>
+          </a:fontRef>
+        </p:style>
+      </p:cxnSp>
+      <p:cxnSp>
+        <p:nvCxnSpPr>
+          <p:cNvPr id="85" name="Straight Connector 84"/>
+          <p:cNvCxnSpPr/>
+          <p:nvPr/>
+        </p:nvCxnSpPr>
+        <p:spPr>
+          <a:xfrm flipH="1">
+            <a:off x="314394" y="1099672"/>
+            <a:ext cx="24" cy="1598671"/>
+          </a:xfrm>
+          <a:prstGeom prst="line">
+            <a:avLst/>
+          </a:prstGeom>
+          <a:ln w="19050">
+            <a:solidFill>
+              <a:schemeClr val="tx1"/>
+            </a:solidFill>
+            <a:prstDash val="sysDash"/>
+          </a:ln>
+          <a:effectLst/>
+        </p:spPr>
+        <p:style>
+          <a:lnRef idx="1">
+            <a:schemeClr val="accent1"/>
+          </a:lnRef>
+          <a:fillRef idx="2">
+            <a:schemeClr val="accent1"/>
+          </a:fillRef>
+          <a:effectRef idx="1">
+            <a:schemeClr val="accent1"/>
+          </a:effectRef>
+          <a:fontRef idx="minor">
+            <a:schemeClr val="dk1"/>
+          </a:fontRef>
+        </p:style>
+      </p:cxnSp>
+    </p:spTree>
+    <p:extLst>
+      <p:ext uri="{BB962C8B-B14F-4D97-AF65-F5344CB8AC3E}">
+        <p14:creationId xmlns:p14="http://schemas.microsoft.com/office/powerpoint/2010/main" val="2595471911"/>
+      </p:ext>
+    </p:extLst>
+  </p:cSld>
+  <p:clrMapOvr>
+    <a:masterClrMapping/>
+  </p:clrMapOvr>
+</p:sld>
+</file>
+
+<file path=ppt/slides/slide3.xml><?xml version="1.0" encoding="utf-8"?>
+<p:sld xmlns:a="http://schemas.openxmlformats.org/drawingml/2006/main" xmlns:r="http://schemas.openxmlformats.org/officeDocument/2006/relationships" xmlns:p="http://schemas.openxmlformats.org/presentationml/2006/main">
+  <p:cSld>
+    <p:spTree>
+      <p:nvGrpSpPr>
+        <p:cNvPr id="1" name=""/>
+        <p:cNvGrpSpPr/>
+        <p:nvPr/>
+      </p:nvGrpSpPr>
+      <p:grpSpPr>
+        <a:xfrm>
+          <a:off x="0" y="0"/>
+          <a:ext cx="0" cy="0"/>
+          <a:chOff x="0" y="0"/>
+          <a:chExt cx="0" cy="0"/>
+        </a:xfrm>
+      </p:grpSpPr>
+      <p:sp>
+        <p:nvSpPr>
+          <p:cNvPr id="2" name="Rectangle 62">
+            <a:extLst>
+              <a:ext uri="{FF2B5EF4-FFF2-40B4-BE49-F238E27FC236}">
+                <a16:creationId xmlns:a16="http://schemas.microsoft.com/office/drawing/2014/main" id="{E5090741-091E-4D57-B220-2FC2C7A4FF91}"/>
+              </a:ext>
+            </a:extLst>
+          </p:cNvPr>
+          <p:cNvSpPr/>
+          <p:nvPr/>
+        </p:nvSpPr>
+        <p:spPr>
+          <a:xfrm>
+            <a:off x="7377903" y="592689"/>
+            <a:ext cx="1093635" cy="346760"/>
+          </a:xfrm>
+          <a:prstGeom prst="rect">
+            <a:avLst/>
+          </a:prstGeom>
+          <a:solidFill>
+            <a:schemeClr val="accent6">
+              <a:lumMod val="75000"/>
+            </a:schemeClr>
+          </a:solidFill>
+          <a:ln w="19050">
+            <a:solidFill>
+              <a:schemeClr val="accent6">
+                <a:lumMod val="75000"/>
+              </a:schemeClr>
+            </a:solidFill>
+          </a:ln>
+          <a:effectLst/>
+        </p:spPr>
+        <p:style>
+          <a:lnRef idx="1">
+            <a:schemeClr val="accent2"/>
+          </a:lnRef>
+          <a:fillRef idx="2">
+            <a:schemeClr val="accent2"/>
+          </a:fillRef>
+          <a:effectRef idx="1">
+            <a:schemeClr val="accent2"/>
+          </a:effectRef>
+          <a:fontRef idx="minor">
+            <a:schemeClr val="dk1"/>
+          </a:fontRef>
+        </p:style>
+        <p:txBody>
+          <a:bodyPr rtlCol="0" anchor="ctr"/>
+          <a:lstStyle/>
+          <a:p>
+            <a:pPr algn="ctr"/>
+            <a:r>
+              <a:rPr lang="en-US" sz="1600" dirty="0">
+                <a:solidFill>
+                  <a:schemeClr val="bg1"/>
+                </a:solidFill>
+              </a:rPr>
+              <a:t>:Storage</a:t>
+            </a:r>
+            <a:endParaRPr lang="en-SG" sz="1600" dirty="0">
+              <a:solidFill>
+                <a:schemeClr val="bg1"/>
+              </a:solidFill>
+            </a:endParaRPr>
+          </a:p>
+        </p:txBody>
+      </p:sp>
+      <p:cxnSp>
+        <p:nvCxnSpPr>
+          <p:cNvPr id="3" name="Straight Connector 2">
+            <a:extLst>
+              <a:ext uri="{FF2B5EF4-FFF2-40B4-BE49-F238E27FC236}">
+                <a16:creationId xmlns:a16="http://schemas.microsoft.com/office/drawing/2014/main" id="{8CA45D0E-AA73-4EE4-8819-1A76BC4A8592}"/>
+              </a:ext>
+            </a:extLst>
+          </p:cNvPr>
+          <p:cNvCxnSpPr>
+            <a:cxnSpLocks/>
+          </p:cNvCxnSpPr>
+          <p:nvPr/>
+        </p:nvCxnSpPr>
+        <p:spPr>
+          <a:xfrm>
+            <a:off x="7924720" y="956360"/>
+            <a:ext cx="0" cy="3539440"/>
+          </a:xfrm>
+          <a:prstGeom prst="line">
+            <a:avLst/>
+          </a:prstGeom>
+          <a:ln w="19050">
+            <a:solidFill>
+              <a:schemeClr val="accent6">
+                <a:lumMod val="75000"/>
+              </a:schemeClr>
+            </a:solidFill>
+            <a:prstDash val="sysDash"/>
+          </a:ln>
+          <a:effectLst/>
+        </p:spPr>
+        <p:style>
+          <a:lnRef idx="1">
+            <a:schemeClr val="accent1"/>
+          </a:lnRef>
+          <a:fillRef idx="2">
+            <a:schemeClr val="accent1"/>
+          </a:fillRef>
+          <a:effectRef idx="1">
+            <a:schemeClr val="accent1"/>
+          </a:effectRef>
+          <a:fontRef idx="minor">
+            <a:schemeClr val="dk1"/>
+          </a:fontRef>
+        </p:style>
+      </p:cxnSp>
+      <p:sp>
+        <p:nvSpPr>
+          <p:cNvPr id="4" name="Rectangle 3">
+            <a:extLst>
+              <a:ext uri="{FF2B5EF4-FFF2-40B4-BE49-F238E27FC236}">
+                <a16:creationId xmlns:a16="http://schemas.microsoft.com/office/drawing/2014/main" id="{67ACFF31-8D39-4C18-BD73-7141C49B0AA9}"/>
+              </a:ext>
+            </a:extLst>
+          </p:cNvPr>
+          <p:cNvSpPr/>
+          <p:nvPr/>
+        </p:nvSpPr>
+        <p:spPr>
+          <a:xfrm>
+            <a:off x="7852712" y="1650029"/>
+            <a:ext cx="124478" cy="2159972"/>
+          </a:xfrm>
+          <a:prstGeom prst="rect">
+            <a:avLst/>
+          </a:prstGeom>
+          <a:solidFill>
+            <a:schemeClr val="accent6">
+              <a:lumMod val="75000"/>
+            </a:schemeClr>
+          </a:solidFill>
+          <a:ln>
+            <a:solidFill>
+              <a:schemeClr val="accent6">
+                <a:lumMod val="75000"/>
+              </a:schemeClr>
+            </a:solidFill>
+          </a:ln>
+          <a:effectLst/>
+        </p:spPr>
+        <p:style>
+          <a:lnRef idx="1">
+            <a:schemeClr val="accent3"/>
+          </a:lnRef>
+          <a:fillRef idx="2">
+            <a:schemeClr val="accent3"/>
+          </a:fillRef>
+          <a:effectRef idx="1">
+            <a:schemeClr val="accent3"/>
+          </a:effectRef>
+          <a:fontRef idx="minor">
+            <a:schemeClr val="dk1"/>
+          </a:fontRef>
+        </p:style>
+        <p:txBody>
+          <a:bodyPr rtlCol="0" anchor="ctr"/>
+          <a:lstStyle/>
+          <a:p>
+            <a:pPr algn="ctr"/>
+            <a:endParaRPr lang="en-SG" sz="1400">
+              <a:solidFill>
+                <a:schemeClr val="dk1"/>
+              </a:solidFill>
+            </a:endParaRPr>
+          </a:p>
+        </p:txBody>
+      </p:sp>
+      <p:sp>
+        <p:nvSpPr>
+          <p:cNvPr id="5" name="TextBox 4">
+            <a:extLst>
+              <a:ext uri="{FF2B5EF4-FFF2-40B4-BE49-F238E27FC236}">
+                <a16:creationId xmlns:a16="http://schemas.microsoft.com/office/drawing/2014/main" id="{24CD6C11-B641-44A0-988A-9871DD444450}"/>
+              </a:ext>
+            </a:extLst>
+          </p:cNvPr>
+          <p:cNvSpPr txBox="1"/>
+          <p:nvPr/>
+        </p:nvSpPr>
+        <p:spPr>
+          <a:xfrm>
+            <a:off x="1684125" y="1112041"/>
+            <a:ext cx="2716635" cy="215444"/>
+          </a:xfrm>
+          <a:prstGeom prst="rect">
+            <a:avLst/>
+          </a:prstGeom>
+          <a:noFill/>
+        </p:spPr>
+        <p:txBody>
+          <a:bodyPr wrap="square" lIns="0" tIns="0" rIns="0" bIns="0" rtlCol="0">
+            <a:spAutoFit/>
+          </a:bodyPr>
+          <a:lstStyle/>
+          <a:p>
+            <a:r>
+              <a:rPr lang="en-US" sz="1400" dirty="0">
+                <a:solidFill>
+                  <a:schemeClr val="accent5">
+                    <a:lumMod val="75000"/>
+                  </a:schemeClr>
+                </a:solidFill>
+              </a:rPr>
+              <a:t>post(</a:t>
+            </a:r>
+            <a:r>
+              <a:rPr lang="en-US" sz="1400" dirty="0" err="1">
+                <a:solidFill>
+                  <a:schemeClr val="accent5">
+                    <a:lumMod val="75000"/>
+                  </a:schemeClr>
+                </a:solidFill>
+              </a:rPr>
+              <a:t>TemplateLoadRequestedEvent</a:t>
+            </a:r>
+            <a:r>
+              <a:rPr lang="en-US" sz="1400" dirty="0">
+                <a:solidFill>
+                  <a:schemeClr val="accent5">
+                    <a:lumMod val="75000"/>
+                  </a:schemeClr>
+                </a:solidFill>
+              </a:rPr>
+              <a:t>)</a:t>
+            </a:r>
+          </a:p>
+        </p:txBody>
+      </p:sp>
+      <p:cxnSp>
+        <p:nvCxnSpPr>
+          <p:cNvPr id="6" name="Straight Arrow Connector 5">
+            <a:extLst>
+              <a:ext uri="{FF2B5EF4-FFF2-40B4-BE49-F238E27FC236}">
+                <a16:creationId xmlns:a16="http://schemas.microsoft.com/office/drawing/2014/main" id="{23D4F1AB-B0F3-47D8-8F54-B3B2D3047638}"/>
+              </a:ext>
+            </a:extLst>
+          </p:cNvPr>
+          <p:cNvCxnSpPr/>
+          <p:nvPr/>
+        </p:nvCxnSpPr>
+        <p:spPr>
+          <a:xfrm flipH="1">
+            <a:off x="4542214" y="3729940"/>
+            <a:ext cx="3383941" cy="0"/>
+          </a:xfrm>
+          <a:prstGeom prst="straightConnector1">
+            <a:avLst/>
+          </a:prstGeom>
+          <a:ln w="19050">
+            <a:solidFill>
+              <a:schemeClr val="accent6">
+                <a:lumMod val="75000"/>
+              </a:schemeClr>
+            </a:solidFill>
+            <a:prstDash val="sysDash"/>
+            <a:headEnd type="none" w="med" len="med"/>
+            <a:tailEnd type="arrow" w="med" len="med"/>
+          </a:ln>
+        </p:spPr>
+        <p:style>
+          <a:lnRef idx="1">
+            <a:schemeClr val="accent1"/>
+          </a:lnRef>
+          <a:fillRef idx="0">
+            <a:schemeClr val="accent1"/>
+          </a:fillRef>
+          <a:effectRef idx="0">
+            <a:schemeClr val="accent1"/>
+          </a:effectRef>
+          <a:fontRef idx="minor">
+            <a:schemeClr val="tx1"/>
+          </a:fontRef>
+        </p:style>
+      </p:cxnSp>
+      <p:sp>
+        <p:nvSpPr>
+          <p:cNvPr id="7" name="Rectangle 62">
+            <a:extLst>
+              <a:ext uri="{FF2B5EF4-FFF2-40B4-BE49-F238E27FC236}">
+                <a16:creationId xmlns:a16="http://schemas.microsoft.com/office/drawing/2014/main" id="{8169BFD4-5372-40BA-8D38-7E61EFA7F7A9}"/>
+              </a:ext>
+            </a:extLst>
+          </p:cNvPr>
+          <p:cNvSpPr/>
+          <p:nvPr/>
+        </p:nvSpPr>
+        <p:spPr>
+          <a:xfrm>
+            <a:off x="3798871" y="609600"/>
+            <a:ext cx="1371600" cy="346760"/>
+          </a:xfrm>
+          <a:prstGeom prst="rect">
+            <a:avLst/>
+          </a:prstGeom>
+          <a:solidFill>
+            <a:schemeClr val="accent5">
+              <a:lumMod val="75000"/>
+            </a:schemeClr>
+          </a:solidFill>
+          <a:ln w="19050">
+            <a:solidFill>
+              <a:schemeClr val="accent5">
+                <a:lumMod val="75000"/>
+              </a:schemeClr>
+            </a:solidFill>
+          </a:ln>
+          <a:effectLst/>
+        </p:spPr>
+        <p:style>
+          <a:lnRef idx="1">
+            <a:schemeClr val="accent2"/>
+          </a:lnRef>
+          <a:fillRef idx="2">
+            <a:schemeClr val="accent2"/>
+          </a:fillRef>
+          <a:effectRef idx="1">
+            <a:schemeClr val="accent2"/>
+          </a:effectRef>
+          <a:fontRef idx="minor">
+            <a:schemeClr val="dk1"/>
+          </a:fontRef>
+        </p:style>
+        <p:txBody>
+          <a:bodyPr rtlCol="0" anchor="ctr"/>
+          <a:lstStyle/>
+          <a:p>
+            <a:pPr algn="ctr"/>
+            <a:r>
+              <a:rPr lang="en-US" sz="1600" dirty="0">
+                <a:solidFill>
+                  <a:schemeClr val="bg1"/>
+                </a:solidFill>
+              </a:rPr>
+              <a:t>:</a:t>
+            </a:r>
+            <a:r>
+              <a:rPr lang="en-US" sz="1600" dirty="0" err="1">
+                <a:solidFill>
+                  <a:schemeClr val="bg1"/>
+                </a:solidFill>
+              </a:rPr>
+              <a:t>EventsCenter</a:t>
+            </a:r>
+            <a:endParaRPr lang="en-SG" sz="1600" dirty="0">
+              <a:solidFill>
+                <a:schemeClr val="bg1"/>
+              </a:solidFill>
+            </a:endParaRPr>
+          </a:p>
+        </p:txBody>
+      </p:sp>
+      <p:cxnSp>
+        <p:nvCxnSpPr>
+          <p:cNvPr id="8" name="Straight Connector 7">
+            <a:extLst>
+              <a:ext uri="{FF2B5EF4-FFF2-40B4-BE49-F238E27FC236}">
+                <a16:creationId xmlns:a16="http://schemas.microsoft.com/office/drawing/2014/main" id="{5B2D370A-2D08-4506-8C3D-DCA33C88E569}"/>
+              </a:ext>
+            </a:extLst>
+          </p:cNvPr>
+          <p:cNvCxnSpPr>
+            <a:cxnSpLocks/>
+          </p:cNvCxnSpPr>
+          <p:nvPr/>
+        </p:nvCxnSpPr>
+        <p:spPr>
+          <a:xfrm>
+            <a:off x="4464456" y="962654"/>
+            <a:ext cx="0" cy="3533146"/>
+          </a:xfrm>
+          <a:prstGeom prst="line">
+            <a:avLst/>
+          </a:prstGeom>
+          <a:ln w="19050">
+            <a:solidFill>
+              <a:schemeClr val="accent5">
+                <a:lumMod val="75000"/>
+              </a:schemeClr>
+            </a:solidFill>
+            <a:prstDash val="sysDash"/>
+          </a:ln>
+          <a:effectLst/>
+        </p:spPr>
+        <p:style>
+          <a:lnRef idx="1">
+            <a:schemeClr val="accent1"/>
+          </a:lnRef>
+          <a:fillRef idx="2">
+            <a:schemeClr val="accent1"/>
+          </a:fillRef>
+          <a:effectRef idx="1">
+            <a:schemeClr val="accent1"/>
+          </a:effectRef>
+          <a:fontRef idx="minor">
+            <a:schemeClr val="dk1"/>
+          </a:fontRef>
+        </p:style>
+      </p:cxnSp>
+      <p:sp>
+        <p:nvSpPr>
+          <p:cNvPr id="9" name="Rectangle 8">
+            <a:extLst>
+              <a:ext uri="{FF2B5EF4-FFF2-40B4-BE49-F238E27FC236}">
+                <a16:creationId xmlns:a16="http://schemas.microsoft.com/office/drawing/2014/main" id="{F26DCCB7-3CD3-4046-972C-748CB59061CF}"/>
+              </a:ext>
+            </a:extLst>
+          </p:cNvPr>
+          <p:cNvSpPr/>
+          <p:nvPr/>
+        </p:nvSpPr>
+        <p:spPr>
+          <a:xfrm>
+            <a:off x="4392448" y="1385587"/>
+            <a:ext cx="142006" cy="1436984"/>
+          </a:xfrm>
+          <a:prstGeom prst="rect">
+            <a:avLst/>
+          </a:prstGeom>
+          <a:solidFill>
+            <a:schemeClr val="accent5">
+              <a:lumMod val="75000"/>
+            </a:schemeClr>
+          </a:solidFill>
+          <a:ln>
+            <a:solidFill>
+              <a:schemeClr val="accent5">
+                <a:lumMod val="75000"/>
+              </a:schemeClr>
+            </a:solidFill>
+          </a:ln>
+          <a:effectLst/>
+        </p:spPr>
+        <p:style>
+          <a:lnRef idx="1">
+            <a:schemeClr val="accent3"/>
+          </a:lnRef>
+          <a:fillRef idx="2">
+            <a:schemeClr val="accent3"/>
+          </a:fillRef>
+          <a:effectRef idx="1">
+            <a:schemeClr val="accent3"/>
+          </a:effectRef>
+          <a:fontRef idx="minor">
+            <a:schemeClr val="dk1"/>
+          </a:fontRef>
+        </p:style>
+        <p:txBody>
+          <a:bodyPr rtlCol="0" anchor="ctr"/>
+          <a:lstStyle/>
+          <a:p>
+            <a:pPr algn="ctr"/>
+            <a:endParaRPr lang="en-SG" sz="1400">
+              <a:solidFill>
+                <a:schemeClr val="dk1"/>
+              </a:solidFill>
+            </a:endParaRPr>
+          </a:p>
+        </p:txBody>
+      </p:sp>
+      <p:cxnSp>
+        <p:nvCxnSpPr>
+          <p:cNvPr id="10" name="Straight Arrow Connector 9">
+            <a:extLst>
+              <a:ext uri="{FF2B5EF4-FFF2-40B4-BE49-F238E27FC236}">
+                <a16:creationId xmlns:a16="http://schemas.microsoft.com/office/drawing/2014/main" id="{B378C8EB-E5C3-45A8-B1CA-E86D5F120A30}"/>
+              </a:ext>
+            </a:extLst>
+          </p:cNvPr>
+          <p:cNvCxnSpPr>
+            <a:cxnSpLocks/>
+            <a:stCxn id="30" idx="0"/>
+          </p:cNvCxnSpPr>
+          <p:nvPr/>
+        </p:nvCxnSpPr>
+        <p:spPr>
+          <a:xfrm>
+            <a:off x="1270893" y="1380276"/>
+            <a:ext cx="3111161" cy="5311"/>
+          </a:xfrm>
+          <a:prstGeom prst="straightConnector1">
+            <a:avLst/>
+          </a:prstGeom>
+          <a:ln w="19050">
+            <a:solidFill>
+              <a:srgbClr val="7030A0"/>
+            </a:solidFill>
+            <a:tailEnd type="arrow"/>
+          </a:ln>
+        </p:spPr>
+        <p:style>
+          <a:lnRef idx="1">
+            <a:schemeClr val="accent1"/>
+          </a:lnRef>
+          <a:fillRef idx="0">
+            <a:schemeClr val="accent1"/>
+          </a:fillRef>
+          <a:effectRef idx="0">
+            <a:schemeClr val="accent1"/>
+          </a:effectRef>
+          <a:fontRef idx="minor">
+            <a:schemeClr val="tx1"/>
+          </a:fontRef>
+        </p:style>
+      </p:cxnSp>
+      <p:cxnSp>
+        <p:nvCxnSpPr>
+          <p:cNvPr id="11" name="Straight Arrow Connector 10">
+            <a:extLst>
+              <a:ext uri="{FF2B5EF4-FFF2-40B4-BE49-F238E27FC236}">
+                <a16:creationId xmlns:a16="http://schemas.microsoft.com/office/drawing/2014/main" id="{F04876CE-7855-4ABF-A4BF-E40BA877BC4C}"/>
+              </a:ext>
+            </a:extLst>
+          </p:cNvPr>
+          <p:cNvCxnSpPr>
+            <a:cxnSpLocks/>
+          </p:cNvCxnSpPr>
+          <p:nvPr/>
+        </p:nvCxnSpPr>
+        <p:spPr>
+          <a:xfrm>
+            <a:off x="1349139" y="2815540"/>
+            <a:ext cx="3051069" cy="0"/>
+          </a:xfrm>
+          <a:prstGeom prst="straightConnector1">
+            <a:avLst/>
+          </a:prstGeom>
+          <a:ln w="19050">
+            <a:solidFill>
+              <a:schemeClr val="accent5">
+                <a:lumMod val="75000"/>
+              </a:schemeClr>
+            </a:solidFill>
+            <a:prstDash val="sysDash"/>
+            <a:headEnd type="arrow" w="med" len="med"/>
+            <a:tailEnd type="none" w="med" len="med"/>
+          </a:ln>
+        </p:spPr>
+        <p:style>
+          <a:lnRef idx="1">
+            <a:schemeClr val="accent1"/>
+          </a:lnRef>
+          <a:fillRef idx="0">
+            <a:schemeClr val="accent1"/>
+          </a:fillRef>
+          <a:effectRef idx="0">
+            <a:schemeClr val="accent1"/>
+          </a:effectRef>
+          <a:fontRef idx="minor">
+            <a:schemeClr val="tx1"/>
+          </a:fontRef>
+        </p:style>
+      </p:cxnSp>
+      <p:cxnSp>
+        <p:nvCxnSpPr>
+          <p:cNvPr id="12" name="Straight Arrow Connector 11">
+            <a:extLst>
+              <a:ext uri="{FF2B5EF4-FFF2-40B4-BE49-F238E27FC236}">
+                <a16:creationId xmlns:a16="http://schemas.microsoft.com/office/drawing/2014/main" id="{7DDDD477-67AE-437A-9435-511CB5965337}"/>
+              </a:ext>
+            </a:extLst>
+          </p:cNvPr>
+          <p:cNvCxnSpPr/>
+          <p:nvPr/>
+        </p:nvCxnSpPr>
+        <p:spPr>
+          <a:xfrm>
+            <a:off x="4534454" y="1655381"/>
+            <a:ext cx="3318258" cy="0"/>
+          </a:xfrm>
+          <a:prstGeom prst="straightConnector1">
+            <a:avLst/>
+          </a:prstGeom>
+          <a:ln w="19050">
+            <a:solidFill>
+              <a:schemeClr val="accent5">
+                <a:lumMod val="75000"/>
+              </a:schemeClr>
+            </a:solidFill>
+            <a:headEnd type="none" w="med" len="med"/>
+            <a:tailEnd type="arrow" w="med" len="med"/>
+          </a:ln>
+        </p:spPr>
+        <p:style>
+          <a:lnRef idx="1">
+            <a:schemeClr val="accent1"/>
+          </a:lnRef>
+          <a:fillRef idx="0">
+            <a:schemeClr val="accent1"/>
+          </a:fillRef>
+          <a:effectRef idx="0">
+            <a:schemeClr val="accent1"/>
+          </a:effectRef>
+          <a:fontRef idx="minor">
+            <a:schemeClr val="tx1"/>
+          </a:fontRef>
+        </p:style>
+      </p:cxnSp>
+      <p:sp>
+        <p:nvSpPr>
+          <p:cNvPr id="13" name="TextBox 12">
+            <a:extLst>
+              <a:ext uri="{FF2B5EF4-FFF2-40B4-BE49-F238E27FC236}">
+                <a16:creationId xmlns:a16="http://schemas.microsoft.com/office/drawing/2014/main" id="{803F2FBD-3C84-410E-B347-FA33790014C1}"/>
+              </a:ext>
+            </a:extLst>
+          </p:cNvPr>
+          <p:cNvSpPr txBox="1"/>
+          <p:nvPr/>
+        </p:nvSpPr>
+        <p:spPr>
+          <a:xfrm>
+            <a:off x="4841411" y="1380278"/>
+            <a:ext cx="2862514" cy="215444"/>
+          </a:xfrm>
+          <a:prstGeom prst="rect">
+            <a:avLst/>
+          </a:prstGeom>
+          <a:noFill/>
+        </p:spPr>
+        <p:txBody>
+          <a:bodyPr wrap="square" lIns="0" tIns="0" rIns="0" bIns="0" rtlCol="0">
+            <a:spAutoFit/>
+          </a:bodyPr>
+          <a:lstStyle/>
+          <a:p>
+            <a:r>
+              <a:rPr lang="en-US" sz="1400" dirty="0" err="1">
+                <a:solidFill>
+                  <a:schemeClr val="accent6">
+                    <a:lumMod val="75000"/>
+                  </a:schemeClr>
+                </a:solidFill>
+              </a:rPr>
+              <a:t>handleTemplateLoadRequestedEvent</a:t>
+            </a:r>
+            <a:r>
+              <a:rPr lang="en-US" sz="1400" dirty="0">
+                <a:solidFill>
+                  <a:schemeClr val="accent6">
+                    <a:lumMod val="75000"/>
+                  </a:schemeClr>
+                </a:solidFill>
+              </a:rPr>
+              <a:t>()</a:t>
+            </a:r>
+          </a:p>
+        </p:txBody>
+      </p:sp>
+      <p:sp>
+        <p:nvSpPr>
+          <p:cNvPr id="14" name="Rectangle 62">
+            <a:extLst>
+              <a:ext uri="{FF2B5EF4-FFF2-40B4-BE49-F238E27FC236}">
+                <a16:creationId xmlns:a16="http://schemas.microsoft.com/office/drawing/2014/main" id="{01A1F991-7DB9-4CBB-8856-0D27820CD080}"/>
+              </a:ext>
+            </a:extLst>
+          </p:cNvPr>
+          <p:cNvSpPr/>
+          <p:nvPr/>
+        </p:nvSpPr>
+        <p:spPr>
+          <a:xfrm>
+            <a:off x="729359" y="592689"/>
+            <a:ext cx="1093635" cy="346760"/>
+          </a:xfrm>
+          <a:prstGeom prst="rect">
+            <a:avLst/>
+          </a:prstGeom>
+          <a:solidFill>
+            <a:srgbClr val="7030A0"/>
+          </a:solidFill>
+          <a:ln w="19050">
+            <a:solidFill>
+              <a:srgbClr val="7030A0"/>
+            </a:solidFill>
+          </a:ln>
+          <a:effectLst/>
+        </p:spPr>
+        <p:style>
+          <a:lnRef idx="1">
+            <a:schemeClr val="accent2"/>
+          </a:lnRef>
+          <a:fillRef idx="2">
+            <a:schemeClr val="accent2"/>
+          </a:fillRef>
+          <a:effectRef idx="1">
+            <a:schemeClr val="accent2"/>
+          </a:effectRef>
+          <a:fontRef idx="minor">
+            <a:schemeClr val="dk1"/>
+          </a:fontRef>
+        </p:style>
+        <p:txBody>
+          <a:bodyPr rtlCol="0" anchor="ctr"/>
+          <a:lstStyle/>
+          <a:p>
+            <a:pPr algn="ctr"/>
+            <a:r>
+              <a:rPr lang="en-US" sz="1600" dirty="0">
+                <a:solidFill>
+                  <a:schemeClr val="bg1"/>
+                </a:solidFill>
+              </a:rPr>
+              <a:t>:Model</a:t>
+            </a:r>
+            <a:endParaRPr lang="en-SG" sz="1600" dirty="0">
+              <a:solidFill>
+                <a:schemeClr val="bg1"/>
+              </a:solidFill>
+            </a:endParaRPr>
+          </a:p>
+        </p:txBody>
+      </p:sp>
+      <p:cxnSp>
+        <p:nvCxnSpPr>
+          <p:cNvPr id="15" name="Straight Connector 14">
+            <a:extLst>
+              <a:ext uri="{FF2B5EF4-FFF2-40B4-BE49-F238E27FC236}">
+                <a16:creationId xmlns:a16="http://schemas.microsoft.com/office/drawing/2014/main" id="{CE22512C-19FC-4ADC-AACC-DCFFC82FB843}"/>
+              </a:ext>
+            </a:extLst>
+          </p:cNvPr>
+          <p:cNvCxnSpPr>
+            <a:cxnSpLocks/>
+          </p:cNvCxnSpPr>
+          <p:nvPr/>
+        </p:nvCxnSpPr>
+        <p:spPr>
+          <a:xfrm>
+            <a:off x="1276176" y="956360"/>
+            <a:ext cx="0" cy="3539440"/>
+          </a:xfrm>
+          <a:prstGeom prst="line">
+            <a:avLst/>
+          </a:prstGeom>
+          <a:ln w="19050">
+            <a:solidFill>
+              <a:srgbClr val="7030A0"/>
+            </a:solidFill>
+            <a:prstDash val="sysDash"/>
+          </a:ln>
+          <a:effectLst/>
+        </p:spPr>
+        <p:style>
+          <a:lnRef idx="1">
+            <a:schemeClr val="accent1"/>
+          </a:lnRef>
+          <a:fillRef idx="2">
+            <a:schemeClr val="accent1"/>
+          </a:fillRef>
+          <a:effectRef idx="1">
+            <a:schemeClr val="accent1"/>
+          </a:effectRef>
+          <a:fontRef idx="minor">
+            <a:schemeClr val="dk1"/>
+          </a:fontRef>
+        </p:style>
+      </p:cxnSp>
+      <p:cxnSp>
+        <p:nvCxnSpPr>
+          <p:cNvPr id="18" name="Straight Arrow Connector 17">
+            <a:extLst>
+              <a:ext uri="{FF2B5EF4-FFF2-40B4-BE49-F238E27FC236}">
+                <a16:creationId xmlns:a16="http://schemas.microsoft.com/office/drawing/2014/main" id="{69ABB5E9-E2DF-4F8B-9A18-912A97695448}"/>
+              </a:ext>
+            </a:extLst>
+          </p:cNvPr>
+          <p:cNvCxnSpPr/>
+          <p:nvPr/>
+        </p:nvCxnSpPr>
+        <p:spPr>
+          <a:xfrm>
+            <a:off x="1341625" y="2501876"/>
+            <a:ext cx="3061841" cy="0"/>
+          </a:xfrm>
+          <a:prstGeom prst="straightConnector1">
+            <a:avLst/>
+          </a:prstGeom>
+          <a:ln w="19050">
+            <a:solidFill>
+              <a:schemeClr val="accent5">
+                <a:lumMod val="75000"/>
+              </a:schemeClr>
+            </a:solidFill>
+            <a:headEnd type="arrow" w="med" len="med"/>
+            <a:tailEnd type="none" w="med" len="med"/>
+          </a:ln>
+        </p:spPr>
+        <p:style>
+          <a:lnRef idx="1">
+            <a:schemeClr val="accent1"/>
+          </a:lnRef>
+          <a:fillRef idx="0">
+            <a:schemeClr val="accent1"/>
+          </a:fillRef>
+          <a:effectRef idx="0">
+            <a:schemeClr val="accent1"/>
+          </a:effectRef>
+          <a:fontRef idx="minor">
+            <a:schemeClr val="tx1"/>
+          </a:fontRef>
+        </p:style>
+      </p:cxnSp>
+      <p:sp>
+        <p:nvSpPr>
+          <p:cNvPr id="19" name="TextBox 18">
+            <a:extLst>
+              <a:ext uri="{FF2B5EF4-FFF2-40B4-BE49-F238E27FC236}">
+                <a16:creationId xmlns:a16="http://schemas.microsoft.com/office/drawing/2014/main" id="{42267524-6873-43F3-AB5A-6768B5860BF8}"/>
+              </a:ext>
+            </a:extLst>
+          </p:cNvPr>
+          <p:cNvSpPr txBox="1"/>
+          <p:nvPr/>
+        </p:nvSpPr>
+        <p:spPr>
+          <a:xfrm>
+            <a:off x="1454268" y="2235242"/>
+            <a:ext cx="2659870" cy="215444"/>
+          </a:xfrm>
+          <a:prstGeom prst="rect">
+            <a:avLst/>
+          </a:prstGeom>
+          <a:noFill/>
+        </p:spPr>
+        <p:txBody>
+          <a:bodyPr wrap="square" lIns="0" tIns="0" rIns="0" bIns="0" rtlCol="0">
+            <a:spAutoFit/>
+          </a:bodyPr>
+          <a:lstStyle/>
+          <a:p>
+            <a:r>
+              <a:rPr lang="en-US" sz="1400" dirty="0" err="1">
+                <a:solidFill>
+                  <a:srgbClr val="7030A0"/>
+                </a:solidFill>
+              </a:rPr>
+              <a:t>handleTemplateLoadedEvent</a:t>
+            </a:r>
+            <a:r>
+              <a:rPr lang="en-US" sz="1400" dirty="0">
+                <a:solidFill>
+                  <a:srgbClr val="7030A0"/>
+                </a:solidFill>
+              </a:rPr>
+              <a:t>()</a:t>
+            </a:r>
+          </a:p>
+        </p:txBody>
+      </p:sp>
+      <p:grpSp>
+        <p:nvGrpSpPr>
+          <p:cNvPr id="24" name="Group 23">
+            <a:extLst>
+              <a:ext uri="{FF2B5EF4-FFF2-40B4-BE49-F238E27FC236}">
+                <a16:creationId xmlns:a16="http://schemas.microsoft.com/office/drawing/2014/main" id="{977CFC58-A110-4B5E-81B6-57C2139B0469}"/>
+              </a:ext>
+            </a:extLst>
+          </p:cNvPr>
+          <p:cNvGrpSpPr/>
+          <p:nvPr/>
+        </p:nvGrpSpPr>
+        <p:grpSpPr>
+          <a:xfrm flipH="1">
+            <a:off x="7944567" y="1650029"/>
+            <a:ext cx="217349" cy="270072"/>
+            <a:chOff x="1028134" y="5612032"/>
+            <a:chExt cx="217349" cy="270072"/>
+          </a:xfrm>
+        </p:grpSpPr>
+        <p:sp>
+          <p:nvSpPr>
+            <p:cNvPr id="25" name="Freeform 58">
+              <a:extLst>
+                <a:ext uri="{FF2B5EF4-FFF2-40B4-BE49-F238E27FC236}">
+                  <a16:creationId xmlns:a16="http://schemas.microsoft.com/office/drawing/2014/main" id="{CF5176F6-EAE6-4B1C-9715-5AD78A19465B}"/>
+                </a:ext>
+              </a:extLst>
+            </p:cNvPr>
+            <p:cNvSpPr/>
+            <p:nvPr/>
+          </p:nvSpPr>
+          <p:spPr>
+            <a:xfrm rot="2600998" flipH="1" flipV="1">
+              <a:off x="1028134" y="5612032"/>
+              <a:ext cx="167452" cy="116880"/>
+            </a:xfrm>
+            <a:custGeom>
+              <a:avLst/>
+              <a:gdLst>
+                <a:gd name="connsiteX0" fmla="*/ 0 w 226400"/>
+                <a:gd name="connsiteY0" fmla="*/ 32920 h 171466"/>
+                <a:gd name="connsiteX1" fmla="*/ 157018 w 226400"/>
+                <a:gd name="connsiteY1" fmla="*/ 5211 h 171466"/>
+                <a:gd name="connsiteX2" fmla="*/ 221673 w 226400"/>
+                <a:gd name="connsiteY2" fmla="*/ 125284 h 171466"/>
+                <a:gd name="connsiteX3" fmla="*/ 36945 w 226400"/>
+                <a:gd name="connsiteY3" fmla="*/ 171466 h 171466"/>
+              </a:gdLst>
+              <a:ahLst/>
+              <a:cxnLst>
+                <a:cxn ang="0">
+                  <a:pos x="connsiteX0" y="connsiteY0"/>
+                </a:cxn>
+                <a:cxn ang="0">
+                  <a:pos x="connsiteX1" y="connsiteY1"/>
+                </a:cxn>
+                <a:cxn ang="0">
+                  <a:pos x="connsiteX2" y="connsiteY2"/>
+                </a:cxn>
+                <a:cxn ang="0">
+                  <a:pos x="connsiteX3" y="connsiteY3"/>
+                </a:cxn>
+              </a:cxnLst>
+              <a:rect l="l" t="t" r="r" b="b"/>
+              <a:pathLst>
+                <a:path w="226400" h="171466">
+                  <a:moveTo>
+                    <a:pt x="0" y="32920"/>
+                  </a:moveTo>
+                  <a:cubicBezTo>
+                    <a:pt x="60036" y="11368"/>
+                    <a:pt x="120073" y="-10183"/>
+                    <a:pt x="157018" y="5211"/>
+                  </a:cubicBezTo>
+                  <a:cubicBezTo>
+                    <a:pt x="193963" y="20605"/>
+                    <a:pt x="241685" y="97575"/>
+                    <a:pt x="221673" y="125284"/>
+                  </a:cubicBezTo>
+                  <a:cubicBezTo>
+                    <a:pt x="201661" y="152993"/>
+                    <a:pt x="119303" y="162229"/>
+                    <a:pt x="36945" y="171466"/>
+                  </a:cubicBezTo>
+                </a:path>
+              </a:pathLst>
+            </a:custGeom>
+            <a:ln w="19050">
               <a:solidFill>
                 <a:schemeClr val="accent6">
                   <a:lumMod val="75000"/>
                 </a:schemeClr>
               </a:solidFill>
+              <a:headEnd type="arrow" w="med" len="med"/>
+              <a:tailEnd type="none" w="med" len="med"/>
+            </a:ln>
+          </p:spPr>
+          <p:style>
+            <a:lnRef idx="1">
+              <a:schemeClr val="accent1"/>
+            </a:lnRef>
+            <a:fillRef idx="0">
+              <a:schemeClr val="accent1"/>
+            </a:fillRef>
+            <a:effectRef idx="0">
+              <a:schemeClr val="accent1"/>
+            </a:effectRef>
+            <a:fontRef idx="minor">
+              <a:schemeClr val="tx1"/>
+            </a:fontRef>
+          </p:style>
+          <p:txBody>
+            <a:bodyPr rtlCol="0" anchor="ctr"/>
+            <a:lstStyle/>
+            <a:p>
+              <a:pPr algn="ctr"/>
+              <a:endParaRPr lang="en-SG"/>
+            </a:p>
+          </p:txBody>
+        </p:sp>
+        <p:sp>
+          <p:nvSpPr>
+            <p:cNvPr id="26" name="Rectangle 25">
+              <a:extLst>
+                <a:ext uri="{FF2B5EF4-FFF2-40B4-BE49-F238E27FC236}">
+                  <a16:creationId xmlns:a16="http://schemas.microsoft.com/office/drawing/2014/main" id="{436DA74F-3DD0-441C-B162-F425ECEDBAD5}"/>
+                </a:ext>
+              </a:extLst>
+            </p:cNvPr>
+            <p:cNvSpPr/>
+            <p:nvPr/>
+          </p:nvSpPr>
+          <p:spPr>
+            <a:xfrm>
+              <a:off x="1147403" y="5712513"/>
+              <a:ext cx="98080" cy="169591"/>
+            </a:xfrm>
+            <a:prstGeom prst="rect">
+              <a:avLst/>
+            </a:prstGeom>
+            <a:solidFill>
+              <a:schemeClr val="accent6">
+                <a:lumMod val="75000"/>
+              </a:schemeClr>
+            </a:solidFill>
+            <a:ln>
+              <a:solidFill>
+                <a:schemeClr val="bg1"/>
+              </a:solidFill>
+            </a:ln>
+            <a:effectLst/>
+          </p:spPr>
+          <p:style>
+            <a:lnRef idx="1">
+              <a:schemeClr val="accent3"/>
+            </a:lnRef>
+            <a:fillRef idx="2">
+              <a:schemeClr val="accent3"/>
+            </a:fillRef>
+            <a:effectRef idx="1">
+              <a:schemeClr val="accent3"/>
+            </a:effectRef>
+            <a:fontRef idx="minor">
+              <a:schemeClr val="dk1"/>
+            </a:fontRef>
+          </p:style>
+          <p:txBody>
+            <a:bodyPr rtlCol="0" anchor="ctr"/>
+            <a:lstStyle/>
+            <a:p>
+              <a:pPr algn="ctr"/>
+              <a:endParaRPr lang="en-SG" sz="1400">
+                <a:solidFill>
+                  <a:schemeClr val="dk1"/>
+                </a:solidFill>
+              </a:endParaRPr>
+            </a:p>
+          </p:txBody>
+        </p:sp>
+      </p:grpSp>
+      <p:sp>
+        <p:nvSpPr>
+          <p:cNvPr id="27" name="TextBox 26">
+            <a:extLst>
+              <a:ext uri="{FF2B5EF4-FFF2-40B4-BE49-F238E27FC236}">
+                <a16:creationId xmlns:a16="http://schemas.microsoft.com/office/drawing/2014/main" id="{84549DEE-C91F-4D88-9DEE-74801F8395D4}"/>
+              </a:ext>
+            </a:extLst>
+          </p:cNvPr>
+          <p:cNvSpPr txBox="1"/>
+          <p:nvPr/>
+        </p:nvSpPr>
+        <p:spPr>
+          <a:xfrm>
+            <a:off x="8022391" y="1370244"/>
+            <a:ext cx="1093617" cy="215444"/>
+          </a:xfrm>
+          <a:prstGeom prst="rect">
+            <a:avLst/>
+          </a:prstGeom>
+          <a:noFill/>
+        </p:spPr>
+        <p:txBody>
+          <a:bodyPr wrap="square" lIns="0" tIns="0" rIns="0" bIns="0" rtlCol="0">
+            <a:spAutoFit/>
+          </a:bodyPr>
+          <a:lstStyle/>
+          <a:p>
+            <a:r>
+              <a:rPr lang="en-US" sz="1400" dirty="0" err="1">
+                <a:solidFill>
+                  <a:schemeClr val="accent6">
+                    <a:lumMod val="75000"/>
+                  </a:schemeClr>
+                </a:solidFill>
+              </a:rPr>
+              <a:t>loadTemplate</a:t>
+            </a:r>
+            <a:r>
+              <a:rPr lang="en-US" sz="1400" dirty="0">
+                <a:solidFill>
+                  <a:schemeClr val="accent6">
+                    <a:lumMod val="75000"/>
+                  </a:schemeClr>
+                </a:solidFill>
+              </a:rPr>
+              <a:t>()</a:t>
+            </a:r>
+          </a:p>
+        </p:txBody>
+      </p:sp>
+      <p:cxnSp>
+        <p:nvCxnSpPr>
+          <p:cNvPr id="28" name="Straight Arrow Connector 27">
+            <a:extLst>
+              <a:ext uri="{FF2B5EF4-FFF2-40B4-BE49-F238E27FC236}">
+                <a16:creationId xmlns:a16="http://schemas.microsoft.com/office/drawing/2014/main" id="{55C2145D-ADEE-4414-BA57-3B117A15F95C}"/>
+              </a:ext>
+            </a:extLst>
+          </p:cNvPr>
+          <p:cNvCxnSpPr/>
+          <p:nvPr/>
+        </p:nvCxnSpPr>
+        <p:spPr>
+          <a:xfrm flipH="1">
+            <a:off x="4534454" y="2319530"/>
+            <a:ext cx="3383941" cy="0"/>
+          </a:xfrm>
+          <a:prstGeom prst="straightConnector1">
+            <a:avLst/>
+          </a:prstGeom>
+          <a:ln w="19050">
+            <a:solidFill>
+              <a:schemeClr val="accent6">
+                <a:lumMod val="75000"/>
+              </a:schemeClr>
+            </a:solidFill>
+            <a:prstDash val="solid"/>
+            <a:headEnd type="none" w="med" len="med"/>
+            <a:tailEnd type="arrow" w="med" len="med"/>
+          </a:ln>
+        </p:spPr>
+        <p:style>
+          <a:lnRef idx="1">
+            <a:schemeClr val="accent1"/>
+          </a:lnRef>
+          <a:fillRef idx="0">
+            <a:schemeClr val="accent1"/>
+          </a:fillRef>
+          <a:effectRef idx="0">
+            <a:schemeClr val="accent1"/>
+          </a:effectRef>
+          <a:fontRef idx="minor">
+            <a:schemeClr val="tx1"/>
+          </a:fontRef>
+        </p:style>
+      </p:cxnSp>
+      <p:sp>
+        <p:nvSpPr>
+          <p:cNvPr id="29" name="TextBox 28">
+            <a:extLst>
+              <a:ext uri="{FF2B5EF4-FFF2-40B4-BE49-F238E27FC236}">
+                <a16:creationId xmlns:a16="http://schemas.microsoft.com/office/drawing/2014/main" id="{4309C09C-A48D-4F82-958F-9F4F68D1BA06}"/>
+              </a:ext>
+            </a:extLst>
+          </p:cNvPr>
+          <p:cNvSpPr txBox="1"/>
+          <p:nvPr/>
+        </p:nvSpPr>
+        <p:spPr>
+          <a:xfrm>
+            <a:off x="4802384" y="2300306"/>
+            <a:ext cx="2307381" cy="215444"/>
+          </a:xfrm>
+          <a:prstGeom prst="rect">
+            <a:avLst/>
+          </a:prstGeom>
+          <a:noFill/>
+        </p:spPr>
+        <p:txBody>
+          <a:bodyPr wrap="square" lIns="0" tIns="0" rIns="0" bIns="0" rtlCol="0">
+            <a:spAutoFit/>
+          </a:bodyPr>
+          <a:lstStyle/>
+          <a:p>
+            <a:r>
+              <a:rPr lang="en-US" sz="1400" dirty="0">
+                <a:solidFill>
+                  <a:schemeClr val="accent5">
+                    <a:lumMod val="75000"/>
+                  </a:schemeClr>
+                </a:solidFill>
+              </a:rPr>
+              <a:t>post(</a:t>
+            </a:r>
+            <a:r>
+              <a:rPr lang="en-US" sz="1400" dirty="0" err="1">
+                <a:solidFill>
+                  <a:schemeClr val="accent5">
+                    <a:lumMod val="75000"/>
+                  </a:schemeClr>
+                </a:solidFill>
+              </a:rPr>
+              <a:t>TemplateLoadedEvent</a:t>
+            </a:r>
+            <a:r>
+              <a:rPr lang="en-US" sz="1400" dirty="0">
+                <a:solidFill>
+                  <a:schemeClr val="accent5">
+                    <a:lumMod val="75000"/>
+                  </a:schemeClr>
+                </a:solidFill>
+              </a:rPr>
+              <a:t>)</a:t>
+            </a:r>
+          </a:p>
+        </p:txBody>
+      </p:sp>
+      <p:sp>
+        <p:nvSpPr>
+          <p:cNvPr id="30" name="Rectangle 29">
+            <a:extLst>
+              <a:ext uri="{FF2B5EF4-FFF2-40B4-BE49-F238E27FC236}">
+                <a16:creationId xmlns:a16="http://schemas.microsoft.com/office/drawing/2014/main" id="{0CA2562F-E759-4117-971E-11B8481F482C}"/>
+              </a:ext>
+            </a:extLst>
+          </p:cNvPr>
+          <p:cNvSpPr/>
+          <p:nvPr/>
+        </p:nvSpPr>
+        <p:spPr>
+          <a:xfrm>
+            <a:off x="1199890" y="1380276"/>
+            <a:ext cx="142006" cy="2886922"/>
+          </a:xfrm>
+          <a:prstGeom prst="rect">
+            <a:avLst/>
+          </a:prstGeom>
+          <a:solidFill>
+            <a:srgbClr val="7030A0"/>
+          </a:solidFill>
+          <a:ln>
+            <a:solidFill>
+              <a:srgbClr val="7030A0"/>
+            </a:solidFill>
+          </a:ln>
+          <a:effectLst/>
+        </p:spPr>
+        <p:style>
+          <a:lnRef idx="1">
+            <a:schemeClr val="accent3"/>
+          </a:lnRef>
+          <a:fillRef idx="2">
+            <a:schemeClr val="accent3"/>
+          </a:fillRef>
+          <a:effectRef idx="1">
+            <a:schemeClr val="accent3"/>
+          </a:effectRef>
+          <a:fontRef idx="minor">
+            <a:schemeClr val="dk1"/>
+          </a:fontRef>
+        </p:style>
+        <p:txBody>
+          <a:bodyPr rtlCol="0" anchor="ctr"/>
+          <a:lstStyle/>
+          <a:p>
+            <a:pPr algn="ctr"/>
+            <a:endParaRPr lang="en-SG" sz="1400">
+              <a:solidFill>
+                <a:schemeClr val="dk1"/>
+              </a:solidFill>
             </a:endParaRPr>
+          </a:p>
+        </p:txBody>
+      </p:sp>
+      <p:sp>
+        <p:nvSpPr>
+          <p:cNvPr id="32" name="Rectangle 31">
+            <a:extLst>
+              <a:ext uri="{FF2B5EF4-FFF2-40B4-BE49-F238E27FC236}">
+                <a16:creationId xmlns:a16="http://schemas.microsoft.com/office/drawing/2014/main" id="{18D2F271-F394-41B2-9F63-0C888762C4C9}"/>
+              </a:ext>
+            </a:extLst>
+          </p:cNvPr>
+          <p:cNvSpPr/>
+          <p:nvPr/>
+        </p:nvSpPr>
+        <p:spPr>
+          <a:xfrm>
+            <a:off x="729358" y="2004548"/>
+            <a:ext cx="7739281" cy="2102533"/>
+          </a:xfrm>
+          <a:prstGeom prst="rect">
+            <a:avLst/>
+          </a:prstGeom>
+          <a:noFill/>
+          <a:ln>
+            <a:solidFill>
+              <a:srgbClr val="FF0000"/>
+            </a:solidFill>
+          </a:ln>
+        </p:spPr>
+        <p:style>
+          <a:lnRef idx="2">
+            <a:schemeClr val="accent1">
+              <a:shade val="50000"/>
+            </a:schemeClr>
+          </a:lnRef>
+          <a:fillRef idx="1">
+            <a:schemeClr val="accent1"/>
+          </a:fillRef>
+          <a:effectRef idx="0">
+            <a:schemeClr val="accent1"/>
+          </a:effectRef>
+          <a:fontRef idx="minor">
+            <a:schemeClr val="lt1"/>
+          </a:fontRef>
+        </p:style>
+        <p:txBody>
+          <a:bodyPr rtlCol="0" anchor="ctr"/>
+          <a:lstStyle/>
+          <a:p>
+            <a:pPr algn="ctr"/>
+            <a:endParaRPr lang="en-SG"/>
+          </a:p>
+        </p:txBody>
+      </p:sp>
+      <p:cxnSp>
+        <p:nvCxnSpPr>
+          <p:cNvPr id="37" name="Straight Arrow Connector 36">
+            <a:extLst>
+              <a:ext uri="{FF2B5EF4-FFF2-40B4-BE49-F238E27FC236}">
+                <a16:creationId xmlns:a16="http://schemas.microsoft.com/office/drawing/2014/main" id="{E20EF967-E80E-43BB-B6AE-D08F18C029D5}"/>
+              </a:ext>
+            </a:extLst>
+          </p:cNvPr>
+          <p:cNvCxnSpPr/>
+          <p:nvPr/>
+        </p:nvCxnSpPr>
+        <p:spPr>
+          <a:xfrm>
+            <a:off x="1367340" y="3539615"/>
+            <a:ext cx="3061841" cy="0"/>
+          </a:xfrm>
+          <a:prstGeom prst="straightConnector1">
+            <a:avLst/>
+          </a:prstGeom>
+          <a:ln w="19050">
+            <a:solidFill>
+              <a:schemeClr val="accent5">
+                <a:lumMod val="75000"/>
+              </a:schemeClr>
+            </a:solidFill>
+            <a:headEnd type="arrow" w="med" len="med"/>
+            <a:tailEnd type="none" w="med" len="med"/>
+          </a:ln>
+        </p:spPr>
+        <p:style>
+          <a:lnRef idx="1">
+            <a:schemeClr val="accent1"/>
+          </a:lnRef>
+          <a:fillRef idx="0">
+            <a:schemeClr val="accent1"/>
+          </a:fillRef>
+          <a:effectRef idx="0">
+            <a:schemeClr val="accent1"/>
+          </a:effectRef>
+          <a:fontRef idx="minor">
+            <a:schemeClr val="tx1"/>
+          </a:fontRef>
+        </p:style>
+      </p:cxnSp>
+      <p:sp>
+        <p:nvSpPr>
+          <p:cNvPr id="38" name="TextBox 37">
+            <a:extLst>
+              <a:ext uri="{FF2B5EF4-FFF2-40B4-BE49-F238E27FC236}">
+                <a16:creationId xmlns:a16="http://schemas.microsoft.com/office/drawing/2014/main" id="{94254194-4B27-4E91-9BD4-30032CF00016}"/>
+              </a:ext>
+            </a:extLst>
+          </p:cNvPr>
+          <p:cNvSpPr txBox="1"/>
+          <p:nvPr/>
+        </p:nvSpPr>
+        <p:spPr>
+          <a:xfrm>
+            <a:off x="1431224" y="3277385"/>
+            <a:ext cx="3080171" cy="215444"/>
+          </a:xfrm>
+          <a:prstGeom prst="rect">
+            <a:avLst/>
+          </a:prstGeom>
+          <a:noFill/>
+        </p:spPr>
+        <p:txBody>
+          <a:bodyPr wrap="square" lIns="0" tIns="0" rIns="0" bIns="0" rtlCol="0">
+            <a:spAutoFit/>
+          </a:bodyPr>
+          <a:lstStyle/>
+          <a:p>
+            <a:r>
+              <a:rPr lang="en-US" sz="1400" dirty="0" err="1">
+                <a:solidFill>
+                  <a:srgbClr val="7030A0"/>
+                </a:solidFill>
+              </a:rPr>
+              <a:t>handleTemplateLoadingExceptionEvent</a:t>
+            </a:r>
+            <a:r>
+              <a:rPr lang="en-US" sz="1400" dirty="0">
+                <a:solidFill>
+                  <a:srgbClr val="7030A0"/>
+                </a:solidFill>
+              </a:rPr>
+              <a:t>()</a:t>
+            </a:r>
+          </a:p>
+        </p:txBody>
+      </p:sp>
+      <p:cxnSp>
+        <p:nvCxnSpPr>
+          <p:cNvPr id="39" name="Straight Arrow Connector 38">
+            <a:extLst>
+              <a:ext uri="{FF2B5EF4-FFF2-40B4-BE49-F238E27FC236}">
+                <a16:creationId xmlns:a16="http://schemas.microsoft.com/office/drawing/2014/main" id="{953AED3A-D303-423E-99AF-6CB5FC8E9AF3}"/>
+              </a:ext>
+            </a:extLst>
+          </p:cNvPr>
+          <p:cNvCxnSpPr/>
+          <p:nvPr/>
+        </p:nvCxnSpPr>
+        <p:spPr>
+          <a:xfrm flipH="1">
+            <a:off x="4542214" y="3364890"/>
+            <a:ext cx="3383941" cy="0"/>
+          </a:xfrm>
+          <a:prstGeom prst="straightConnector1">
+            <a:avLst/>
+          </a:prstGeom>
+          <a:ln w="19050">
+            <a:solidFill>
+              <a:schemeClr val="accent6">
+                <a:lumMod val="75000"/>
+              </a:schemeClr>
+            </a:solidFill>
+            <a:prstDash val="solid"/>
+            <a:headEnd type="none" w="med" len="med"/>
+            <a:tailEnd type="arrow" w="med" len="med"/>
+          </a:ln>
+        </p:spPr>
+        <p:style>
+          <a:lnRef idx="1">
+            <a:schemeClr val="accent1"/>
+          </a:lnRef>
+          <a:fillRef idx="0">
+            <a:schemeClr val="accent1"/>
+          </a:fillRef>
+          <a:effectRef idx="0">
+            <a:schemeClr val="accent1"/>
+          </a:effectRef>
+          <a:fontRef idx="minor">
+            <a:schemeClr val="tx1"/>
+          </a:fontRef>
+        </p:style>
+      </p:cxnSp>
+      <p:sp>
+        <p:nvSpPr>
+          <p:cNvPr id="40" name="TextBox 39">
+            <a:extLst>
+              <a:ext uri="{FF2B5EF4-FFF2-40B4-BE49-F238E27FC236}">
+                <a16:creationId xmlns:a16="http://schemas.microsoft.com/office/drawing/2014/main" id="{E98B4758-959C-4B8F-B8BF-BD2DCE764651}"/>
+              </a:ext>
+            </a:extLst>
+          </p:cNvPr>
+          <p:cNvSpPr txBox="1"/>
+          <p:nvPr/>
+        </p:nvSpPr>
+        <p:spPr>
+          <a:xfrm>
+            <a:off x="4719430" y="3358436"/>
+            <a:ext cx="2790772" cy="215444"/>
+          </a:xfrm>
+          <a:prstGeom prst="rect">
+            <a:avLst/>
+          </a:prstGeom>
+          <a:noFill/>
+        </p:spPr>
+        <p:txBody>
+          <a:bodyPr wrap="square" lIns="0" tIns="0" rIns="0" bIns="0" rtlCol="0">
+            <a:spAutoFit/>
+          </a:bodyPr>
+          <a:lstStyle/>
+          <a:p>
+            <a:r>
+              <a:rPr lang="en-US" sz="1400" dirty="0">
+                <a:solidFill>
+                  <a:schemeClr val="accent5">
+                    <a:lumMod val="75000"/>
+                  </a:schemeClr>
+                </a:solidFill>
+              </a:rPr>
+              <a:t>post(</a:t>
+            </a:r>
+            <a:r>
+              <a:rPr lang="en-US" sz="1400" dirty="0" err="1">
+                <a:solidFill>
+                  <a:schemeClr val="accent5">
+                    <a:lumMod val="75000"/>
+                  </a:schemeClr>
+                </a:solidFill>
+              </a:rPr>
+              <a:t>TemplateLoadingExceptionEvent</a:t>
+            </a:r>
+            <a:r>
+              <a:rPr lang="en-US" sz="1400" dirty="0">
+                <a:solidFill>
+                  <a:schemeClr val="accent5">
+                    <a:lumMod val="75000"/>
+                  </a:schemeClr>
+                </a:solidFill>
+              </a:rPr>
+              <a:t>)</a:t>
+            </a:r>
+          </a:p>
+        </p:txBody>
+      </p:sp>
+      <p:cxnSp>
+        <p:nvCxnSpPr>
+          <p:cNvPr id="42" name="Straight Connector 41">
+            <a:extLst>
+              <a:ext uri="{FF2B5EF4-FFF2-40B4-BE49-F238E27FC236}">
+                <a16:creationId xmlns:a16="http://schemas.microsoft.com/office/drawing/2014/main" id="{84C5296B-2F5A-4C08-AE55-02225278E9BA}"/>
+              </a:ext>
+            </a:extLst>
+          </p:cNvPr>
+          <p:cNvCxnSpPr>
+            <a:cxnSpLocks/>
+            <a:stCxn id="32" idx="1"/>
+            <a:endCxn id="32" idx="3"/>
+          </p:cNvCxnSpPr>
+          <p:nvPr/>
+        </p:nvCxnSpPr>
+        <p:spPr>
+          <a:xfrm>
+            <a:off x="729358" y="3055815"/>
+            <a:ext cx="7739281" cy="0"/>
+          </a:xfrm>
+          <a:prstGeom prst="line">
+            <a:avLst/>
+          </a:prstGeom>
+          <a:ln w="25400">
+            <a:solidFill>
+              <a:srgbClr val="FF0000"/>
+            </a:solidFill>
+          </a:ln>
+        </p:spPr>
+        <p:style>
+          <a:lnRef idx="1">
+            <a:schemeClr val="accent1"/>
+          </a:lnRef>
+          <a:fillRef idx="0">
+            <a:schemeClr val="accent1"/>
+          </a:fillRef>
+          <a:effectRef idx="0">
+            <a:schemeClr val="accent1"/>
+          </a:effectRef>
+          <a:fontRef idx="minor">
+            <a:schemeClr val="tx1"/>
+          </a:fontRef>
+        </p:style>
+      </p:cxnSp>
+      <p:sp>
+        <p:nvSpPr>
+          <p:cNvPr id="44" name="Rectangle 43">
+            <a:extLst>
+              <a:ext uri="{FF2B5EF4-FFF2-40B4-BE49-F238E27FC236}">
+                <a16:creationId xmlns:a16="http://schemas.microsoft.com/office/drawing/2014/main" id="{75978667-B4B1-40EB-81EE-0EF49312A268}"/>
+              </a:ext>
+            </a:extLst>
+          </p:cNvPr>
+          <p:cNvSpPr/>
+          <p:nvPr/>
+        </p:nvSpPr>
+        <p:spPr>
+          <a:xfrm>
+            <a:off x="4392448" y="3069539"/>
+            <a:ext cx="142006" cy="791886"/>
+          </a:xfrm>
+          <a:prstGeom prst="rect">
+            <a:avLst/>
+          </a:prstGeom>
+          <a:solidFill>
+            <a:schemeClr val="accent5">
+              <a:lumMod val="75000"/>
+            </a:schemeClr>
+          </a:solidFill>
+          <a:ln>
+            <a:solidFill>
+              <a:schemeClr val="accent5">
+                <a:lumMod val="75000"/>
+              </a:schemeClr>
+            </a:solidFill>
+          </a:ln>
+          <a:effectLst/>
+        </p:spPr>
+        <p:style>
+          <a:lnRef idx="1">
+            <a:schemeClr val="accent3"/>
+          </a:lnRef>
+          <a:fillRef idx="2">
+            <a:schemeClr val="accent3"/>
+          </a:fillRef>
+          <a:effectRef idx="1">
+            <a:schemeClr val="accent3"/>
+          </a:effectRef>
+          <a:fontRef idx="minor">
+            <a:schemeClr val="dk1"/>
+          </a:fontRef>
+        </p:style>
+        <p:txBody>
+          <a:bodyPr rtlCol="0" anchor="ctr"/>
+          <a:lstStyle/>
+          <a:p>
+            <a:pPr algn="ctr"/>
+            <a:endParaRPr lang="en-SG" sz="1400">
+              <a:solidFill>
+                <a:schemeClr val="dk1"/>
+              </a:solidFill>
+            </a:endParaRPr>
+          </a:p>
+        </p:txBody>
+      </p:sp>
+      <p:cxnSp>
+        <p:nvCxnSpPr>
+          <p:cNvPr id="45" name="Straight Arrow Connector 44">
+            <a:extLst>
+              <a:ext uri="{FF2B5EF4-FFF2-40B4-BE49-F238E27FC236}">
+                <a16:creationId xmlns:a16="http://schemas.microsoft.com/office/drawing/2014/main" id="{C22A5535-5CC0-461E-B4B6-233AB31ACFB8}"/>
+              </a:ext>
+            </a:extLst>
+          </p:cNvPr>
+          <p:cNvCxnSpPr/>
+          <p:nvPr/>
+        </p:nvCxnSpPr>
+        <p:spPr>
+          <a:xfrm flipH="1">
+            <a:off x="4542214" y="2663140"/>
+            <a:ext cx="3383941" cy="0"/>
+          </a:xfrm>
+          <a:prstGeom prst="straightConnector1">
+            <a:avLst/>
+          </a:prstGeom>
+          <a:ln w="19050">
+            <a:solidFill>
+              <a:schemeClr val="accent6">
+                <a:lumMod val="75000"/>
+              </a:schemeClr>
+            </a:solidFill>
+            <a:prstDash val="sysDash"/>
+            <a:headEnd type="none" w="med" len="med"/>
+            <a:tailEnd type="arrow" w="med" len="med"/>
+          </a:ln>
+        </p:spPr>
+        <p:style>
+          <a:lnRef idx="1">
+            <a:schemeClr val="accent1"/>
+          </a:lnRef>
+          <a:fillRef idx="0">
+            <a:schemeClr val="accent1"/>
+          </a:fillRef>
+          <a:effectRef idx="0">
+            <a:schemeClr val="accent1"/>
+          </a:effectRef>
+          <a:fontRef idx="minor">
+            <a:schemeClr val="tx1"/>
+          </a:fontRef>
+        </p:style>
+      </p:cxnSp>
+      <p:cxnSp>
+        <p:nvCxnSpPr>
+          <p:cNvPr id="46" name="Straight Arrow Connector 45">
+            <a:extLst>
+              <a:ext uri="{FF2B5EF4-FFF2-40B4-BE49-F238E27FC236}">
+                <a16:creationId xmlns:a16="http://schemas.microsoft.com/office/drawing/2014/main" id="{CF2E6B0E-695D-4090-9F32-EB42044AF939}"/>
+              </a:ext>
+            </a:extLst>
+          </p:cNvPr>
+          <p:cNvCxnSpPr>
+            <a:cxnSpLocks/>
+          </p:cNvCxnSpPr>
+          <p:nvPr/>
+        </p:nvCxnSpPr>
+        <p:spPr>
+          <a:xfrm>
+            <a:off x="1367340" y="3855130"/>
+            <a:ext cx="3051069" cy="0"/>
+          </a:xfrm>
+          <a:prstGeom prst="straightConnector1">
+            <a:avLst/>
+          </a:prstGeom>
+          <a:ln w="19050">
+            <a:solidFill>
+              <a:schemeClr val="accent5">
+                <a:lumMod val="75000"/>
+              </a:schemeClr>
+            </a:solidFill>
+            <a:prstDash val="sysDash"/>
+            <a:headEnd type="arrow" w="med" len="med"/>
+            <a:tailEnd type="none" w="med" len="med"/>
+          </a:ln>
+        </p:spPr>
+        <p:style>
+          <a:lnRef idx="1">
+            <a:schemeClr val="accent1"/>
+          </a:lnRef>
+          <a:fillRef idx="0">
+            <a:schemeClr val="accent1"/>
+          </a:fillRef>
+          <a:effectRef idx="0">
+            <a:schemeClr val="accent1"/>
+          </a:effectRef>
+          <a:fontRef idx="minor">
+            <a:schemeClr val="tx1"/>
+          </a:fontRef>
+        </p:style>
+      </p:cxnSp>
+      <p:cxnSp>
+        <p:nvCxnSpPr>
+          <p:cNvPr id="50" name="Straight Arrow Connector 49">
+            <a:extLst>
+              <a:ext uri="{FF2B5EF4-FFF2-40B4-BE49-F238E27FC236}">
+                <a16:creationId xmlns:a16="http://schemas.microsoft.com/office/drawing/2014/main" id="{46AB0DA5-47D9-4D37-A407-05E156FF13C1}"/>
+              </a:ext>
+            </a:extLst>
+          </p:cNvPr>
+          <p:cNvCxnSpPr>
+            <a:cxnSpLocks/>
+          </p:cNvCxnSpPr>
+          <p:nvPr/>
+        </p:nvCxnSpPr>
+        <p:spPr>
+          <a:xfrm>
+            <a:off x="729358" y="4258258"/>
+            <a:ext cx="470532" cy="0"/>
+          </a:xfrm>
+          <a:prstGeom prst="straightConnector1">
+            <a:avLst/>
+          </a:prstGeom>
+          <a:ln w="19050">
+            <a:solidFill>
+              <a:srgbClr val="7030A0"/>
+            </a:solidFill>
+            <a:prstDash val="sysDash"/>
+            <a:headEnd type="arrow" w="med" len="med"/>
+            <a:tailEnd type="none" w="med" len="med"/>
+          </a:ln>
+        </p:spPr>
+        <p:style>
+          <a:lnRef idx="1">
+            <a:schemeClr val="accent1"/>
+          </a:lnRef>
+          <a:fillRef idx="0">
+            <a:schemeClr val="accent1"/>
+          </a:fillRef>
+          <a:effectRef idx="0">
+            <a:schemeClr val="accent1"/>
+          </a:effectRef>
+          <a:fontRef idx="minor">
+            <a:schemeClr val="tx1"/>
+          </a:fontRef>
+        </p:style>
+      </p:cxnSp>
+      <p:sp>
+        <p:nvSpPr>
+          <p:cNvPr id="54" name="Rectangle: Single Corner Snipped 53">
+            <a:extLst>
+              <a:ext uri="{FF2B5EF4-FFF2-40B4-BE49-F238E27FC236}">
+                <a16:creationId xmlns:a16="http://schemas.microsoft.com/office/drawing/2014/main" id="{20BC8C22-DF1D-48F1-AC74-466C1306E1EE}"/>
+              </a:ext>
+            </a:extLst>
+          </p:cNvPr>
+          <p:cNvSpPr/>
+          <p:nvPr/>
+        </p:nvSpPr>
+        <p:spPr>
+          <a:xfrm flipV="1">
+            <a:off x="729358" y="2004548"/>
+            <a:ext cx="381001" cy="279488"/>
+          </a:xfrm>
+          <a:prstGeom prst="snip1Rect">
+            <a:avLst>
+              <a:gd name="adj" fmla="val 31397"/>
+            </a:avLst>
+          </a:prstGeom>
+          <a:noFill/>
+          <a:ln>
+            <a:solidFill>
+              <a:srgbClr val="FF0000"/>
+            </a:solidFill>
+          </a:ln>
+        </p:spPr>
+        <p:style>
+          <a:lnRef idx="2">
+            <a:schemeClr val="accent1">
+              <a:shade val="50000"/>
+            </a:schemeClr>
+          </a:lnRef>
+          <a:fillRef idx="1">
+            <a:schemeClr val="accent1"/>
+          </a:fillRef>
+          <a:effectRef idx="0">
+            <a:schemeClr val="accent1"/>
+          </a:effectRef>
+          <a:fontRef idx="minor">
+            <a:schemeClr val="lt1"/>
+          </a:fontRef>
+        </p:style>
+        <p:txBody>
+          <a:bodyPr vert="horz" rtlCol="0" anchor="ctr"/>
+          <a:lstStyle/>
+          <a:p>
+            <a:pPr algn="ctr"/>
+            <a:endParaRPr lang="en-SG" dirty="0">
+              <a:solidFill>
+                <a:schemeClr val="tx1"/>
+              </a:solidFill>
+            </a:endParaRPr>
+          </a:p>
+        </p:txBody>
+      </p:sp>
+      <p:sp>
+        <p:nvSpPr>
+          <p:cNvPr id="57" name="TextBox 56">
+            <a:extLst>
+              <a:ext uri="{FF2B5EF4-FFF2-40B4-BE49-F238E27FC236}">
+                <a16:creationId xmlns:a16="http://schemas.microsoft.com/office/drawing/2014/main" id="{25DAAE14-38DC-4530-9627-BC494A4EAA4A}"/>
+              </a:ext>
+            </a:extLst>
+          </p:cNvPr>
+          <p:cNvSpPr txBox="1"/>
+          <p:nvPr/>
+        </p:nvSpPr>
+        <p:spPr>
+          <a:xfrm>
+            <a:off x="720603" y="1981200"/>
+            <a:ext cx="415175" cy="307777"/>
+          </a:xfrm>
+          <a:prstGeom prst="rect">
+            <a:avLst/>
+          </a:prstGeom>
+          <a:noFill/>
+        </p:spPr>
+        <p:txBody>
+          <a:bodyPr wrap="square" rtlCol="0">
+            <a:spAutoFit/>
+          </a:bodyPr>
+          <a:lstStyle/>
+          <a:p>
+            <a:r>
+              <a:rPr lang="en-SG" sz="1400" dirty="0">
+                <a:solidFill>
+                  <a:srgbClr val="FF0000"/>
+                </a:solidFill>
+              </a:rPr>
+              <a:t>alt</a:t>
+            </a:r>
+          </a:p>
+        </p:txBody>
+      </p:sp>
+      <p:sp>
+        <p:nvSpPr>
+          <p:cNvPr id="58" name="TextBox 57">
+            <a:extLst>
+              <a:ext uri="{FF2B5EF4-FFF2-40B4-BE49-F238E27FC236}">
+                <a16:creationId xmlns:a16="http://schemas.microsoft.com/office/drawing/2014/main" id="{D69C604D-D44C-4895-8B46-BEC476206ACA}"/>
+              </a:ext>
+            </a:extLst>
+          </p:cNvPr>
+          <p:cNvSpPr txBox="1"/>
+          <p:nvPr/>
+        </p:nvSpPr>
+        <p:spPr>
+          <a:xfrm>
+            <a:off x="5615328" y="2041573"/>
+            <a:ext cx="2307381" cy="215444"/>
+          </a:xfrm>
+          <a:prstGeom prst="rect">
+            <a:avLst/>
+          </a:prstGeom>
+          <a:noFill/>
+        </p:spPr>
+        <p:txBody>
+          <a:bodyPr wrap="square" lIns="0" tIns="0" rIns="0" bIns="0" rtlCol="0">
+            <a:spAutoFit/>
+          </a:bodyPr>
+          <a:lstStyle/>
+          <a:p>
+            <a:r>
+              <a:rPr lang="en-US" sz="1400" dirty="0">
+                <a:solidFill>
+                  <a:srgbClr val="FF0000"/>
+                </a:solidFill>
+              </a:rPr>
+              <a:t>[template loaded successfully]</a:t>
+            </a:r>
+          </a:p>
+        </p:txBody>
+      </p:sp>
+      <p:sp>
+        <p:nvSpPr>
+          <p:cNvPr id="60" name="TextBox 59">
+            <a:extLst>
+              <a:ext uri="{FF2B5EF4-FFF2-40B4-BE49-F238E27FC236}">
+                <a16:creationId xmlns:a16="http://schemas.microsoft.com/office/drawing/2014/main" id="{D9B65055-81CD-4863-BDE3-41E8263C8959}"/>
+              </a:ext>
+            </a:extLst>
+          </p:cNvPr>
+          <p:cNvSpPr txBox="1"/>
+          <p:nvPr/>
+        </p:nvSpPr>
+        <p:spPr>
+          <a:xfrm>
+            <a:off x="5220714" y="3089144"/>
+            <a:ext cx="2606336" cy="215444"/>
+          </a:xfrm>
+          <a:prstGeom prst="rect">
+            <a:avLst/>
+          </a:prstGeom>
+          <a:noFill/>
+        </p:spPr>
+        <p:txBody>
+          <a:bodyPr wrap="square" lIns="0" tIns="0" rIns="0" bIns="0" rtlCol="0">
+            <a:spAutoFit/>
+          </a:bodyPr>
+          <a:lstStyle/>
+          <a:p>
+            <a:r>
+              <a:rPr lang="en-US" sz="1400" dirty="0">
+                <a:solidFill>
+                  <a:srgbClr val="FF0000"/>
+                </a:solidFill>
+              </a:rPr>
+              <a:t>[exception during template loading]</a:t>
+            </a:r>
           </a:p>
         </p:txBody>
       </p:sp>
     </p:spTree>
     <p:extLst>
       <p:ext uri="{BB962C8B-B14F-4D97-AF65-F5344CB8AC3E}">
-        <p14:creationId xmlns:p14="http://schemas.microsoft.com/office/powerpoint/2010/main" val="4023378879"/>
+        <p14:creationId xmlns:p14="http://schemas.microsoft.com/office/powerpoint/2010/main" val="565728835"/>
       </p:ext>
     </p:extLst>
   </p:cSld>

--- a/docs/diagrams/HighLevelSequenceDiagrams.pptx
+++ b/docs/diagrams/HighLevelSequenceDiagrams.pptx
@@ -5,12 +5,14 @@
     <p:sldMasterId id="2147483648" r:id="rId1"/>
   </p:sldMasterIdLst>
   <p:notesMasterIdLst>
-    <p:notesMasterId r:id="rId5"/>
+    <p:notesMasterId r:id="rId7"/>
   </p:notesMasterIdLst>
   <p:sldIdLst>
     <p:sldId id="266" r:id="rId2"/>
     <p:sldId id="267" r:id="rId3"/>
     <p:sldId id="268" r:id="rId4"/>
+    <p:sldId id="269" r:id="rId5"/>
+    <p:sldId id="270" r:id="rId6"/>
   </p:sldIdLst>
   <p:sldSz cx="9144000" cy="6858000" type="screen4x3"/>
   <p:notesSz cx="6858000" cy="9144000"/>
@@ -110,6 +112,19 @@
     </a:lvl9pPr>
   </p:defaultTextStyle>
   <p:extLst>
+    <p:ext uri="{521415D9-36F7-43E2-AB2F-B90AF26B5E84}">
+      <p14:sectionLst xmlns:p14="http://schemas.microsoft.com/office/powerpoint/2010/main">
+        <p14:section name="Default Section" id="{B6A661B8-9B24-4E22-A319-61E6B3857BF3}">
+          <p14:sldIdLst>
+            <p14:sldId id="266"/>
+            <p14:sldId id="267"/>
+            <p14:sldId id="268"/>
+            <p14:sldId id="269"/>
+            <p14:sldId id="270"/>
+          </p14:sldIdLst>
+        </p14:section>
+      </p14:sectionLst>
+    </p:ext>
     <p:ext uri="{EFAFB233-063F-42B5-8137-9DF3F51BA10A}">
       <p15:sldGuideLst xmlns:p15="http://schemas.microsoft.com/office/powerpoint/2012/main">
         <p15:guide id="1" orient="horz" pos="1488">
@@ -210,7 +225,7 @@
           <a:p>
             <a:fld id="{F5CC4B3F-88C1-4FFA-B1B6-F41C21DC6924}" type="datetimeFigureOut">
               <a:rPr lang="en-US" smtClean="0"/>
-              <a:t>10/30/2018</a:t>
+              <a:t>11/1/2018</a:t>
             </a:fld>
             <a:endParaRPr lang="en-US"/>
           </a:p>
@@ -656,7 +671,7 @@
           <a:p>
             <a:fld id="{78C97017-6FC3-485B-9764-EAC9E56C1D49}" type="datetimeFigureOut">
               <a:rPr lang="en-US" smtClean="0"/>
-              <a:t>10/30/2018</a:t>
+              <a:t>11/1/2018</a:t>
             </a:fld>
             <a:endParaRPr lang="en-US"/>
           </a:p>
@@ -824,7 +839,7 @@
           <a:p>
             <a:fld id="{78C97017-6FC3-485B-9764-EAC9E56C1D49}" type="datetimeFigureOut">
               <a:rPr lang="en-US" smtClean="0"/>
-              <a:t>10/30/2018</a:t>
+              <a:t>11/1/2018</a:t>
             </a:fld>
             <a:endParaRPr lang="en-US"/>
           </a:p>
@@ -1002,7 +1017,7 @@
           <a:p>
             <a:fld id="{78C97017-6FC3-485B-9764-EAC9E56C1D49}" type="datetimeFigureOut">
               <a:rPr lang="en-US" smtClean="0"/>
-              <a:t>10/30/2018</a:t>
+              <a:t>11/1/2018</a:t>
             </a:fld>
             <a:endParaRPr lang="en-US"/>
           </a:p>
@@ -1170,7 +1185,7 @@
           <a:p>
             <a:fld id="{78C97017-6FC3-485B-9764-EAC9E56C1D49}" type="datetimeFigureOut">
               <a:rPr lang="en-US" smtClean="0"/>
-              <a:t>10/30/2018</a:t>
+              <a:t>11/1/2018</a:t>
             </a:fld>
             <a:endParaRPr lang="en-US"/>
           </a:p>
@@ -1415,7 +1430,7 @@
           <a:p>
             <a:fld id="{78C97017-6FC3-485B-9764-EAC9E56C1D49}" type="datetimeFigureOut">
               <a:rPr lang="en-US" smtClean="0"/>
-              <a:t>10/30/2018</a:t>
+              <a:t>11/1/2018</a:t>
             </a:fld>
             <a:endParaRPr lang="en-US"/>
           </a:p>
@@ -1700,7 +1715,7 @@
           <a:p>
             <a:fld id="{78C97017-6FC3-485B-9764-EAC9E56C1D49}" type="datetimeFigureOut">
               <a:rPr lang="en-US" smtClean="0"/>
-              <a:t>10/30/2018</a:t>
+              <a:t>11/1/2018</a:t>
             </a:fld>
             <a:endParaRPr lang="en-US"/>
           </a:p>
@@ -2119,7 +2134,7 @@
           <a:p>
             <a:fld id="{78C97017-6FC3-485B-9764-EAC9E56C1D49}" type="datetimeFigureOut">
               <a:rPr lang="en-US" smtClean="0"/>
-              <a:t>10/30/2018</a:t>
+              <a:t>11/1/2018</a:t>
             </a:fld>
             <a:endParaRPr lang="en-US"/>
           </a:p>
@@ -2236,7 +2251,7 @@
           <a:p>
             <a:fld id="{78C97017-6FC3-485B-9764-EAC9E56C1D49}" type="datetimeFigureOut">
               <a:rPr lang="en-US" smtClean="0"/>
-              <a:t>10/30/2018</a:t>
+              <a:t>11/1/2018</a:t>
             </a:fld>
             <a:endParaRPr lang="en-US"/>
           </a:p>
@@ -2331,7 +2346,7 @@
           <a:p>
             <a:fld id="{78C97017-6FC3-485B-9764-EAC9E56C1D49}" type="datetimeFigureOut">
               <a:rPr lang="en-US" smtClean="0"/>
-              <a:t>10/30/2018</a:t>
+              <a:t>11/1/2018</a:t>
             </a:fld>
             <a:endParaRPr lang="en-US"/>
           </a:p>
@@ -2606,7 +2621,7 @@
           <a:p>
             <a:fld id="{78C97017-6FC3-485B-9764-EAC9E56C1D49}" type="datetimeFigureOut">
               <a:rPr lang="en-US" smtClean="0"/>
-              <a:t>10/30/2018</a:t>
+              <a:t>11/1/2018</a:t>
             </a:fld>
             <a:endParaRPr lang="en-US"/>
           </a:p>
@@ -2858,7 +2873,7 @@
           <a:p>
             <a:fld id="{78C97017-6FC3-485B-9764-EAC9E56C1D49}" type="datetimeFigureOut">
               <a:rPr lang="en-US" smtClean="0"/>
-              <a:t>10/30/2018</a:t>
+              <a:t>11/1/2018</a:t>
             </a:fld>
             <a:endParaRPr lang="en-US"/>
           </a:p>
@@ -3069,7 +3084,7 @@
           <a:p>
             <a:fld id="{78C97017-6FC3-485B-9764-EAC9E56C1D49}" type="datetimeFigureOut">
               <a:rPr lang="en-US" smtClean="0"/>
-              <a:t>10/30/2018</a:t>
+              <a:t>11/1/2018</a:t>
             </a:fld>
             <a:endParaRPr lang="en-US"/>
           </a:p>
@@ -9359,6 +9374,4504 @@
     <p:extLst>
       <p:ext uri="{BB962C8B-B14F-4D97-AF65-F5344CB8AC3E}">
         <p14:creationId xmlns:p14="http://schemas.microsoft.com/office/powerpoint/2010/main" val="565728835"/>
+      </p:ext>
+    </p:extLst>
+  </p:cSld>
+  <p:clrMapOvr>
+    <a:masterClrMapping/>
+  </p:clrMapOvr>
+</p:sld>
+</file>
+
+<file path=ppt/slides/slide4.xml><?xml version="1.0" encoding="utf-8"?>
+<p:sld xmlns:a="http://schemas.openxmlformats.org/drawingml/2006/main" xmlns:r="http://schemas.openxmlformats.org/officeDocument/2006/relationships" xmlns:p="http://schemas.openxmlformats.org/presentationml/2006/main">
+  <p:cSld>
+    <p:spTree>
+      <p:nvGrpSpPr>
+        <p:cNvPr id="1" name=""/>
+        <p:cNvGrpSpPr/>
+        <p:nvPr/>
+      </p:nvGrpSpPr>
+      <p:grpSpPr>
+        <a:xfrm>
+          <a:off x="0" y="0"/>
+          <a:ext cx="0" cy="0"/>
+          <a:chOff x="0" y="0"/>
+          <a:chExt cx="0" cy="0"/>
+        </a:xfrm>
+      </p:grpSpPr>
+      <p:sp>
+        <p:nvSpPr>
+          <p:cNvPr id="2" name="Rectangle 62">
+            <a:extLst>
+              <a:ext uri="{FF2B5EF4-FFF2-40B4-BE49-F238E27FC236}">
+                <a16:creationId xmlns:a16="http://schemas.microsoft.com/office/drawing/2014/main" id="{0DD8118F-D319-4356-A4F1-A7EDAF2E98DA}"/>
+              </a:ext>
+            </a:extLst>
+          </p:cNvPr>
+          <p:cNvSpPr/>
+          <p:nvPr/>
+        </p:nvSpPr>
+        <p:spPr>
+          <a:xfrm>
+            <a:off x="1178015" y="576945"/>
+            <a:ext cx="1093635" cy="346760"/>
+          </a:xfrm>
+          <a:prstGeom prst="rect">
+            <a:avLst/>
+          </a:prstGeom>
+          <a:solidFill>
+            <a:srgbClr val="00B050"/>
+          </a:solidFill>
+          <a:ln w="19050">
+            <a:solidFill>
+              <a:srgbClr val="00B050"/>
+            </a:solidFill>
+          </a:ln>
+          <a:effectLst/>
+        </p:spPr>
+        <p:style>
+          <a:lnRef idx="1">
+            <a:schemeClr val="accent2"/>
+          </a:lnRef>
+          <a:fillRef idx="2">
+            <a:schemeClr val="accent2"/>
+          </a:fillRef>
+          <a:effectRef idx="1">
+            <a:schemeClr val="accent2"/>
+          </a:effectRef>
+          <a:fontRef idx="minor">
+            <a:schemeClr val="dk1"/>
+          </a:fontRef>
+        </p:style>
+        <p:txBody>
+          <a:bodyPr rtlCol="0" anchor="ctr"/>
+          <a:lstStyle/>
+          <a:p>
+            <a:pPr algn="ctr"/>
+            <a:r>
+              <a:rPr lang="en-US" sz="1600" dirty="0">
+                <a:solidFill>
+                  <a:schemeClr val="bg1"/>
+                </a:solidFill>
+              </a:rPr>
+              <a:t>:UI</a:t>
+            </a:r>
+            <a:endParaRPr lang="en-SG" sz="1600" dirty="0">
+              <a:solidFill>
+                <a:schemeClr val="bg1"/>
+              </a:solidFill>
+            </a:endParaRPr>
+          </a:p>
+        </p:txBody>
+      </p:sp>
+      <p:cxnSp>
+        <p:nvCxnSpPr>
+          <p:cNvPr id="3" name="Straight Connector 2">
+            <a:extLst>
+              <a:ext uri="{FF2B5EF4-FFF2-40B4-BE49-F238E27FC236}">
+                <a16:creationId xmlns:a16="http://schemas.microsoft.com/office/drawing/2014/main" id="{BC934D80-7728-4A1B-B290-580667B8B517}"/>
+              </a:ext>
+            </a:extLst>
+          </p:cNvPr>
+          <p:cNvCxnSpPr>
+            <a:cxnSpLocks/>
+          </p:cNvCxnSpPr>
+          <p:nvPr/>
+        </p:nvCxnSpPr>
+        <p:spPr>
+          <a:xfrm flipH="1">
+            <a:off x="1637489" y="933848"/>
+            <a:ext cx="63558" cy="5065172"/>
+          </a:xfrm>
+          <a:prstGeom prst="line">
+            <a:avLst/>
+          </a:prstGeom>
+          <a:ln w="19050">
+            <a:solidFill>
+              <a:srgbClr val="00B050"/>
+            </a:solidFill>
+            <a:prstDash val="sysDash"/>
+          </a:ln>
+          <a:effectLst/>
+        </p:spPr>
+        <p:style>
+          <a:lnRef idx="1">
+            <a:schemeClr val="accent1"/>
+          </a:lnRef>
+          <a:fillRef idx="2">
+            <a:schemeClr val="accent1"/>
+          </a:fillRef>
+          <a:effectRef idx="1">
+            <a:schemeClr val="accent1"/>
+          </a:effectRef>
+          <a:fontRef idx="minor">
+            <a:schemeClr val="dk1"/>
+          </a:fontRef>
+        </p:style>
+      </p:cxnSp>
+      <p:sp>
+        <p:nvSpPr>
+          <p:cNvPr id="4" name="Rectangle 3">
+            <a:extLst>
+              <a:ext uri="{FF2B5EF4-FFF2-40B4-BE49-F238E27FC236}">
+                <a16:creationId xmlns:a16="http://schemas.microsoft.com/office/drawing/2014/main" id="{FF09FDB6-CA39-419B-9D94-DABE5F9D5A83}"/>
+              </a:ext>
+            </a:extLst>
+          </p:cNvPr>
+          <p:cNvSpPr/>
+          <p:nvPr/>
+        </p:nvSpPr>
+        <p:spPr>
+          <a:xfrm>
+            <a:off x="1565929" y="1217022"/>
+            <a:ext cx="164690" cy="4067448"/>
+          </a:xfrm>
+          <a:prstGeom prst="rect">
+            <a:avLst/>
+          </a:prstGeom>
+          <a:solidFill>
+            <a:srgbClr val="00B050"/>
+          </a:solidFill>
+          <a:ln>
+            <a:solidFill>
+              <a:srgbClr val="00B050"/>
+            </a:solidFill>
+          </a:ln>
+          <a:effectLst/>
+        </p:spPr>
+        <p:style>
+          <a:lnRef idx="1">
+            <a:schemeClr val="accent3"/>
+          </a:lnRef>
+          <a:fillRef idx="2">
+            <a:schemeClr val="accent3"/>
+          </a:fillRef>
+          <a:effectRef idx="1">
+            <a:schemeClr val="accent3"/>
+          </a:effectRef>
+          <a:fontRef idx="minor">
+            <a:schemeClr val="dk1"/>
+          </a:fontRef>
+        </p:style>
+        <p:txBody>
+          <a:bodyPr rtlCol="0" anchor="ctr"/>
+          <a:lstStyle/>
+          <a:p>
+            <a:pPr algn="ctr"/>
+            <a:endParaRPr lang="en-SG" sz="1400">
+              <a:solidFill>
+                <a:schemeClr val="dk1"/>
+              </a:solidFill>
+            </a:endParaRPr>
+          </a:p>
+        </p:txBody>
+      </p:sp>
+      <p:grpSp>
+        <p:nvGrpSpPr>
+          <p:cNvPr id="5" name="Actor">
+            <a:extLst>
+              <a:ext uri="{FF2B5EF4-FFF2-40B4-BE49-F238E27FC236}">
+                <a16:creationId xmlns:a16="http://schemas.microsoft.com/office/drawing/2014/main" id="{CA08771A-CE42-458B-BB55-6EF8FC149AB8}"/>
+              </a:ext>
+            </a:extLst>
+          </p:cNvPr>
+          <p:cNvGrpSpPr/>
+          <p:nvPr/>
+        </p:nvGrpSpPr>
+        <p:grpSpPr>
+          <a:xfrm>
+            <a:off x="152400" y="533400"/>
+            <a:ext cx="324036" cy="573410"/>
+            <a:chOff x="3239901" y="4149080"/>
+            <a:chExt cx="648072" cy="1146820"/>
+          </a:xfrm>
+        </p:grpSpPr>
+        <p:sp>
+          <p:nvSpPr>
+            <p:cNvPr id="6" name="Flowchart: Connector 5">
+              <a:extLst>
+                <a:ext uri="{FF2B5EF4-FFF2-40B4-BE49-F238E27FC236}">
+                  <a16:creationId xmlns:a16="http://schemas.microsoft.com/office/drawing/2014/main" id="{90715162-D379-4184-B939-0623AC8FED41}"/>
+                </a:ext>
+              </a:extLst>
+            </p:cNvPr>
+            <p:cNvSpPr/>
+            <p:nvPr/>
+          </p:nvSpPr>
+          <p:spPr>
+            <a:xfrm>
+              <a:off x="3419872" y="4149080"/>
+              <a:ext cx="288032" cy="288032"/>
+            </a:xfrm>
+            <a:prstGeom prst="flowChartConnector">
+              <a:avLst/>
+            </a:prstGeom>
+            <a:solidFill>
+              <a:schemeClr val="bg1">
+                <a:lumMod val="85000"/>
+              </a:schemeClr>
+            </a:solidFill>
+            <a:ln w="28575">
+              <a:solidFill>
+                <a:schemeClr val="tx1"/>
+              </a:solidFill>
+            </a:ln>
+            <a:effectLst/>
+          </p:spPr>
+          <p:style>
+            <a:lnRef idx="1">
+              <a:schemeClr val="accent4"/>
+            </a:lnRef>
+            <a:fillRef idx="2">
+              <a:schemeClr val="accent4"/>
+            </a:fillRef>
+            <a:effectRef idx="1">
+              <a:schemeClr val="accent4"/>
+            </a:effectRef>
+            <a:fontRef idx="minor">
+              <a:schemeClr val="dk1"/>
+            </a:fontRef>
+          </p:style>
+          <p:txBody>
+            <a:bodyPr rtlCol="0" anchor="ctr"/>
+            <a:lstStyle/>
+            <a:p>
+              <a:pPr algn="ctr"/>
+              <a:endParaRPr lang="en-SG"/>
+            </a:p>
+          </p:txBody>
+        </p:sp>
+        <p:cxnSp>
+          <p:nvCxnSpPr>
+            <p:cNvPr id="7" name="Straight Connector 6">
+              <a:extLst>
+                <a:ext uri="{FF2B5EF4-FFF2-40B4-BE49-F238E27FC236}">
+                  <a16:creationId xmlns:a16="http://schemas.microsoft.com/office/drawing/2014/main" id="{BAFF0BD2-BDD6-4995-B2BC-CD8DA542122F}"/>
+                </a:ext>
+              </a:extLst>
+            </p:cNvPr>
+            <p:cNvCxnSpPr>
+              <a:stCxn id="6" idx="4"/>
+            </p:cNvCxnSpPr>
+            <p:nvPr/>
+          </p:nvCxnSpPr>
+          <p:spPr>
+            <a:xfrm>
+              <a:off x="3563888" y="4437112"/>
+              <a:ext cx="0" cy="504056"/>
+            </a:xfrm>
+            <a:prstGeom prst="line">
+              <a:avLst/>
+            </a:prstGeom>
+            <a:ln w="28575">
+              <a:solidFill>
+                <a:schemeClr val="tx1"/>
+              </a:solidFill>
+            </a:ln>
+            <a:effectLst/>
+          </p:spPr>
+          <p:style>
+            <a:lnRef idx="1">
+              <a:schemeClr val="accent4"/>
+            </a:lnRef>
+            <a:fillRef idx="2">
+              <a:schemeClr val="accent4"/>
+            </a:fillRef>
+            <a:effectRef idx="1">
+              <a:schemeClr val="accent4"/>
+            </a:effectRef>
+            <a:fontRef idx="minor">
+              <a:schemeClr val="dk1"/>
+            </a:fontRef>
+          </p:style>
+        </p:cxnSp>
+        <p:sp>
+          <p:nvSpPr>
+            <p:cNvPr id="8" name="Freeform 9">
+              <a:extLst>
+                <a:ext uri="{FF2B5EF4-FFF2-40B4-BE49-F238E27FC236}">
+                  <a16:creationId xmlns:a16="http://schemas.microsoft.com/office/drawing/2014/main" id="{D7486A12-16FF-4DFD-87FD-018F406AB75C}"/>
+                </a:ext>
+              </a:extLst>
+            </p:cNvPr>
+            <p:cNvSpPr/>
+            <p:nvPr/>
+          </p:nvSpPr>
+          <p:spPr>
+            <a:xfrm>
+              <a:off x="3324225" y="4933950"/>
+              <a:ext cx="479425" cy="361950"/>
+            </a:xfrm>
+            <a:custGeom>
+              <a:avLst/>
+              <a:gdLst>
+                <a:gd name="connsiteX0" fmla="*/ 0 w 479425"/>
+                <a:gd name="connsiteY0" fmla="*/ 355600 h 361950"/>
+                <a:gd name="connsiteX1" fmla="*/ 241300 w 479425"/>
+                <a:gd name="connsiteY1" fmla="*/ 0 h 361950"/>
+                <a:gd name="connsiteX2" fmla="*/ 479425 w 479425"/>
+                <a:gd name="connsiteY2" fmla="*/ 361950 h 361950"/>
+              </a:gdLst>
+              <a:ahLst/>
+              <a:cxnLst>
+                <a:cxn ang="0">
+                  <a:pos x="connsiteX0" y="connsiteY0"/>
+                </a:cxn>
+                <a:cxn ang="0">
+                  <a:pos x="connsiteX1" y="connsiteY1"/>
+                </a:cxn>
+                <a:cxn ang="0">
+                  <a:pos x="connsiteX2" y="connsiteY2"/>
+                </a:cxn>
+              </a:cxnLst>
+              <a:rect l="l" t="t" r="r" b="b"/>
+              <a:pathLst>
+                <a:path w="479425" h="361950">
+                  <a:moveTo>
+                    <a:pt x="0" y="355600"/>
+                  </a:moveTo>
+                  <a:lnTo>
+                    <a:pt x="241300" y="0"/>
+                  </a:lnTo>
+                  <a:lnTo>
+                    <a:pt x="479425" y="361950"/>
+                  </a:lnTo>
+                </a:path>
+              </a:pathLst>
+            </a:custGeom>
+            <a:noFill/>
+            <a:ln w="28575">
+              <a:solidFill>
+                <a:schemeClr val="tx1"/>
+              </a:solidFill>
+            </a:ln>
+            <a:effectLst/>
+          </p:spPr>
+          <p:style>
+            <a:lnRef idx="1">
+              <a:schemeClr val="accent4"/>
+            </a:lnRef>
+            <a:fillRef idx="2">
+              <a:schemeClr val="accent4"/>
+            </a:fillRef>
+            <a:effectRef idx="1">
+              <a:schemeClr val="accent4"/>
+            </a:effectRef>
+            <a:fontRef idx="minor">
+              <a:schemeClr val="dk1"/>
+            </a:fontRef>
+          </p:style>
+          <p:txBody>
+            <a:bodyPr rtlCol="0" anchor="ctr"/>
+            <a:lstStyle/>
+            <a:p>
+              <a:pPr algn="ctr"/>
+              <a:endParaRPr lang="en-SG"/>
+            </a:p>
+          </p:txBody>
+        </p:sp>
+        <p:cxnSp>
+          <p:nvCxnSpPr>
+            <p:cNvPr id="9" name="Straight Connector 8">
+              <a:extLst>
+                <a:ext uri="{FF2B5EF4-FFF2-40B4-BE49-F238E27FC236}">
+                  <a16:creationId xmlns:a16="http://schemas.microsoft.com/office/drawing/2014/main" id="{0C480FBF-2EDC-4796-8C4B-35D246D3C7A3}"/>
+                </a:ext>
+              </a:extLst>
+            </p:cNvPr>
+            <p:cNvCxnSpPr/>
+            <p:nvPr/>
+          </p:nvCxnSpPr>
+          <p:spPr>
+            <a:xfrm>
+              <a:off x="3239901" y="4509120"/>
+              <a:ext cx="648072" cy="0"/>
+            </a:xfrm>
+            <a:prstGeom prst="line">
+              <a:avLst/>
+            </a:prstGeom>
+            <a:ln w="28575">
+              <a:solidFill>
+                <a:schemeClr val="tx1"/>
+              </a:solidFill>
+            </a:ln>
+            <a:effectLst/>
+          </p:spPr>
+          <p:style>
+            <a:lnRef idx="1">
+              <a:schemeClr val="accent4"/>
+            </a:lnRef>
+            <a:fillRef idx="2">
+              <a:schemeClr val="accent4"/>
+            </a:fillRef>
+            <a:effectRef idx="1">
+              <a:schemeClr val="accent4"/>
+            </a:effectRef>
+            <a:fontRef idx="minor">
+              <a:schemeClr val="dk1"/>
+            </a:fontRef>
+          </p:style>
+        </p:cxnSp>
+      </p:grpSp>
+      <p:sp>
+        <p:nvSpPr>
+          <p:cNvPr id="10" name="Rectangle 62">
+            <a:extLst>
+              <a:ext uri="{FF2B5EF4-FFF2-40B4-BE49-F238E27FC236}">
+                <a16:creationId xmlns:a16="http://schemas.microsoft.com/office/drawing/2014/main" id="{DCB2A152-4B28-41FF-8DD8-8ABA1C1A4273}"/>
+              </a:ext>
+            </a:extLst>
+          </p:cNvPr>
+          <p:cNvSpPr/>
+          <p:nvPr/>
+        </p:nvSpPr>
+        <p:spPr>
+          <a:xfrm>
+            <a:off x="2655598" y="575141"/>
+            <a:ext cx="1093635" cy="346760"/>
+          </a:xfrm>
+          <a:prstGeom prst="rect">
+            <a:avLst/>
+          </a:prstGeom>
+          <a:solidFill>
+            <a:srgbClr val="0070C0"/>
+          </a:solidFill>
+          <a:ln w="19050">
+            <a:solidFill>
+              <a:srgbClr val="0070C0"/>
+            </a:solidFill>
+          </a:ln>
+          <a:effectLst/>
+        </p:spPr>
+        <p:style>
+          <a:lnRef idx="1">
+            <a:schemeClr val="accent2"/>
+          </a:lnRef>
+          <a:fillRef idx="2">
+            <a:schemeClr val="accent2"/>
+          </a:fillRef>
+          <a:effectRef idx="1">
+            <a:schemeClr val="accent2"/>
+          </a:effectRef>
+          <a:fontRef idx="minor">
+            <a:schemeClr val="dk1"/>
+          </a:fontRef>
+        </p:style>
+        <p:txBody>
+          <a:bodyPr rtlCol="0" anchor="ctr"/>
+          <a:lstStyle/>
+          <a:p>
+            <a:pPr algn="ctr"/>
+            <a:r>
+              <a:rPr lang="en-US" sz="1600" dirty="0">
+                <a:solidFill>
+                  <a:schemeClr val="bg1"/>
+                </a:solidFill>
+              </a:rPr>
+              <a:t>:Logic</a:t>
+            </a:r>
+            <a:endParaRPr lang="en-SG" sz="1600" dirty="0">
+              <a:solidFill>
+                <a:schemeClr val="bg1"/>
+              </a:solidFill>
+            </a:endParaRPr>
+          </a:p>
+        </p:txBody>
+      </p:sp>
+      <p:cxnSp>
+        <p:nvCxnSpPr>
+          <p:cNvPr id="11" name="Straight Connector 10">
+            <a:extLst>
+              <a:ext uri="{FF2B5EF4-FFF2-40B4-BE49-F238E27FC236}">
+                <a16:creationId xmlns:a16="http://schemas.microsoft.com/office/drawing/2014/main" id="{ED74D801-D9AB-48DD-B3A2-BD8864622101}"/>
+              </a:ext>
+            </a:extLst>
+          </p:cNvPr>
+          <p:cNvCxnSpPr>
+            <a:cxnSpLocks/>
+          </p:cNvCxnSpPr>
+          <p:nvPr/>
+        </p:nvCxnSpPr>
+        <p:spPr>
+          <a:xfrm>
+            <a:off x="3192028" y="919126"/>
+            <a:ext cx="15824" cy="5431298"/>
+          </a:xfrm>
+          <a:prstGeom prst="line">
+            <a:avLst/>
+          </a:prstGeom>
+          <a:ln w="19050">
+            <a:solidFill>
+              <a:srgbClr val="0070C0"/>
+            </a:solidFill>
+            <a:prstDash val="sysDash"/>
+          </a:ln>
+          <a:effectLst/>
+        </p:spPr>
+        <p:style>
+          <a:lnRef idx="1">
+            <a:schemeClr val="accent1"/>
+          </a:lnRef>
+          <a:fillRef idx="2">
+            <a:schemeClr val="accent1"/>
+          </a:fillRef>
+          <a:effectRef idx="1">
+            <a:schemeClr val="accent1"/>
+          </a:effectRef>
+          <a:fontRef idx="minor">
+            <a:schemeClr val="dk1"/>
+          </a:fontRef>
+        </p:style>
+      </p:cxnSp>
+      <p:sp>
+        <p:nvSpPr>
+          <p:cNvPr id="12" name="Rectangle 11">
+            <a:extLst>
+              <a:ext uri="{FF2B5EF4-FFF2-40B4-BE49-F238E27FC236}">
+                <a16:creationId xmlns:a16="http://schemas.microsoft.com/office/drawing/2014/main" id="{22D117C8-C1E4-49F9-90DD-600326BE54F5}"/>
+              </a:ext>
+            </a:extLst>
+          </p:cNvPr>
+          <p:cNvSpPr/>
+          <p:nvPr/>
+        </p:nvSpPr>
+        <p:spPr>
+          <a:xfrm flipH="1">
+            <a:off x="3118538" y="1178305"/>
+            <a:ext cx="129584" cy="4003296"/>
+          </a:xfrm>
+          <a:prstGeom prst="rect">
+            <a:avLst/>
+          </a:prstGeom>
+          <a:solidFill>
+            <a:srgbClr val="0070C0"/>
+          </a:solidFill>
+          <a:ln>
+            <a:solidFill>
+              <a:srgbClr val="0070C0"/>
+            </a:solidFill>
+          </a:ln>
+          <a:effectLst/>
+        </p:spPr>
+        <p:style>
+          <a:lnRef idx="1">
+            <a:schemeClr val="accent3"/>
+          </a:lnRef>
+          <a:fillRef idx="2">
+            <a:schemeClr val="accent3"/>
+          </a:fillRef>
+          <a:effectRef idx="1">
+            <a:schemeClr val="accent3"/>
+          </a:effectRef>
+          <a:fontRef idx="minor">
+            <a:schemeClr val="dk1"/>
+          </a:fontRef>
+        </p:style>
+        <p:txBody>
+          <a:bodyPr rtlCol="0" anchor="ctr"/>
+          <a:lstStyle/>
+          <a:p>
+            <a:pPr algn="ctr"/>
+            <a:endParaRPr lang="en-SG" sz="1400">
+              <a:solidFill>
+                <a:schemeClr val="dk1"/>
+              </a:solidFill>
+            </a:endParaRPr>
+          </a:p>
+        </p:txBody>
+      </p:sp>
+      <p:sp>
+        <p:nvSpPr>
+          <p:cNvPr id="13" name="Rectangle 62">
+            <a:extLst>
+              <a:ext uri="{FF2B5EF4-FFF2-40B4-BE49-F238E27FC236}">
+                <a16:creationId xmlns:a16="http://schemas.microsoft.com/office/drawing/2014/main" id="{184CED87-941B-475E-991C-36A0EAB6E050}"/>
+              </a:ext>
+            </a:extLst>
+          </p:cNvPr>
+          <p:cNvSpPr/>
+          <p:nvPr/>
+        </p:nvSpPr>
+        <p:spPr>
+          <a:xfrm>
+            <a:off x="4457771" y="576945"/>
+            <a:ext cx="1093635" cy="346760"/>
+          </a:xfrm>
+          <a:prstGeom prst="rect">
+            <a:avLst/>
+          </a:prstGeom>
+          <a:solidFill>
+            <a:srgbClr val="7030A0"/>
+          </a:solidFill>
+          <a:ln w="19050">
+            <a:solidFill>
+              <a:srgbClr val="7030A0"/>
+            </a:solidFill>
+          </a:ln>
+          <a:effectLst/>
+        </p:spPr>
+        <p:style>
+          <a:lnRef idx="1">
+            <a:schemeClr val="accent2"/>
+          </a:lnRef>
+          <a:fillRef idx="2">
+            <a:schemeClr val="accent2"/>
+          </a:fillRef>
+          <a:effectRef idx="1">
+            <a:schemeClr val="accent2"/>
+          </a:effectRef>
+          <a:fontRef idx="minor">
+            <a:schemeClr val="dk1"/>
+          </a:fontRef>
+        </p:style>
+        <p:txBody>
+          <a:bodyPr rtlCol="0" anchor="ctr"/>
+          <a:lstStyle/>
+          <a:p>
+            <a:pPr algn="ctr"/>
+            <a:r>
+              <a:rPr lang="en-US" sz="1600" dirty="0">
+                <a:solidFill>
+                  <a:schemeClr val="bg1"/>
+                </a:solidFill>
+              </a:rPr>
+              <a:t>:Model</a:t>
+            </a:r>
+            <a:endParaRPr lang="en-SG" sz="1600" dirty="0">
+              <a:solidFill>
+                <a:schemeClr val="bg1"/>
+              </a:solidFill>
+            </a:endParaRPr>
+          </a:p>
+        </p:txBody>
+      </p:sp>
+      <p:cxnSp>
+        <p:nvCxnSpPr>
+          <p:cNvPr id="14" name="Straight Connector 13">
+            <a:extLst>
+              <a:ext uri="{FF2B5EF4-FFF2-40B4-BE49-F238E27FC236}">
+                <a16:creationId xmlns:a16="http://schemas.microsoft.com/office/drawing/2014/main" id="{1EA8D6BA-F463-4FCB-A32E-97D1FD63C12C}"/>
+              </a:ext>
+            </a:extLst>
+          </p:cNvPr>
+          <p:cNvCxnSpPr>
+            <a:cxnSpLocks/>
+          </p:cNvCxnSpPr>
+          <p:nvPr/>
+        </p:nvCxnSpPr>
+        <p:spPr>
+          <a:xfrm>
+            <a:off x="4961812" y="933848"/>
+            <a:ext cx="0" cy="2495152"/>
+          </a:xfrm>
+          <a:prstGeom prst="line">
+            <a:avLst/>
+          </a:prstGeom>
+          <a:ln w="19050">
+            <a:solidFill>
+              <a:srgbClr val="7030A0"/>
+            </a:solidFill>
+            <a:prstDash val="sysDash"/>
+          </a:ln>
+          <a:effectLst/>
+        </p:spPr>
+        <p:style>
+          <a:lnRef idx="1">
+            <a:schemeClr val="accent1"/>
+          </a:lnRef>
+          <a:fillRef idx="2">
+            <a:schemeClr val="accent1"/>
+          </a:fillRef>
+          <a:effectRef idx="1">
+            <a:schemeClr val="accent1"/>
+          </a:effectRef>
+          <a:fontRef idx="minor">
+            <a:schemeClr val="dk1"/>
+          </a:fontRef>
+        </p:style>
+      </p:cxnSp>
+      <p:sp>
+        <p:nvSpPr>
+          <p:cNvPr id="15" name="Rectangle 14">
+            <a:extLst>
+              <a:ext uri="{FF2B5EF4-FFF2-40B4-BE49-F238E27FC236}">
+                <a16:creationId xmlns:a16="http://schemas.microsoft.com/office/drawing/2014/main" id="{9632C47A-4423-476C-86F4-F5AB0D3387A3}"/>
+              </a:ext>
+            </a:extLst>
+          </p:cNvPr>
+          <p:cNvSpPr/>
+          <p:nvPr/>
+        </p:nvSpPr>
+        <p:spPr>
+          <a:xfrm>
+            <a:off x="4890809" y="1469680"/>
+            <a:ext cx="148690" cy="1723049"/>
+          </a:xfrm>
+          <a:prstGeom prst="rect">
+            <a:avLst/>
+          </a:prstGeom>
+          <a:solidFill>
+            <a:srgbClr val="7030A0"/>
+          </a:solidFill>
+          <a:ln>
+            <a:solidFill>
+              <a:srgbClr val="7030A0"/>
+            </a:solidFill>
+          </a:ln>
+          <a:effectLst/>
+        </p:spPr>
+        <p:style>
+          <a:lnRef idx="1">
+            <a:schemeClr val="accent3"/>
+          </a:lnRef>
+          <a:fillRef idx="2">
+            <a:schemeClr val="accent3"/>
+          </a:fillRef>
+          <a:effectRef idx="1">
+            <a:schemeClr val="accent3"/>
+          </a:effectRef>
+          <a:fontRef idx="minor">
+            <a:schemeClr val="dk1"/>
+          </a:fontRef>
+        </p:style>
+        <p:txBody>
+          <a:bodyPr rtlCol="0" anchor="ctr"/>
+          <a:lstStyle/>
+          <a:p>
+            <a:pPr algn="ctr"/>
+            <a:endParaRPr lang="en-SG" sz="1400">
+              <a:solidFill>
+                <a:schemeClr val="dk1"/>
+              </a:solidFill>
+            </a:endParaRPr>
+          </a:p>
+        </p:txBody>
+      </p:sp>
+      <p:cxnSp>
+        <p:nvCxnSpPr>
+          <p:cNvPr id="16" name="Straight Arrow Connector 15">
+            <a:extLst>
+              <a:ext uri="{FF2B5EF4-FFF2-40B4-BE49-F238E27FC236}">
+                <a16:creationId xmlns:a16="http://schemas.microsoft.com/office/drawing/2014/main" id="{DCAAAFE1-80BB-449C-8E8D-0910C6673DFA}"/>
+              </a:ext>
+            </a:extLst>
+          </p:cNvPr>
+          <p:cNvCxnSpPr/>
+          <p:nvPr/>
+        </p:nvCxnSpPr>
+        <p:spPr>
+          <a:xfrm>
+            <a:off x="466818" y="1325979"/>
+            <a:ext cx="1119851" cy="0"/>
+          </a:xfrm>
+          <a:prstGeom prst="straightConnector1">
+            <a:avLst/>
+          </a:prstGeom>
+          <a:ln w="19050">
+            <a:solidFill>
+              <a:schemeClr val="tx1"/>
+            </a:solidFill>
+            <a:tailEnd type="arrow"/>
+          </a:ln>
+        </p:spPr>
+        <p:style>
+          <a:lnRef idx="1">
+            <a:schemeClr val="accent1"/>
+          </a:lnRef>
+          <a:fillRef idx="0">
+            <a:schemeClr val="accent1"/>
+          </a:fillRef>
+          <a:effectRef idx="0">
+            <a:schemeClr val="accent1"/>
+          </a:effectRef>
+          <a:fontRef idx="minor">
+            <a:schemeClr val="tx1"/>
+          </a:fontRef>
+        </p:style>
+      </p:cxnSp>
+      <p:sp>
+        <p:nvSpPr>
+          <p:cNvPr id="17" name="TextBox 16">
+            <a:extLst>
+              <a:ext uri="{FF2B5EF4-FFF2-40B4-BE49-F238E27FC236}">
+                <a16:creationId xmlns:a16="http://schemas.microsoft.com/office/drawing/2014/main" id="{870723C1-1BDF-4B3F-B976-C73D4432F76A}"/>
+              </a:ext>
+            </a:extLst>
+          </p:cNvPr>
+          <p:cNvSpPr txBox="1"/>
+          <p:nvPr/>
+        </p:nvSpPr>
+        <p:spPr>
+          <a:xfrm>
+            <a:off x="466818" y="1345880"/>
+            <a:ext cx="860170" cy="430887"/>
+          </a:xfrm>
+          <a:prstGeom prst="rect">
+            <a:avLst/>
+          </a:prstGeom>
+          <a:noFill/>
+        </p:spPr>
+        <p:txBody>
+          <a:bodyPr wrap="square" lIns="0" tIns="0" rIns="0" bIns="0" rtlCol="0">
+            <a:spAutoFit/>
+          </a:bodyPr>
+          <a:lstStyle/>
+          <a:p>
+            <a:r>
+              <a:rPr lang="en-US" sz="1400" dirty="0" err="1"/>
+              <a:t>addBullet</a:t>
+            </a:r>
+            <a:r>
+              <a:rPr lang="en-US" sz="1400" dirty="0"/>
+              <a:t> 1 …</a:t>
+            </a:r>
+          </a:p>
+        </p:txBody>
+      </p:sp>
+      <p:cxnSp>
+        <p:nvCxnSpPr>
+          <p:cNvPr id="18" name="Straight Arrow Connector 17">
+            <a:extLst>
+              <a:ext uri="{FF2B5EF4-FFF2-40B4-BE49-F238E27FC236}">
+                <a16:creationId xmlns:a16="http://schemas.microsoft.com/office/drawing/2014/main" id="{CCF5B093-B2B8-41AF-897E-B9023EE3A267}"/>
+              </a:ext>
+            </a:extLst>
+          </p:cNvPr>
+          <p:cNvCxnSpPr>
+            <a:cxnSpLocks/>
+          </p:cNvCxnSpPr>
+          <p:nvPr/>
+        </p:nvCxnSpPr>
+        <p:spPr>
+          <a:xfrm>
+            <a:off x="1739069" y="1433478"/>
+            <a:ext cx="1425474" cy="0"/>
+          </a:xfrm>
+          <a:prstGeom prst="straightConnector1">
+            <a:avLst/>
+          </a:prstGeom>
+          <a:ln w="19050">
+            <a:solidFill>
+              <a:srgbClr val="00B050"/>
+            </a:solidFill>
+            <a:tailEnd type="arrow"/>
+          </a:ln>
+        </p:spPr>
+        <p:style>
+          <a:lnRef idx="1">
+            <a:schemeClr val="accent1"/>
+          </a:lnRef>
+          <a:fillRef idx="0">
+            <a:schemeClr val="accent1"/>
+          </a:fillRef>
+          <a:effectRef idx="0">
+            <a:schemeClr val="accent1"/>
+          </a:effectRef>
+          <a:fontRef idx="minor">
+            <a:schemeClr val="tx1"/>
+          </a:fontRef>
+        </p:style>
+      </p:cxnSp>
+      <p:sp>
+        <p:nvSpPr>
+          <p:cNvPr id="19" name="TextBox 18">
+            <a:extLst>
+              <a:ext uri="{FF2B5EF4-FFF2-40B4-BE49-F238E27FC236}">
+                <a16:creationId xmlns:a16="http://schemas.microsoft.com/office/drawing/2014/main" id="{7031882D-8387-4738-A9DD-F1AC69D66177}"/>
+              </a:ext>
+            </a:extLst>
+          </p:cNvPr>
+          <p:cNvSpPr txBox="1"/>
+          <p:nvPr/>
+        </p:nvSpPr>
+        <p:spPr>
+          <a:xfrm>
+            <a:off x="1770123" y="1418852"/>
+            <a:ext cx="1424846" cy="430887"/>
+          </a:xfrm>
+          <a:prstGeom prst="rect">
+            <a:avLst/>
+          </a:prstGeom>
+          <a:noFill/>
+        </p:spPr>
+        <p:txBody>
+          <a:bodyPr wrap="square" lIns="0" tIns="0" rIns="0" bIns="0" rtlCol="0">
+            <a:spAutoFit/>
+          </a:bodyPr>
+          <a:lstStyle/>
+          <a:p>
+            <a:r>
+              <a:rPr lang="en-US" sz="1400" dirty="0">
+                <a:solidFill>
+                  <a:srgbClr val="0070C0"/>
+                </a:solidFill>
+              </a:rPr>
+              <a:t>execute(“</a:t>
+            </a:r>
+            <a:r>
+              <a:rPr lang="en-US" sz="1400" dirty="0" err="1">
+                <a:solidFill>
+                  <a:srgbClr val="0070C0"/>
+                </a:solidFill>
+              </a:rPr>
+              <a:t>addBullet</a:t>
+            </a:r>
+            <a:r>
+              <a:rPr lang="en-US" sz="1400" dirty="0">
+                <a:solidFill>
+                  <a:srgbClr val="0070C0"/>
+                </a:solidFill>
+              </a:rPr>
+              <a:t> 1 …”)</a:t>
+            </a:r>
+          </a:p>
+        </p:txBody>
+      </p:sp>
+      <p:cxnSp>
+        <p:nvCxnSpPr>
+          <p:cNvPr id="20" name="Straight Arrow Connector 19">
+            <a:extLst>
+              <a:ext uri="{FF2B5EF4-FFF2-40B4-BE49-F238E27FC236}">
+                <a16:creationId xmlns:a16="http://schemas.microsoft.com/office/drawing/2014/main" id="{55528E2F-5EFE-4A79-86DF-D4D4717B2E8F}"/>
+              </a:ext>
+            </a:extLst>
+          </p:cNvPr>
+          <p:cNvCxnSpPr>
+            <a:cxnSpLocks/>
+          </p:cNvCxnSpPr>
+          <p:nvPr/>
+        </p:nvCxnSpPr>
+        <p:spPr>
+          <a:xfrm>
+            <a:off x="3215797" y="1468207"/>
+            <a:ext cx="1657203" cy="1474"/>
+          </a:xfrm>
+          <a:prstGeom prst="straightConnector1">
+            <a:avLst/>
+          </a:prstGeom>
+          <a:ln w="19050">
+            <a:solidFill>
+              <a:srgbClr val="0070C0"/>
+            </a:solidFill>
+            <a:tailEnd type="arrow"/>
+          </a:ln>
+        </p:spPr>
+        <p:style>
+          <a:lnRef idx="1">
+            <a:schemeClr val="accent1"/>
+          </a:lnRef>
+          <a:fillRef idx="0">
+            <a:schemeClr val="accent1"/>
+          </a:fillRef>
+          <a:effectRef idx="0">
+            <a:schemeClr val="accent1"/>
+          </a:effectRef>
+          <a:fontRef idx="minor">
+            <a:schemeClr val="tx1"/>
+          </a:fontRef>
+        </p:style>
+      </p:cxnSp>
+      <p:sp>
+        <p:nvSpPr>
+          <p:cNvPr id="21" name="TextBox 20">
+            <a:extLst>
+              <a:ext uri="{FF2B5EF4-FFF2-40B4-BE49-F238E27FC236}">
+                <a16:creationId xmlns:a16="http://schemas.microsoft.com/office/drawing/2014/main" id="{FD172A36-15C0-4032-A627-946B5DCFC3BC}"/>
+              </a:ext>
+            </a:extLst>
+          </p:cNvPr>
+          <p:cNvSpPr txBox="1"/>
+          <p:nvPr/>
+        </p:nvSpPr>
+        <p:spPr>
+          <a:xfrm>
+            <a:off x="3437837" y="1515075"/>
+            <a:ext cx="1424846" cy="430887"/>
+          </a:xfrm>
+          <a:prstGeom prst="rect">
+            <a:avLst/>
+          </a:prstGeom>
+          <a:noFill/>
+        </p:spPr>
+        <p:txBody>
+          <a:bodyPr wrap="square" lIns="0" tIns="0" rIns="0" bIns="0" rtlCol="0">
+            <a:spAutoFit/>
+          </a:bodyPr>
+          <a:lstStyle/>
+          <a:p>
+            <a:r>
+              <a:rPr lang="en-US" sz="1400" dirty="0" err="1">
+                <a:solidFill>
+                  <a:srgbClr val="7030A0"/>
+                </a:solidFill>
+              </a:rPr>
+              <a:t>getEntryWithAddedBullet</a:t>
+            </a:r>
+            <a:r>
+              <a:rPr lang="en-US" sz="1400" dirty="0">
+                <a:solidFill>
+                  <a:srgbClr val="7030A0"/>
+                </a:solidFill>
+              </a:rPr>
+              <a:t>(b)</a:t>
+            </a:r>
+          </a:p>
+        </p:txBody>
+      </p:sp>
+      <p:sp>
+        <p:nvSpPr>
+          <p:cNvPr id="22" name="TextBox 21">
+            <a:extLst>
+              <a:ext uri="{FF2B5EF4-FFF2-40B4-BE49-F238E27FC236}">
+                <a16:creationId xmlns:a16="http://schemas.microsoft.com/office/drawing/2014/main" id="{B122D414-C78D-46AD-8FC4-CCAFE1BEE77F}"/>
+              </a:ext>
+            </a:extLst>
+          </p:cNvPr>
+          <p:cNvSpPr txBox="1"/>
+          <p:nvPr/>
+        </p:nvSpPr>
+        <p:spPr>
+          <a:xfrm>
+            <a:off x="5064301" y="1593155"/>
+            <a:ext cx="2438400" cy="215444"/>
+          </a:xfrm>
+          <a:prstGeom prst="rect">
+            <a:avLst/>
+          </a:prstGeom>
+          <a:noFill/>
+        </p:spPr>
+        <p:txBody>
+          <a:bodyPr wrap="square" lIns="0" tIns="0" rIns="0" bIns="0" rtlCol="0">
+            <a:spAutoFit/>
+          </a:bodyPr>
+          <a:lstStyle/>
+          <a:p>
+            <a:r>
+              <a:rPr lang="en-US" sz="1400" dirty="0">
+                <a:solidFill>
+                  <a:schemeClr val="accent5">
+                    <a:lumMod val="75000"/>
+                  </a:schemeClr>
+                </a:solidFill>
+              </a:rPr>
+              <a:t>post(</a:t>
+            </a:r>
+            <a:r>
+              <a:rPr lang="en-US" sz="1400" dirty="0" err="1">
+                <a:solidFill>
+                  <a:schemeClr val="accent5">
+                    <a:lumMod val="75000"/>
+                  </a:schemeClr>
+                </a:solidFill>
+              </a:rPr>
+              <a:t>EntryBookChangedEvent</a:t>
+            </a:r>
+            <a:r>
+              <a:rPr lang="en-US" sz="1400" dirty="0">
+                <a:solidFill>
+                  <a:schemeClr val="accent5">
+                    <a:lumMod val="75000"/>
+                  </a:schemeClr>
+                </a:solidFill>
+              </a:rPr>
+              <a:t>)</a:t>
+            </a:r>
+          </a:p>
+        </p:txBody>
+      </p:sp>
+      <p:cxnSp>
+        <p:nvCxnSpPr>
+          <p:cNvPr id="23" name="Straight Arrow Connector 22">
+            <a:extLst>
+              <a:ext uri="{FF2B5EF4-FFF2-40B4-BE49-F238E27FC236}">
+                <a16:creationId xmlns:a16="http://schemas.microsoft.com/office/drawing/2014/main" id="{E12BA5A6-80CB-4007-B6EC-8FB70A81DF83}"/>
+              </a:ext>
+            </a:extLst>
+          </p:cNvPr>
+          <p:cNvCxnSpPr>
+            <a:cxnSpLocks/>
+          </p:cNvCxnSpPr>
+          <p:nvPr/>
+        </p:nvCxnSpPr>
+        <p:spPr>
+          <a:xfrm>
+            <a:off x="3251207" y="2137989"/>
+            <a:ext cx="1710605" cy="0"/>
+          </a:xfrm>
+          <a:prstGeom prst="straightConnector1">
+            <a:avLst/>
+          </a:prstGeom>
+          <a:ln w="19050">
+            <a:solidFill>
+              <a:srgbClr val="7030A0"/>
+            </a:solidFill>
+            <a:prstDash val="sysDash"/>
+            <a:headEnd type="arrow" w="med" len="med"/>
+            <a:tailEnd type="none" w="med" len="med"/>
+          </a:ln>
+        </p:spPr>
+        <p:style>
+          <a:lnRef idx="1">
+            <a:schemeClr val="accent1"/>
+          </a:lnRef>
+          <a:fillRef idx="0">
+            <a:schemeClr val="accent1"/>
+          </a:fillRef>
+          <a:effectRef idx="0">
+            <a:schemeClr val="accent1"/>
+          </a:effectRef>
+          <a:fontRef idx="minor">
+            <a:schemeClr val="tx1"/>
+          </a:fontRef>
+        </p:style>
+      </p:cxnSp>
+      <p:cxnSp>
+        <p:nvCxnSpPr>
+          <p:cNvPr id="24" name="Straight Arrow Connector 23">
+            <a:extLst>
+              <a:ext uri="{FF2B5EF4-FFF2-40B4-BE49-F238E27FC236}">
+                <a16:creationId xmlns:a16="http://schemas.microsoft.com/office/drawing/2014/main" id="{87D9104B-2370-40C6-9C17-5237725E51E4}"/>
+              </a:ext>
+            </a:extLst>
+          </p:cNvPr>
+          <p:cNvCxnSpPr>
+            <a:cxnSpLocks/>
+          </p:cNvCxnSpPr>
+          <p:nvPr/>
+        </p:nvCxnSpPr>
+        <p:spPr>
+          <a:xfrm flipV="1">
+            <a:off x="1792507" y="5174528"/>
+            <a:ext cx="1279704" cy="7073"/>
+          </a:xfrm>
+          <a:prstGeom prst="straightConnector1">
+            <a:avLst/>
+          </a:prstGeom>
+          <a:ln w="19050">
+            <a:solidFill>
+              <a:srgbClr val="0070C0"/>
+            </a:solidFill>
+            <a:prstDash val="sysDash"/>
+            <a:headEnd type="arrow" w="med" len="med"/>
+            <a:tailEnd type="none" w="med" len="med"/>
+          </a:ln>
+        </p:spPr>
+        <p:style>
+          <a:lnRef idx="1">
+            <a:schemeClr val="accent1"/>
+          </a:lnRef>
+          <a:fillRef idx="0">
+            <a:schemeClr val="accent1"/>
+          </a:fillRef>
+          <a:effectRef idx="0">
+            <a:schemeClr val="accent1"/>
+          </a:effectRef>
+          <a:fontRef idx="minor">
+            <a:schemeClr val="tx1"/>
+          </a:fontRef>
+        </p:style>
+      </p:cxnSp>
+      <p:cxnSp>
+        <p:nvCxnSpPr>
+          <p:cNvPr id="25" name="Straight Arrow Connector 24">
+            <a:extLst>
+              <a:ext uri="{FF2B5EF4-FFF2-40B4-BE49-F238E27FC236}">
+                <a16:creationId xmlns:a16="http://schemas.microsoft.com/office/drawing/2014/main" id="{7857801B-BDB8-4C02-A871-F11F9E914405}"/>
+              </a:ext>
+            </a:extLst>
+          </p:cNvPr>
+          <p:cNvCxnSpPr/>
+          <p:nvPr/>
+        </p:nvCxnSpPr>
+        <p:spPr>
+          <a:xfrm>
+            <a:off x="390618" y="2342202"/>
+            <a:ext cx="1196051" cy="0"/>
+          </a:xfrm>
+          <a:prstGeom prst="straightConnector1">
+            <a:avLst/>
+          </a:prstGeom>
+          <a:ln w="19050">
+            <a:solidFill>
+              <a:srgbClr val="00B050"/>
+            </a:solidFill>
+            <a:prstDash val="sysDash"/>
+            <a:headEnd type="arrow" w="med" len="med"/>
+            <a:tailEnd type="none" w="med" len="med"/>
+          </a:ln>
+        </p:spPr>
+        <p:style>
+          <a:lnRef idx="1">
+            <a:schemeClr val="accent1"/>
+          </a:lnRef>
+          <a:fillRef idx="0">
+            <a:schemeClr val="accent1"/>
+          </a:fillRef>
+          <a:effectRef idx="0">
+            <a:schemeClr val="accent1"/>
+          </a:effectRef>
+          <a:fontRef idx="minor">
+            <a:schemeClr val="tx1"/>
+          </a:fontRef>
+        </p:style>
+      </p:cxnSp>
+      <p:cxnSp>
+        <p:nvCxnSpPr>
+          <p:cNvPr id="26" name="Straight Connector 25">
+            <a:extLst>
+              <a:ext uri="{FF2B5EF4-FFF2-40B4-BE49-F238E27FC236}">
+                <a16:creationId xmlns:a16="http://schemas.microsoft.com/office/drawing/2014/main" id="{C5A010B2-F742-4FCE-B9CE-660BAE1DF473}"/>
+              </a:ext>
+            </a:extLst>
+          </p:cNvPr>
+          <p:cNvCxnSpPr>
+            <a:cxnSpLocks/>
+          </p:cNvCxnSpPr>
+          <p:nvPr/>
+        </p:nvCxnSpPr>
+        <p:spPr>
+          <a:xfrm flipH="1">
+            <a:off x="7318249" y="659960"/>
+            <a:ext cx="11282" cy="5690464"/>
+          </a:xfrm>
+          <a:prstGeom prst="line">
+            <a:avLst/>
+          </a:prstGeom>
+          <a:ln w="19050">
+            <a:solidFill>
+              <a:schemeClr val="accent5">
+                <a:lumMod val="75000"/>
+              </a:schemeClr>
+            </a:solidFill>
+            <a:prstDash val="sysDash"/>
+          </a:ln>
+          <a:effectLst/>
+        </p:spPr>
+        <p:style>
+          <a:lnRef idx="1">
+            <a:schemeClr val="accent1"/>
+          </a:lnRef>
+          <a:fillRef idx="2">
+            <a:schemeClr val="accent1"/>
+          </a:fillRef>
+          <a:effectRef idx="1">
+            <a:schemeClr val="accent1"/>
+          </a:effectRef>
+          <a:fontRef idx="minor">
+            <a:schemeClr val="dk1"/>
+          </a:fontRef>
+        </p:style>
+      </p:cxnSp>
+      <p:sp>
+        <p:nvSpPr>
+          <p:cNvPr id="27" name="Rectangle 26">
+            <a:extLst>
+              <a:ext uri="{FF2B5EF4-FFF2-40B4-BE49-F238E27FC236}">
+                <a16:creationId xmlns:a16="http://schemas.microsoft.com/office/drawing/2014/main" id="{A9C167F8-1EAA-465F-80C7-BAB2EFFD1F82}"/>
+              </a:ext>
+            </a:extLst>
+          </p:cNvPr>
+          <p:cNvSpPr/>
+          <p:nvPr/>
+        </p:nvSpPr>
+        <p:spPr>
+          <a:xfrm>
+            <a:off x="7254104" y="1424576"/>
+            <a:ext cx="163683" cy="1723049"/>
+          </a:xfrm>
+          <a:prstGeom prst="rect">
+            <a:avLst/>
+          </a:prstGeom>
+          <a:solidFill>
+            <a:schemeClr val="accent5">
+              <a:lumMod val="75000"/>
+            </a:schemeClr>
+          </a:solidFill>
+          <a:ln>
+            <a:solidFill>
+              <a:schemeClr val="accent5">
+                <a:lumMod val="75000"/>
+              </a:schemeClr>
+            </a:solidFill>
+          </a:ln>
+          <a:effectLst/>
+        </p:spPr>
+        <p:style>
+          <a:lnRef idx="1">
+            <a:schemeClr val="accent3"/>
+          </a:lnRef>
+          <a:fillRef idx="2">
+            <a:schemeClr val="accent3"/>
+          </a:fillRef>
+          <a:effectRef idx="1">
+            <a:schemeClr val="accent3"/>
+          </a:effectRef>
+          <a:fontRef idx="minor">
+            <a:schemeClr val="dk1"/>
+          </a:fontRef>
+        </p:style>
+        <p:txBody>
+          <a:bodyPr rtlCol="0" anchor="ctr"/>
+          <a:lstStyle/>
+          <a:p>
+            <a:pPr algn="ctr"/>
+            <a:endParaRPr lang="en-SG" sz="1400">
+              <a:solidFill>
+                <a:schemeClr val="dk1"/>
+              </a:solidFill>
+            </a:endParaRPr>
+          </a:p>
+        </p:txBody>
+      </p:sp>
+      <p:cxnSp>
+        <p:nvCxnSpPr>
+          <p:cNvPr id="28" name="Straight Arrow Connector 27">
+            <a:extLst>
+              <a:ext uri="{FF2B5EF4-FFF2-40B4-BE49-F238E27FC236}">
+                <a16:creationId xmlns:a16="http://schemas.microsoft.com/office/drawing/2014/main" id="{86311882-D226-48BE-8AB9-CA29B97E477E}"/>
+              </a:ext>
+            </a:extLst>
+          </p:cNvPr>
+          <p:cNvCxnSpPr>
+            <a:cxnSpLocks/>
+          </p:cNvCxnSpPr>
+          <p:nvPr/>
+        </p:nvCxnSpPr>
+        <p:spPr>
+          <a:xfrm>
+            <a:off x="5033154" y="2590800"/>
+            <a:ext cx="2220950" cy="0"/>
+          </a:xfrm>
+          <a:prstGeom prst="straightConnector1">
+            <a:avLst/>
+          </a:prstGeom>
+          <a:ln w="19050">
+            <a:solidFill>
+              <a:srgbClr val="7030A0"/>
+            </a:solidFill>
+            <a:tailEnd type="arrow"/>
+          </a:ln>
+        </p:spPr>
+        <p:style>
+          <a:lnRef idx="1">
+            <a:schemeClr val="accent1"/>
+          </a:lnRef>
+          <a:fillRef idx="0">
+            <a:schemeClr val="accent1"/>
+          </a:fillRef>
+          <a:effectRef idx="0">
+            <a:schemeClr val="accent1"/>
+          </a:effectRef>
+          <a:fontRef idx="minor">
+            <a:schemeClr val="tx1"/>
+          </a:fontRef>
+        </p:style>
+      </p:cxnSp>
+      <p:cxnSp>
+        <p:nvCxnSpPr>
+          <p:cNvPr id="29" name="Straight Arrow Connector 28">
+            <a:extLst>
+              <a:ext uri="{FF2B5EF4-FFF2-40B4-BE49-F238E27FC236}">
+                <a16:creationId xmlns:a16="http://schemas.microsoft.com/office/drawing/2014/main" id="{373DED49-B9C1-4807-A9DF-0E453576EF6C}"/>
+              </a:ext>
+            </a:extLst>
+          </p:cNvPr>
+          <p:cNvCxnSpPr>
+            <a:cxnSpLocks/>
+            <a:endCxn id="27" idx="2"/>
+          </p:cNvCxnSpPr>
+          <p:nvPr/>
+        </p:nvCxnSpPr>
+        <p:spPr>
+          <a:xfrm>
+            <a:off x="5064301" y="3125330"/>
+            <a:ext cx="2271645" cy="22295"/>
+          </a:xfrm>
+          <a:prstGeom prst="straightConnector1">
+            <a:avLst/>
+          </a:prstGeom>
+          <a:ln w="19050">
+            <a:solidFill>
+              <a:schemeClr val="accent5">
+                <a:lumMod val="75000"/>
+              </a:schemeClr>
+            </a:solidFill>
+            <a:prstDash val="sysDash"/>
+            <a:headEnd type="arrow" w="med" len="med"/>
+            <a:tailEnd type="none" w="med" len="med"/>
+          </a:ln>
+        </p:spPr>
+        <p:style>
+          <a:lnRef idx="1">
+            <a:schemeClr val="accent1"/>
+          </a:lnRef>
+          <a:fillRef idx="0">
+            <a:schemeClr val="accent1"/>
+          </a:fillRef>
+          <a:effectRef idx="0">
+            <a:schemeClr val="accent1"/>
+          </a:effectRef>
+          <a:fontRef idx="minor">
+            <a:schemeClr val="tx1"/>
+          </a:fontRef>
+        </p:style>
+      </p:cxnSp>
+      <p:cxnSp>
+        <p:nvCxnSpPr>
+          <p:cNvPr id="30" name="Straight Connector 29">
+            <a:extLst>
+              <a:ext uri="{FF2B5EF4-FFF2-40B4-BE49-F238E27FC236}">
+                <a16:creationId xmlns:a16="http://schemas.microsoft.com/office/drawing/2014/main" id="{CCA2A092-9189-4624-9E0D-D3777A638345}"/>
+              </a:ext>
+            </a:extLst>
+          </p:cNvPr>
+          <p:cNvCxnSpPr/>
+          <p:nvPr/>
+        </p:nvCxnSpPr>
+        <p:spPr>
+          <a:xfrm flipH="1">
+            <a:off x="314394" y="1099672"/>
+            <a:ext cx="24" cy="1598671"/>
+          </a:xfrm>
+          <a:prstGeom prst="line">
+            <a:avLst/>
+          </a:prstGeom>
+          <a:ln w="19050">
+            <a:solidFill>
+              <a:schemeClr val="tx1"/>
+            </a:solidFill>
+            <a:prstDash val="sysDash"/>
+          </a:ln>
+          <a:effectLst/>
+        </p:spPr>
+        <p:style>
+          <a:lnRef idx="1">
+            <a:schemeClr val="accent1"/>
+          </a:lnRef>
+          <a:fillRef idx="2">
+            <a:schemeClr val="accent1"/>
+          </a:fillRef>
+          <a:effectRef idx="1">
+            <a:schemeClr val="accent1"/>
+          </a:effectRef>
+          <a:fontRef idx="minor">
+            <a:schemeClr val="dk1"/>
+          </a:fontRef>
+        </p:style>
+      </p:cxnSp>
+      <p:sp>
+        <p:nvSpPr>
+          <p:cNvPr id="33" name="Rectangle 62">
+            <a:extLst>
+              <a:ext uri="{FF2B5EF4-FFF2-40B4-BE49-F238E27FC236}">
+                <a16:creationId xmlns:a16="http://schemas.microsoft.com/office/drawing/2014/main" id="{2EBE1538-56B6-4EAD-B4C8-367ABEDE5DE1}"/>
+              </a:ext>
+            </a:extLst>
+          </p:cNvPr>
+          <p:cNvSpPr/>
+          <p:nvPr/>
+        </p:nvSpPr>
+        <p:spPr>
+          <a:xfrm>
+            <a:off x="6653898" y="603429"/>
+            <a:ext cx="1371600" cy="346760"/>
+          </a:xfrm>
+          <a:prstGeom prst="rect">
+            <a:avLst/>
+          </a:prstGeom>
+          <a:solidFill>
+            <a:schemeClr val="accent5">
+              <a:lumMod val="75000"/>
+            </a:schemeClr>
+          </a:solidFill>
+          <a:ln w="19050">
+            <a:solidFill>
+              <a:schemeClr val="accent5">
+                <a:lumMod val="75000"/>
+              </a:schemeClr>
+            </a:solidFill>
+          </a:ln>
+          <a:effectLst/>
+        </p:spPr>
+        <p:style>
+          <a:lnRef idx="1">
+            <a:schemeClr val="accent2"/>
+          </a:lnRef>
+          <a:fillRef idx="2">
+            <a:schemeClr val="accent2"/>
+          </a:fillRef>
+          <a:effectRef idx="1">
+            <a:schemeClr val="accent2"/>
+          </a:effectRef>
+          <a:fontRef idx="minor">
+            <a:schemeClr val="dk1"/>
+          </a:fontRef>
+        </p:style>
+        <p:txBody>
+          <a:bodyPr rtlCol="0" anchor="ctr"/>
+          <a:lstStyle/>
+          <a:p>
+            <a:pPr algn="ctr"/>
+            <a:r>
+              <a:rPr lang="en-US" sz="1600" dirty="0">
+                <a:solidFill>
+                  <a:schemeClr val="bg1"/>
+                </a:solidFill>
+              </a:rPr>
+              <a:t>:</a:t>
+            </a:r>
+            <a:r>
+              <a:rPr lang="en-US" sz="1600" dirty="0" err="1">
+                <a:solidFill>
+                  <a:schemeClr val="bg1"/>
+                </a:solidFill>
+              </a:rPr>
+              <a:t>EventsCenter</a:t>
+            </a:r>
+            <a:endParaRPr lang="en-SG" sz="1600" dirty="0">
+              <a:solidFill>
+                <a:schemeClr val="bg1"/>
+              </a:solidFill>
+            </a:endParaRPr>
+          </a:p>
+        </p:txBody>
+      </p:sp>
+      <p:sp>
+        <p:nvSpPr>
+          <p:cNvPr id="34" name="TextBox 33">
+            <a:extLst>
+              <a:ext uri="{FF2B5EF4-FFF2-40B4-BE49-F238E27FC236}">
+                <a16:creationId xmlns:a16="http://schemas.microsoft.com/office/drawing/2014/main" id="{8BC962F6-BAC6-4ED6-BD7D-0B17CDD3075F}"/>
+              </a:ext>
+            </a:extLst>
+          </p:cNvPr>
+          <p:cNvSpPr txBox="1"/>
+          <p:nvPr/>
+        </p:nvSpPr>
+        <p:spPr>
+          <a:xfrm>
+            <a:off x="3925416" y="3689230"/>
+            <a:ext cx="2610742" cy="215444"/>
+          </a:xfrm>
+          <a:prstGeom prst="rect">
+            <a:avLst/>
+          </a:prstGeom>
+          <a:noFill/>
+        </p:spPr>
+        <p:txBody>
+          <a:bodyPr wrap="square" lIns="0" tIns="0" rIns="0" bIns="0" rtlCol="0">
+            <a:spAutoFit/>
+          </a:bodyPr>
+          <a:lstStyle/>
+          <a:p>
+            <a:r>
+              <a:rPr lang="en-US" sz="1400" dirty="0">
+                <a:solidFill>
+                  <a:schemeClr val="accent5">
+                    <a:lumMod val="75000"/>
+                  </a:schemeClr>
+                </a:solidFill>
+              </a:rPr>
+              <a:t>Post(</a:t>
+            </a:r>
+            <a:r>
+              <a:rPr lang="en-US" sz="1400" dirty="0" err="1">
+                <a:solidFill>
+                  <a:schemeClr val="accent5">
+                    <a:lumMod val="75000"/>
+                  </a:schemeClr>
+                </a:solidFill>
+              </a:rPr>
+              <a:t>JumpToEntryListRequestEvent</a:t>
+            </a:r>
+            <a:r>
+              <a:rPr lang="en-US" sz="1400" dirty="0">
+                <a:solidFill>
+                  <a:srgbClr val="7030A0"/>
+                </a:solidFill>
+              </a:rPr>
+              <a:t>)</a:t>
+            </a:r>
+          </a:p>
+        </p:txBody>
+      </p:sp>
+      <p:sp>
+        <p:nvSpPr>
+          <p:cNvPr id="35" name="TextBox 34">
+            <a:extLst>
+              <a:ext uri="{FF2B5EF4-FFF2-40B4-BE49-F238E27FC236}">
+                <a16:creationId xmlns:a16="http://schemas.microsoft.com/office/drawing/2014/main" id="{1F1AB2AD-A485-484E-ABAF-830A89DD157A}"/>
+              </a:ext>
+            </a:extLst>
+          </p:cNvPr>
+          <p:cNvSpPr txBox="1"/>
+          <p:nvPr/>
+        </p:nvSpPr>
+        <p:spPr>
+          <a:xfrm>
+            <a:off x="3895365" y="4518682"/>
+            <a:ext cx="2578251" cy="215444"/>
+          </a:xfrm>
+          <a:prstGeom prst="rect">
+            <a:avLst/>
+          </a:prstGeom>
+          <a:noFill/>
+        </p:spPr>
+        <p:txBody>
+          <a:bodyPr wrap="square" lIns="0" tIns="0" rIns="0" bIns="0" rtlCol="0">
+            <a:spAutoFit/>
+          </a:bodyPr>
+          <a:lstStyle/>
+          <a:p>
+            <a:r>
+              <a:rPr lang="en-US" sz="1400" dirty="0">
+                <a:solidFill>
+                  <a:schemeClr val="accent5">
+                    <a:lumMod val="75000"/>
+                  </a:schemeClr>
+                </a:solidFill>
+              </a:rPr>
+              <a:t>Post(</a:t>
+            </a:r>
+            <a:r>
+              <a:rPr lang="en-US" sz="1400" dirty="0" err="1">
+                <a:solidFill>
+                  <a:schemeClr val="accent5">
+                    <a:lumMod val="75000"/>
+                  </a:schemeClr>
+                </a:solidFill>
+              </a:rPr>
+              <a:t>UpdateExpandedEntryEvent</a:t>
+            </a:r>
+            <a:r>
+              <a:rPr lang="en-US" sz="1400" dirty="0">
+                <a:solidFill>
+                  <a:schemeClr val="accent5">
+                    <a:lumMod val="75000"/>
+                  </a:schemeClr>
+                </a:solidFill>
+              </a:rPr>
+              <a:t>)</a:t>
+            </a:r>
+          </a:p>
+        </p:txBody>
+      </p:sp>
+      <p:sp>
+        <p:nvSpPr>
+          <p:cNvPr id="37" name="TextBox 36">
+            <a:extLst>
+              <a:ext uri="{FF2B5EF4-FFF2-40B4-BE49-F238E27FC236}">
+                <a16:creationId xmlns:a16="http://schemas.microsoft.com/office/drawing/2014/main" id="{7AA07732-4FA3-4C6F-B41E-40178A129F66}"/>
+              </a:ext>
+            </a:extLst>
+          </p:cNvPr>
+          <p:cNvSpPr txBox="1"/>
+          <p:nvPr/>
+        </p:nvSpPr>
+        <p:spPr>
+          <a:xfrm>
+            <a:off x="1727825" y="5307994"/>
+            <a:ext cx="1591667" cy="646331"/>
+          </a:xfrm>
+          <a:prstGeom prst="rect">
+            <a:avLst/>
+          </a:prstGeom>
+          <a:noFill/>
+        </p:spPr>
+        <p:txBody>
+          <a:bodyPr wrap="square" lIns="0" tIns="0" rIns="0" bIns="0" rtlCol="0">
+            <a:spAutoFit/>
+          </a:bodyPr>
+          <a:lstStyle/>
+          <a:p>
+            <a:r>
+              <a:rPr lang="en-US" sz="1400" dirty="0" err="1">
+                <a:solidFill>
+                  <a:srgbClr val="0070C0"/>
+                </a:solidFill>
+              </a:rPr>
+              <a:t>CommandResult</a:t>
+            </a:r>
+            <a:r>
+              <a:rPr lang="en-US" sz="1400" dirty="0">
+                <a:solidFill>
+                  <a:srgbClr val="0070C0"/>
+                </a:solidFill>
+              </a:rPr>
+              <a:t> or </a:t>
+            </a:r>
+            <a:r>
+              <a:rPr lang="en-US" sz="1400" dirty="0" err="1">
+                <a:solidFill>
+                  <a:srgbClr val="0070C0"/>
+                </a:solidFill>
+              </a:rPr>
+              <a:t>ParseException</a:t>
+            </a:r>
+            <a:r>
+              <a:rPr lang="en-US" sz="1400" dirty="0">
+                <a:solidFill>
+                  <a:srgbClr val="0070C0"/>
+                </a:solidFill>
+              </a:rPr>
+              <a:t> or</a:t>
+            </a:r>
+            <a:r>
+              <a:rPr lang="en-US" sz="1400" dirty="0">
+                <a:solidFill>
+                  <a:srgbClr val="7030A0"/>
+                </a:solidFill>
+              </a:rPr>
+              <a:t> </a:t>
+            </a:r>
+            <a:r>
+              <a:rPr lang="en-US" sz="1400" dirty="0" err="1">
+                <a:solidFill>
+                  <a:srgbClr val="0070C0"/>
+                </a:solidFill>
+              </a:rPr>
+              <a:t>CommandException</a:t>
+            </a:r>
+            <a:endParaRPr lang="en-US" sz="1400" dirty="0">
+              <a:solidFill>
+                <a:srgbClr val="0070C0"/>
+              </a:solidFill>
+            </a:endParaRPr>
+          </a:p>
+        </p:txBody>
+      </p:sp>
+      <p:cxnSp>
+        <p:nvCxnSpPr>
+          <p:cNvPr id="46" name="Straight Arrow Connector 45">
+            <a:extLst>
+              <a:ext uri="{FF2B5EF4-FFF2-40B4-BE49-F238E27FC236}">
+                <a16:creationId xmlns:a16="http://schemas.microsoft.com/office/drawing/2014/main" id="{8C142B60-55DE-4734-89AC-AB10AF2B7612}"/>
+              </a:ext>
+            </a:extLst>
+          </p:cNvPr>
+          <p:cNvCxnSpPr>
+            <a:cxnSpLocks/>
+          </p:cNvCxnSpPr>
+          <p:nvPr/>
+        </p:nvCxnSpPr>
+        <p:spPr>
+          <a:xfrm>
+            <a:off x="3258013" y="2376300"/>
+            <a:ext cx="1657203" cy="1474"/>
+          </a:xfrm>
+          <a:prstGeom prst="straightConnector1">
+            <a:avLst/>
+          </a:prstGeom>
+          <a:ln w="19050">
+            <a:solidFill>
+              <a:srgbClr val="0070C0"/>
+            </a:solidFill>
+            <a:tailEnd type="arrow"/>
+          </a:ln>
+        </p:spPr>
+        <p:style>
+          <a:lnRef idx="1">
+            <a:schemeClr val="accent1"/>
+          </a:lnRef>
+          <a:fillRef idx="0">
+            <a:schemeClr val="accent1"/>
+          </a:fillRef>
+          <a:effectRef idx="0">
+            <a:schemeClr val="accent1"/>
+          </a:effectRef>
+          <a:fontRef idx="minor">
+            <a:schemeClr val="tx1"/>
+          </a:fontRef>
+        </p:style>
+      </p:cxnSp>
+      <p:sp>
+        <p:nvSpPr>
+          <p:cNvPr id="47" name="TextBox 46">
+            <a:extLst>
+              <a:ext uri="{FF2B5EF4-FFF2-40B4-BE49-F238E27FC236}">
+                <a16:creationId xmlns:a16="http://schemas.microsoft.com/office/drawing/2014/main" id="{3CE45401-381A-426E-82F7-E60165E3D8C6}"/>
+              </a:ext>
+            </a:extLst>
+          </p:cNvPr>
+          <p:cNvSpPr txBox="1"/>
+          <p:nvPr/>
+        </p:nvSpPr>
+        <p:spPr>
+          <a:xfrm>
+            <a:off x="3407779" y="2400813"/>
+            <a:ext cx="1429761" cy="646331"/>
+          </a:xfrm>
+          <a:prstGeom prst="rect">
+            <a:avLst/>
+          </a:prstGeom>
+          <a:noFill/>
+        </p:spPr>
+        <p:txBody>
+          <a:bodyPr wrap="square" lIns="0" tIns="0" rIns="0" bIns="0" rtlCol="0">
+            <a:spAutoFit/>
+          </a:bodyPr>
+          <a:lstStyle/>
+          <a:p>
+            <a:r>
+              <a:rPr lang="en-US" sz="1400" dirty="0" err="1">
+                <a:solidFill>
+                  <a:srgbClr val="7030A0"/>
+                </a:solidFill>
+              </a:rPr>
+              <a:t>UpdateEntry</a:t>
+            </a:r>
+            <a:r>
+              <a:rPr lang="en-US" sz="1400" dirty="0">
+                <a:solidFill>
+                  <a:srgbClr val="7030A0"/>
+                </a:solidFill>
+              </a:rPr>
+              <a:t>(</a:t>
+            </a:r>
+            <a:r>
+              <a:rPr lang="en-US" sz="1400" dirty="0" err="1">
+                <a:solidFill>
+                  <a:srgbClr val="7030A0"/>
+                </a:solidFill>
+              </a:rPr>
+              <a:t>entryToEdit</a:t>
+            </a:r>
+            <a:r>
+              <a:rPr lang="en-US" sz="1400" dirty="0">
+                <a:solidFill>
+                  <a:srgbClr val="7030A0"/>
+                </a:solidFill>
+              </a:rPr>
+              <a:t>, </a:t>
+            </a:r>
+            <a:r>
+              <a:rPr lang="en-US" sz="1400" dirty="0" err="1">
+                <a:solidFill>
+                  <a:srgbClr val="7030A0"/>
+                </a:solidFill>
+              </a:rPr>
+              <a:t>editedEntry</a:t>
+            </a:r>
+            <a:r>
+              <a:rPr lang="en-US" sz="1400" dirty="0">
+                <a:solidFill>
+                  <a:srgbClr val="7030A0"/>
+                </a:solidFill>
+              </a:rPr>
+              <a:t>)</a:t>
+            </a:r>
+          </a:p>
+        </p:txBody>
+      </p:sp>
+      <p:cxnSp>
+        <p:nvCxnSpPr>
+          <p:cNvPr id="48" name="Straight Arrow Connector 47">
+            <a:extLst>
+              <a:ext uri="{FF2B5EF4-FFF2-40B4-BE49-F238E27FC236}">
+                <a16:creationId xmlns:a16="http://schemas.microsoft.com/office/drawing/2014/main" id="{9920EDD1-7458-4890-BCB5-0614093A9AF9}"/>
+              </a:ext>
+            </a:extLst>
+          </p:cNvPr>
+          <p:cNvCxnSpPr>
+            <a:cxnSpLocks/>
+          </p:cNvCxnSpPr>
+          <p:nvPr/>
+        </p:nvCxnSpPr>
+        <p:spPr>
+          <a:xfrm>
+            <a:off x="3215797" y="3192729"/>
+            <a:ext cx="1710605" cy="0"/>
+          </a:xfrm>
+          <a:prstGeom prst="straightConnector1">
+            <a:avLst/>
+          </a:prstGeom>
+          <a:ln w="19050">
+            <a:solidFill>
+              <a:srgbClr val="7030A0"/>
+            </a:solidFill>
+            <a:prstDash val="sysDash"/>
+            <a:headEnd type="arrow" w="med" len="med"/>
+            <a:tailEnd type="none" w="med" len="med"/>
+          </a:ln>
+        </p:spPr>
+        <p:style>
+          <a:lnRef idx="1">
+            <a:schemeClr val="accent1"/>
+          </a:lnRef>
+          <a:fillRef idx="0">
+            <a:schemeClr val="accent1"/>
+          </a:fillRef>
+          <a:effectRef idx="0">
+            <a:schemeClr val="accent1"/>
+          </a:effectRef>
+          <a:fontRef idx="minor">
+            <a:schemeClr val="tx1"/>
+          </a:fontRef>
+        </p:style>
+      </p:cxnSp>
+      <p:cxnSp>
+        <p:nvCxnSpPr>
+          <p:cNvPr id="58" name="Straight Arrow Connector 57">
+            <a:extLst>
+              <a:ext uri="{FF2B5EF4-FFF2-40B4-BE49-F238E27FC236}">
+                <a16:creationId xmlns:a16="http://schemas.microsoft.com/office/drawing/2014/main" id="{F4D98F45-A5A7-4AF9-BB66-CA528C938767}"/>
+              </a:ext>
+            </a:extLst>
+          </p:cNvPr>
+          <p:cNvCxnSpPr>
+            <a:cxnSpLocks/>
+          </p:cNvCxnSpPr>
+          <p:nvPr/>
+        </p:nvCxnSpPr>
+        <p:spPr>
+          <a:xfrm>
+            <a:off x="3251207" y="3584792"/>
+            <a:ext cx="4078324" cy="0"/>
+          </a:xfrm>
+          <a:prstGeom prst="straightConnector1">
+            <a:avLst/>
+          </a:prstGeom>
+          <a:ln w="19050">
+            <a:solidFill>
+              <a:srgbClr val="0070C0"/>
+            </a:solidFill>
+            <a:tailEnd type="arrow"/>
+          </a:ln>
+        </p:spPr>
+        <p:style>
+          <a:lnRef idx="1">
+            <a:schemeClr val="accent1"/>
+          </a:lnRef>
+          <a:fillRef idx="0">
+            <a:schemeClr val="accent1"/>
+          </a:fillRef>
+          <a:effectRef idx="0">
+            <a:schemeClr val="accent1"/>
+          </a:effectRef>
+          <a:fontRef idx="minor">
+            <a:schemeClr val="tx1"/>
+          </a:fontRef>
+        </p:style>
+      </p:cxnSp>
+      <p:cxnSp>
+        <p:nvCxnSpPr>
+          <p:cNvPr id="60" name="Straight Arrow Connector 59">
+            <a:extLst>
+              <a:ext uri="{FF2B5EF4-FFF2-40B4-BE49-F238E27FC236}">
+                <a16:creationId xmlns:a16="http://schemas.microsoft.com/office/drawing/2014/main" id="{BF1128A4-083A-4A68-858E-A7DC39A82E7C}"/>
+              </a:ext>
+            </a:extLst>
+          </p:cNvPr>
+          <p:cNvCxnSpPr>
+            <a:cxnSpLocks/>
+          </p:cNvCxnSpPr>
+          <p:nvPr/>
+        </p:nvCxnSpPr>
+        <p:spPr>
+          <a:xfrm>
+            <a:off x="3265971" y="4267200"/>
+            <a:ext cx="4078324" cy="0"/>
+          </a:xfrm>
+          <a:prstGeom prst="straightConnector1">
+            <a:avLst/>
+          </a:prstGeom>
+          <a:ln w="19050">
+            <a:solidFill>
+              <a:srgbClr val="0070C0"/>
+            </a:solidFill>
+            <a:tailEnd type="arrow"/>
+          </a:ln>
+        </p:spPr>
+        <p:style>
+          <a:lnRef idx="1">
+            <a:schemeClr val="accent1"/>
+          </a:lnRef>
+          <a:fillRef idx="0">
+            <a:schemeClr val="accent1"/>
+          </a:fillRef>
+          <a:effectRef idx="0">
+            <a:schemeClr val="accent1"/>
+          </a:effectRef>
+          <a:fontRef idx="minor">
+            <a:schemeClr val="tx1"/>
+          </a:fontRef>
+        </p:style>
+      </p:cxnSp>
+    </p:spTree>
+    <p:extLst>
+      <p:ext uri="{BB962C8B-B14F-4D97-AF65-F5344CB8AC3E}">
+        <p14:creationId xmlns:p14="http://schemas.microsoft.com/office/powerpoint/2010/main" val="218517668"/>
+      </p:ext>
+    </p:extLst>
+  </p:cSld>
+  <p:clrMapOvr>
+    <a:masterClrMapping/>
+  </p:clrMapOvr>
+</p:sld>
+</file>
+
+<file path=ppt/slides/slide5.xml><?xml version="1.0" encoding="utf-8"?>
+<p:sld xmlns:a="http://schemas.openxmlformats.org/drawingml/2006/main" xmlns:r="http://schemas.openxmlformats.org/officeDocument/2006/relationships" xmlns:p="http://schemas.openxmlformats.org/presentationml/2006/main">
+  <p:cSld>
+    <p:spTree>
+      <p:nvGrpSpPr>
+        <p:cNvPr id="1" name=""/>
+        <p:cNvGrpSpPr/>
+        <p:nvPr/>
+      </p:nvGrpSpPr>
+      <p:grpSpPr>
+        <a:xfrm>
+          <a:off x="0" y="0"/>
+          <a:ext cx="0" cy="0"/>
+          <a:chOff x="0" y="0"/>
+          <a:chExt cx="0" cy="0"/>
+        </a:xfrm>
+      </p:grpSpPr>
+      <p:sp>
+        <p:nvSpPr>
+          <p:cNvPr id="2" name="Rectangle 62">
+            <a:extLst>
+              <a:ext uri="{FF2B5EF4-FFF2-40B4-BE49-F238E27FC236}">
+                <a16:creationId xmlns:a16="http://schemas.microsoft.com/office/drawing/2014/main" id="{FE894E73-78B5-4DFA-ACD1-C83CE51FFA11}"/>
+              </a:ext>
+            </a:extLst>
+          </p:cNvPr>
+          <p:cNvSpPr/>
+          <p:nvPr/>
+        </p:nvSpPr>
+        <p:spPr>
+          <a:xfrm>
+            <a:off x="7334344" y="1066800"/>
+            <a:ext cx="1093635" cy="346760"/>
+          </a:xfrm>
+          <a:prstGeom prst="rect">
+            <a:avLst/>
+          </a:prstGeom>
+          <a:solidFill>
+            <a:schemeClr val="accent6">
+              <a:lumMod val="75000"/>
+            </a:schemeClr>
+          </a:solidFill>
+          <a:ln w="19050">
+            <a:solidFill>
+              <a:schemeClr val="accent6">
+                <a:lumMod val="75000"/>
+              </a:schemeClr>
+            </a:solidFill>
+          </a:ln>
+          <a:effectLst/>
+        </p:spPr>
+        <p:style>
+          <a:lnRef idx="1">
+            <a:schemeClr val="accent2"/>
+          </a:lnRef>
+          <a:fillRef idx="2">
+            <a:schemeClr val="accent2"/>
+          </a:fillRef>
+          <a:effectRef idx="1">
+            <a:schemeClr val="accent2"/>
+          </a:effectRef>
+          <a:fontRef idx="minor">
+            <a:schemeClr val="dk1"/>
+          </a:fontRef>
+        </p:style>
+        <p:txBody>
+          <a:bodyPr rtlCol="0" anchor="ctr"/>
+          <a:lstStyle/>
+          <a:p>
+            <a:pPr algn="ctr"/>
+            <a:r>
+              <a:rPr lang="en-US" sz="1600" dirty="0">
+                <a:solidFill>
+                  <a:schemeClr val="bg1"/>
+                </a:solidFill>
+              </a:rPr>
+              <a:t>:Storage</a:t>
+            </a:r>
+            <a:endParaRPr lang="en-SG" sz="1600" dirty="0">
+              <a:solidFill>
+                <a:schemeClr val="bg1"/>
+              </a:solidFill>
+            </a:endParaRPr>
+          </a:p>
+        </p:txBody>
+      </p:sp>
+      <p:cxnSp>
+        <p:nvCxnSpPr>
+          <p:cNvPr id="3" name="Straight Connector 2">
+            <a:extLst>
+              <a:ext uri="{FF2B5EF4-FFF2-40B4-BE49-F238E27FC236}">
+                <a16:creationId xmlns:a16="http://schemas.microsoft.com/office/drawing/2014/main" id="{2DC09A82-F50C-42EF-9FEE-2F791C52CF1F}"/>
+              </a:ext>
+            </a:extLst>
+          </p:cNvPr>
+          <p:cNvCxnSpPr/>
+          <p:nvPr/>
+        </p:nvCxnSpPr>
+        <p:spPr>
+          <a:xfrm>
+            <a:off x="7881161" y="1430471"/>
+            <a:ext cx="0" cy="1723059"/>
+          </a:xfrm>
+          <a:prstGeom prst="line">
+            <a:avLst/>
+          </a:prstGeom>
+          <a:ln w="19050">
+            <a:solidFill>
+              <a:schemeClr val="accent6">
+                <a:lumMod val="75000"/>
+              </a:schemeClr>
+            </a:solidFill>
+            <a:prstDash val="sysDash"/>
+          </a:ln>
+          <a:effectLst/>
+        </p:spPr>
+        <p:style>
+          <a:lnRef idx="1">
+            <a:schemeClr val="accent1"/>
+          </a:lnRef>
+          <a:fillRef idx="2">
+            <a:schemeClr val="accent1"/>
+          </a:fillRef>
+          <a:effectRef idx="1">
+            <a:schemeClr val="accent1"/>
+          </a:effectRef>
+          <a:fontRef idx="minor">
+            <a:schemeClr val="dk1"/>
+          </a:fontRef>
+        </p:style>
+      </p:cxnSp>
+      <p:sp>
+        <p:nvSpPr>
+          <p:cNvPr id="4" name="Rectangle 3">
+            <a:extLst>
+              <a:ext uri="{FF2B5EF4-FFF2-40B4-BE49-F238E27FC236}">
+                <a16:creationId xmlns:a16="http://schemas.microsoft.com/office/drawing/2014/main" id="{9229D16B-4263-47F6-90CE-AE0256FEB3DB}"/>
+              </a:ext>
+            </a:extLst>
+          </p:cNvPr>
+          <p:cNvSpPr/>
+          <p:nvPr/>
+        </p:nvSpPr>
+        <p:spPr>
+          <a:xfrm>
+            <a:off x="7809153" y="2124140"/>
+            <a:ext cx="124478" cy="287409"/>
+          </a:xfrm>
+          <a:prstGeom prst="rect">
+            <a:avLst/>
+          </a:prstGeom>
+          <a:solidFill>
+            <a:schemeClr val="accent6">
+              <a:lumMod val="75000"/>
+            </a:schemeClr>
+          </a:solidFill>
+          <a:ln>
+            <a:solidFill>
+              <a:schemeClr val="accent6">
+                <a:lumMod val="75000"/>
+              </a:schemeClr>
+            </a:solidFill>
+          </a:ln>
+          <a:effectLst/>
+        </p:spPr>
+        <p:style>
+          <a:lnRef idx="1">
+            <a:schemeClr val="accent3"/>
+          </a:lnRef>
+          <a:fillRef idx="2">
+            <a:schemeClr val="accent3"/>
+          </a:fillRef>
+          <a:effectRef idx="1">
+            <a:schemeClr val="accent3"/>
+          </a:effectRef>
+          <a:fontRef idx="minor">
+            <a:schemeClr val="dk1"/>
+          </a:fontRef>
+        </p:style>
+        <p:txBody>
+          <a:bodyPr rtlCol="0" anchor="ctr"/>
+          <a:lstStyle/>
+          <a:p>
+            <a:pPr algn="ctr"/>
+            <a:endParaRPr lang="en-SG" sz="1400">
+              <a:solidFill>
+                <a:schemeClr val="dk1"/>
+              </a:solidFill>
+            </a:endParaRPr>
+          </a:p>
+        </p:txBody>
+      </p:sp>
+      <p:sp>
+        <p:nvSpPr>
+          <p:cNvPr id="5" name="TextBox 4">
+            <a:extLst>
+              <a:ext uri="{FF2B5EF4-FFF2-40B4-BE49-F238E27FC236}">
+                <a16:creationId xmlns:a16="http://schemas.microsoft.com/office/drawing/2014/main" id="{C97BE8A0-31F2-4805-9EB6-01E326045BC9}"/>
+              </a:ext>
+            </a:extLst>
+          </p:cNvPr>
+          <p:cNvSpPr txBox="1"/>
+          <p:nvPr/>
+        </p:nvSpPr>
+        <p:spPr>
+          <a:xfrm>
+            <a:off x="1774260" y="1627068"/>
+            <a:ext cx="2716635" cy="215444"/>
+          </a:xfrm>
+          <a:prstGeom prst="rect">
+            <a:avLst/>
+          </a:prstGeom>
+          <a:noFill/>
+        </p:spPr>
+        <p:txBody>
+          <a:bodyPr wrap="square" lIns="0" tIns="0" rIns="0" bIns="0" rtlCol="0">
+            <a:spAutoFit/>
+          </a:bodyPr>
+          <a:lstStyle/>
+          <a:p>
+            <a:r>
+              <a:rPr lang="en-US" sz="1400" dirty="0">
+                <a:solidFill>
+                  <a:schemeClr val="accent5">
+                    <a:lumMod val="75000"/>
+                  </a:schemeClr>
+                </a:solidFill>
+              </a:rPr>
+              <a:t>post(</a:t>
+            </a:r>
+            <a:r>
+              <a:rPr lang="en-US" sz="1400" dirty="0" err="1">
+                <a:solidFill>
+                  <a:schemeClr val="accent5">
+                    <a:lumMod val="75000"/>
+                  </a:schemeClr>
+                </a:solidFill>
+              </a:rPr>
+              <a:t>EntryBookChangedEvent</a:t>
+            </a:r>
+            <a:r>
+              <a:rPr lang="en-US" sz="1400" dirty="0">
+                <a:solidFill>
+                  <a:schemeClr val="accent5">
+                    <a:lumMod val="75000"/>
+                  </a:schemeClr>
+                </a:solidFill>
+              </a:rPr>
+              <a:t>)</a:t>
+            </a:r>
+          </a:p>
+        </p:txBody>
+      </p:sp>
+      <p:cxnSp>
+        <p:nvCxnSpPr>
+          <p:cNvPr id="6" name="Straight Arrow Connector 5">
+            <a:extLst>
+              <a:ext uri="{FF2B5EF4-FFF2-40B4-BE49-F238E27FC236}">
+                <a16:creationId xmlns:a16="http://schemas.microsoft.com/office/drawing/2014/main" id="{16FD9DB1-F2B1-4EB8-BF52-CE1469901ACA}"/>
+              </a:ext>
+            </a:extLst>
+          </p:cNvPr>
+          <p:cNvCxnSpPr/>
+          <p:nvPr/>
+        </p:nvCxnSpPr>
+        <p:spPr>
+          <a:xfrm flipH="1">
+            <a:off x="4490895" y="2411549"/>
+            <a:ext cx="3383941" cy="0"/>
+          </a:xfrm>
+          <a:prstGeom prst="straightConnector1">
+            <a:avLst/>
+          </a:prstGeom>
+          <a:ln w="19050">
+            <a:solidFill>
+              <a:schemeClr val="accent6">
+                <a:lumMod val="75000"/>
+              </a:schemeClr>
+            </a:solidFill>
+            <a:prstDash val="sysDash"/>
+            <a:headEnd type="none" w="med" len="med"/>
+            <a:tailEnd type="arrow" w="med" len="med"/>
+          </a:ln>
+        </p:spPr>
+        <p:style>
+          <a:lnRef idx="1">
+            <a:schemeClr val="accent1"/>
+          </a:lnRef>
+          <a:fillRef idx="0">
+            <a:schemeClr val="accent1"/>
+          </a:fillRef>
+          <a:effectRef idx="0">
+            <a:schemeClr val="accent1"/>
+          </a:effectRef>
+          <a:fontRef idx="minor">
+            <a:schemeClr val="tx1"/>
+          </a:fontRef>
+        </p:style>
+      </p:cxnSp>
+      <p:sp>
+        <p:nvSpPr>
+          <p:cNvPr id="7" name="Rectangle 62">
+            <a:extLst>
+              <a:ext uri="{FF2B5EF4-FFF2-40B4-BE49-F238E27FC236}">
+                <a16:creationId xmlns:a16="http://schemas.microsoft.com/office/drawing/2014/main" id="{35B49EB0-DC28-4821-AC47-1771471A1AC9}"/>
+              </a:ext>
+            </a:extLst>
+          </p:cNvPr>
+          <p:cNvSpPr/>
+          <p:nvPr/>
+        </p:nvSpPr>
+        <p:spPr>
+          <a:xfrm>
+            <a:off x="3755312" y="1083711"/>
+            <a:ext cx="1371600" cy="346760"/>
+          </a:xfrm>
+          <a:prstGeom prst="rect">
+            <a:avLst/>
+          </a:prstGeom>
+          <a:solidFill>
+            <a:schemeClr val="accent5">
+              <a:lumMod val="75000"/>
+            </a:schemeClr>
+          </a:solidFill>
+          <a:ln w="19050">
+            <a:solidFill>
+              <a:schemeClr val="accent5">
+                <a:lumMod val="75000"/>
+              </a:schemeClr>
+            </a:solidFill>
+          </a:ln>
+          <a:effectLst/>
+        </p:spPr>
+        <p:style>
+          <a:lnRef idx="1">
+            <a:schemeClr val="accent2"/>
+          </a:lnRef>
+          <a:fillRef idx="2">
+            <a:schemeClr val="accent2"/>
+          </a:fillRef>
+          <a:effectRef idx="1">
+            <a:schemeClr val="accent2"/>
+          </a:effectRef>
+          <a:fontRef idx="minor">
+            <a:schemeClr val="dk1"/>
+          </a:fontRef>
+        </p:style>
+        <p:txBody>
+          <a:bodyPr rtlCol="0" anchor="ctr"/>
+          <a:lstStyle/>
+          <a:p>
+            <a:pPr algn="ctr"/>
+            <a:r>
+              <a:rPr lang="en-US" sz="1600" dirty="0">
+                <a:solidFill>
+                  <a:schemeClr val="bg1"/>
+                </a:solidFill>
+              </a:rPr>
+              <a:t>:</a:t>
+            </a:r>
+            <a:r>
+              <a:rPr lang="en-US" sz="1600" dirty="0" err="1">
+                <a:solidFill>
+                  <a:schemeClr val="bg1"/>
+                </a:solidFill>
+              </a:rPr>
+              <a:t>EventsCenter</a:t>
+            </a:r>
+            <a:endParaRPr lang="en-SG" sz="1600" dirty="0">
+              <a:solidFill>
+                <a:schemeClr val="bg1"/>
+              </a:solidFill>
+            </a:endParaRPr>
+          </a:p>
+        </p:txBody>
+      </p:sp>
+      <p:cxnSp>
+        <p:nvCxnSpPr>
+          <p:cNvPr id="8" name="Straight Connector 7">
+            <a:extLst>
+              <a:ext uri="{FF2B5EF4-FFF2-40B4-BE49-F238E27FC236}">
+                <a16:creationId xmlns:a16="http://schemas.microsoft.com/office/drawing/2014/main" id="{BA28FD5C-730A-4FE2-8680-83C3E3B58F5E}"/>
+              </a:ext>
+            </a:extLst>
+          </p:cNvPr>
+          <p:cNvCxnSpPr>
+            <a:cxnSpLocks/>
+          </p:cNvCxnSpPr>
+          <p:nvPr/>
+        </p:nvCxnSpPr>
+        <p:spPr>
+          <a:xfrm flipH="1">
+            <a:off x="4419892" y="1436765"/>
+            <a:ext cx="1005" cy="5268835"/>
+          </a:xfrm>
+          <a:prstGeom prst="line">
+            <a:avLst/>
+          </a:prstGeom>
+          <a:ln w="19050">
+            <a:solidFill>
+              <a:schemeClr val="accent5">
+                <a:lumMod val="75000"/>
+              </a:schemeClr>
+            </a:solidFill>
+            <a:prstDash val="sysDash"/>
+          </a:ln>
+          <a:effectLst/>
+        </p:spPr>
+        <p:style>
+          <a:lnRef idx="1">
+            <a:schemeClr val="accent1"/>
+          </a:lnRef>
+          <a:fillRef idx="2">
+            <a:schemeClr val="accent1"/>
+          </a:fillRef>
+          <a:effectRef idx="1">
+            <a:schemeClr val="accent1"/>
+          </a:effectRef>
+          <a:fontRef idx="minor">
+            <a:schemeClr val="dk1"/>
+          </a:fontRef>
+        </p:style>
+      </p:cxnSp>
+      <p:sp>
+        <p:nvSpPr>
+          <p:cNvPr id="9" name="Rectangle 8">
+            <a:extLst>
+              <a:ext uri="{FF2B5EF4-FFF2-40B4-BE49-F238E27FC236}">
+                <a16:creationId xmlns:a16="http://schemas.microsoft.com/office/drawing/2014/main" id="{D7B99CFA-1DA2-4D9D-9BD6-250A3529225C}"/>
+              </a:ext>
+            </a:extLst>
+          </p:cNvPr>
+          <p:cNvSpPr/>
+          <p:nvPr/>
+        </p:nvSpPr>
+        <p:spPr>
+          <a:xfrm>
+            <a:off x="4351585" y="1782838"/>
+            <a:ext cx="119777" cy="4541095"/>
+          </a:xfrm>
+          <a:prstGeom prst="rect">
+            <a:avLst/>
+          </a:prstGeom>
+          <a:solidFill>
+            <a:schemeClr val="accent5">
+              <a:lumMod val="75000"/>
+            </a:schemeClr>
+          </a:solidFill>
+          <a:ln>
+            <a:solidFill>
+              <a:schemeClr val="accent5">
+                <a:lumMod val="75000"/>
+              </a:schemeClr>
+            </a:solidFill>
+          </a:ln>
+          <a:effectLst/>
+        </p:spPr>
+        <p:style>
+          <a:lnRef idx="1">
+            <a:schemeClr val="accent3"/>
+          </a:lnRef>
+          <a:fillRef idx="2">
+            <a:schemeClr val="accent3"/>
+          </a:fillRef>
+          <a:effectRef idx="1">
+            <a:schemeClr val="accent3"/>
+          </a:effectRef>
+          <a:fontRef idx="minor">
+            <a:schemeClr val="dk1"/>
+          </a:fontRef>
+        </p:style>
+        <p:txBody>
+          <a:bodyPr rtlCol="0" anchor="ctr"/>
+          <a:lstStyle/>
+          <a:p>
+            <a:pPr algn="ctr"/>
+            <a:endParaRPr lang="en-SG" sz="1400">
+              <a:solidFill>
+                <a:schemeClr val="dk1"/>
+              </a:solidFill>
+            </a:endParaRPr>
+          </a:p>
+        </p:txBody>
+      </p:sp>
+      <p:cxnSp>
+        <p:nvCxnSpPr>
+          <p:cNvPr id="10" name="Straight Arrow Connector 9">
+            <a:extLst>
+              <a:ext uri="{FF2B5EF4-FFF2-40B4-BE49-F238E27FC236}">
+                <a16:creationId xmlns:a16="http://schemas.microsoft.com/office/drawing/2014/main" id="{D234B797-3596-43B5-8CFA-2C4BD1E21474}"/>
+              </a:ext>
+            </a:extLst>
+          </p:cNvPr>
+          <p:cNvCxnSpPr/>
+          <p:nvPr/>
+        </p:nvCxnSpPr>
+        <p:spPr>
+          <a:xfrm>
+            <a:off x="2998567" y="1962111"/>
+            <a:ext cx="1295400" cy="0"/>
+          </a:xfrm>
+          <a:prstGeom prst="straightConnector1">
+            <a:avLst/>
+          </a:prstGeom>
+          <a:ln w="19050">
+            <a:solidFill>
+              <a:srgbClr val="7030A0"/>
+            </a:solidFill>
+            <a:tailEnd type="arrow"/>
+          </a:ln>
+        </p:spPr>
+        <p:style>
+          <a:lnRef idx="1">
+            <a:schemeClr val="accent1"/>
+          </a:lnRef>
+          <a:fillRef idx="0">
+            <a:schemeClr val="accent1"/>
+          </a:fillRef>
+          <a:effectRef idx="0">
+            <a:schemeClr val="accent1"/>
+          </a:effectRef>
+          <a:fontRef idx="minor">
+            <a:schemeClr val="tx1"/>
+          </a:fontRef>
+        </p:style>
+      </p:cxnSp>
+      <p:cxnSp>
+        <p:nvCxnSpPr>
+          <p:cNvPr id="11" name="Straight Arrow Connector 10">
+            <a:extLst>
+              <a:ext uri="{FF2B5EF4-FFF2-40B4-BE49-F238E27FC236}">
+                <a16:creationId xmlns:a16="http://schemas.microsoft.com/office/drawing/2014/main" id="{FED9722A-DB19-4F24-93EA-3E3B7288F558}"/>
+              </a:ext>
+            </a:extLst>
+          </p:cNvPr>
+          <p:cNvCxnSpPr>
+            <a:cxnSpLocks/>
+          </p:cNvCxnSpPr>
+          <p:nvPr/>
+        </p:nvCxnSpPr>
+        <p:spPr>
+          <a:xfrm>
+            <a:off x="1313009" y="2896455"/>
+            <a:ext cx="3075554" cy="0"/>
+          </a:xfrm>
+          <a:prstGeom prst="straightConnector1">
+            <a:avLst/>
+          </a:prstGeom>
+          <a:ln w="19050">
+            <a:solidFill>
+              <a:schemeClr val="accent5">
+                <a:lumMod val="75000"/>
+              </a:schemeClr>
+            </a:solidFill>
+            <a:prstDash val="sysDash"/>
+            <a:headEnd type="arrow" w="med" len="med"/>
+            <a:tailEnd type="none" w="med" len="med"/>
+          </a:ln>
+        </p:spPr>
+        <p:style>
+          <a:lnRef idx="1">
+            <a:schemeClr val="accent1"/>
+          </a:lnRef>
+          <a:fillRef idx="0">
+            <a:schemeClr val="accent1"/>
+          </a:fillRef>
+          <a:effectRef idx="0">
+            <a:schemeClr val="accent1"/>
+          </a:effectRef>
+          <a:fontRef idx="minor">
+            <a:schemeClr val="tx1"/>
+          </a:fontRef>
+        </p:style>
+      </p:cxnSp>
+      <p:cxnSp>
+        <p:nvCxnSpPr>
+          <p:cNvPr id="12" name="Straight Arrow Connector 11">
+            <a:extLst>
+              <a:ext uri="{FF2B5EF4-FFF2-40B4-BE49-F238E27FC236}">
+                <a16:creationId xmlns:a16="http://schemas.microsoft.com/office/drawing/2014/main" id="{056F640E-EA84-4EFB-B965-B628B5A208F2}"/>
+              </a:ext>
+            </a:extLst>
+          </p:cNvPr>
+          <p:cNvCxnSpPr/>
+          <p:nvPr/>
+        </p:nvCxnSpPr>
+        <p:spPr>
+          <a:xfrm>
+            <a:off x="4490895" y="2129492"/>
+            <a:ext cx="3318258" cy="0"/>
+          </a:xfrm>
+          <a:prstGeom prst="straightConnector1">
+            <a:avLst/>
+          </a:prstGeom>
+          <a:ln w="19050">
+            <a:solidFill>
+              <a:schemeClr val="accent5">
+                <a:lumMod val="75000"/>
+              </a:schemeClr>
+            </a:solidFill>
+            <a:headEnd type="none" w="med" len="med"/>
+            <a:tailEnd type="arrow" w="med" len="med"/>
+          </a:ln>
+        </p:spPr>
+        <p:style>
+          <a:lnRef idx="1">
+            <a:schemeClr val="accent1"/>
+          </a:lnRef>
+          <a:fillRef idx="0">
+            <a:schemeClr val="accent1"/>
+          </a:fillRef>
+          <a:effectRef idx="0">
+            <a:schemeClr val="accent1"/>
+          </a:effectRef>
+          <a:fontRef idx="minor">
+            <a:schemeClr val="tx1"/>
+          </a:fontRef>
+        </p:style>
+      </p:cxnSp>
+      <p:sp>
+        <p:nvSpPr>
+          <p:cNvPr id="13" name="TextBox 12">
+            <a:extLst>
+              <a:ext uri="{FF2B5EF4-FFF2-40B4-BE49-F238E27FC236}">
+                <a16:creationId xmlns:a16="http://schemas.microsoft.com/office/drawing/2014/main" id="{230ED9C6-9E33-4C01-A183-FFBD6C3DE30C}"/>
+              </a:ext>
+            </a:extLst>
+          </p:cNvPr>
+          <p:cNvSpPr txBox="1"/>
+          <p:nvPr/>
+        </p:nvSpPr>
+        <p:spPr>
+          <a:xfrm>
+            <a:off x="5000496" y="1854389"/>
+            <a:ext cx="2659870" cy="215444"/>
+          </a:xfrm>
+          <a:prstGeom prst="rect">
+            <a:avLst/>
+          </a:prstGeom>
+          <a:noFill/>
+        </p:spPr>
+        <p:txBody>
+          <a:bodyPr wrap="square" lIns="0" tIns="0" rIns="0" bIns="0" rtlCol="0">
+            <a:spAutoFit/>
+          </a:bodyPr>
+          <a:lstStyle/>
+          <a:p>
+            <a:r>
+              <a:rPr lang="en-US" sz="1400" dirty="0" err="1">
+                <a:solidFill>
+                  <a:schemeClr val="accent6">
+                    <a:lumMod val="75000"/>
+                  </a:schemeClr>
+                </a:solidFill>
+              </a:rPr>
+              <a:t>handleEntryBookChangedEvent</a:t>
+            </a:r>
+            <a:r>
+              <a:rPr lang="en-US" sz="1400" dirty="0">
+                <a:solidFill>
+                  <a:schemeClr val="accent6">
+                    <a:lumMod val="75000"/>
+                  </a:schemeClr>
+                </a:solidFill>
+              </a:rPr>
+              <a:t>()</a:t>
+            </a:r>
+          </a:p>
+        </p:txBody>
+      </p:sp>
+      <p:sp>
+        <p:nvSpPr>
+          <p:cNvPr id="14" name="Rectangle 62">
+            <a:extLst>
+              <a:ext uri="{FF2B5EF4-FFF2-40B4-BE49-F238E27FC236}">
+                <a16:creationId xmlns:a16="http://schemas.microsoft.com/office/drawing/2014/main" id="{1C556D84-CDE2-4888-B3CF-41BE2A8265C3}"/>
+              </a:ext>
+            </a:extLst>
+          </p:cNvPr>
+          <p:cNvSpPr/>
+          <p:nvPr/>
+        </p:nvSpPr>
+        <p:spPr>
+          <a:xfrm>
+            <a:off x="685800" y="1066800"/>
+            <a:ext cx="1093635" cy="346760"/>
+          </a:xfrm>
+          <a:prstGeom prst="rect">
+            <a:avLst/>
+          </a:prstGeom>
+          <a:solidFill>
+            <a:srgbClr val="00B050"/>
+          </a:solidFill>
+          <a:ln w="19050">
+            <a:solidFill>
+              <a:srgbClr val="00B050"/>
+            </a:solidFill>
+          </a:ln>
+          <a:effectLst/>
+        </p:spPr>
+        <p:style>
+          <a:lnRef idx="1">
+            <a:schemeClr val="accent2"/>
+          </a:lnRef>
+          <a:fillRef idx="2">
+            <a:schemeClr val="accent2"/>
+          </a:fillRef>
+          <a:effectRef idx="1">
+            <a:schemeClr val="accent2"/>
+          </a:effectRef>
+          <a:fontRef idx="minor">
+            <a:schemeClr val="dk1"/>
+          </a:fontRef>
+        </p:style>
+        <p:txBody>
+          <a:bodyPr rtlCol="0" anchor="ctr"/>
+          <a:lstStyle/>
+          <a:p>
+            <a:pPr algn="ctr"/>
+            <a:r>
+              <a:rPr lang="en-US" sz="1600" dirty="0">
+                <a:solidFill>
+                  <a:schemeClr val="bg1"/>
+                </a:solidFill>
+              </a:rPr>
+              <a:t>:UI</a:t>
+            </a:r>
+            <a:endParaRPr lang="en-SG" sz="1600" dirty="0">
+              <a:solidFill>
+                <a:schemeClr val="bg1"/>
+              </a:solidFill>
+            </a:endParaRPr>
+          </a:p>
+        </p:txBody>
+      </p:sp>
+      <p:cxnSp>
+        <p:nvCxnSpPr>
+          <p:cNvPr id="15" name="Straight Connector 14">
+            <a:extLst>
+              <a:ext uri="{FF2B5EF4-FFF2-40B4-BE49-F238E27FC236}">
+                <a16:creationId xmlns:a16="http://schemas.microsoft.com/office/drawing/2014/main" id="{4E2A49BC-CCAA-4028-95F6-9B50A33AAFD2}"/>
+              </a:ext>
+            </a:extLst>
+          </p:cNvPr>
+          <p:cNvCxnSpPr>
+            <a:cxnSpLocks/>
+          </p:cNvCxnSpPr>
+          <p:nvPr/>
+        </p:nvCxnSpPr>
+        <p:spPr>
+          <a:xfrm flipH="1">
+            <a:off x="1209649" y="1430471"/>
+            <a:ext cx="22968" cy="5275129"/>
+          </a:xfrm>
+          <a:prstGeom prst="line">
+            <a:avLst/>
+          </a:prstGeom>
+          <a:ln w="19050">
+            <a:solidFill>
+              <a:srgbClr val="00B050"/>
+            </a:solidFill>
+            <a:prstDash val="sysDash"/>
+          </a:ln>
+          <a:effectLst/>
+        </p:spPr>
+        <p:style>
+          <a:lnRef idx="1">
+            <a:schemeClr val="accent1"/>
+          </a:lnRef>
+          <a:fillRef idx="2">
+            <a:schemeClr val="accent1"/>
+          </a:fillRef>
+          <a:effectRef idx="1">
+            <a:schemeClr val="accent1"/>
+          </a:effectRef>
+          <a:fontRef idx="minor">
+            <a:schemeClr val="dk1"/>
+          </a:fontRef>
+        </p:style>
+      </p:cxnSp>
+      <p:sp>
+        <p:nvSpPr>
+          <p:cNvPr id="16" name="Rectangle 15">
+            <a:extLst>
+              <a:ext uri="{FF2B5EF4-FFF2-40B4-BE49-F238E27FC236}">
+                <a16:creationId xmlns:a16="http://schemas.microsoft.com/office/drawing/2014/main" id="{0FB355B4-BAAA-48CD-A007-902E30C13470}"/>
+              </a:ext>
+            </a:extLst>
+          </p:cNvPr>
+          <p:cNvSpPr/>
+          <p:nvPr/>
+        </p:nvSpPr>
+        <p:spPr>
+          <a:xfrm>
+            <a:off x="1146175" y="2458949"/>
+            <a:ext cx="166834" cy="3865648"/>
+          </a:xfrm>
+          <a:prstGeom prst="rect">
+            <a:avLst/>
+          </a:prstGeom>
+          <a:solidFill>
+            <a:srgbClr val="00B050"/>
+          </a:solidFill>
+          <a:ln>
+            <a:solidFill>
+              <a:srgbClr val="00B050"/>
+            </a:solidFill>
+          </a:ln>
+          <a:effectLst/>
+        </p:spPr>
+        <p:style>
+          <a:lnRef idx="1">
+            <a:schemeClr val="accent3"/>
+          </a:lnRef>
+          <a:fillRef idx="2">
+            <a:schemeClr val="accent3"/>
+          </a:fillRef>
+          <a:effectRef idx="1">
+            <a:schemeClr val="accent3"/>
+          </a:effectRef>
+          <a:fontRef idx="minor">
+            <a:schemeClr val="dk1"/>
+          </a:fontRef>
+        </p:style>
+        <p:txBody>
+          <a:bodyPr rtlCol="0" anchor="ctr"/>
+          <a:lstStyle/>
+          <a:p>
+            <a:pPr algn="ctr"/>
+            <a:endParaRPr lang="en-SG" sz="1400">
+              <a:solidFill>
+                <a:schemeClr val="dk1"/>
+              </a:solidFill>
+            </a:endParaRPr>
+          </a:p>
+        </p:txBody>
+      </p:sp>
+      <p:cxnSp>
+        <p:nvCxnSpPr>
+          <p:cNvPr id="17" name="Straight Arrow Connector 16">
+            <a:extLst>
+              <a:ext uri="{FF2B5EF4-FFF2-40B4-BE49-F238E27FC236}">
+                <a16:creationId xmlns:a16="http://schemas.microsoft.com/office/drawing/2014/main" id="{053B739E-3B6B-4C20-913D-E2CFEFD163FD}"/>
+              </a:ext>
+            </a:extLst>
+          </p:cNvPr>
+          <p:cNvCxnSpPr/>
+          <p:nvPr/>
+        </p:nvCxnSpPr>
+        <p:spPr>
+          <a:xfrm flipH="1">
+            <a:off x="1313009" y="2732078"/>
+            <a:ext cx="3061842" cy="0"/>
+          </a:xfrm>
+          <a:prstGeom prst="straightConnector1">
+            <a:avLst/>
+          </a:prstGeom>
+          <a:ln w="19050">
+            <a:solidFill>
+              <a:srgbClr val="00B050"/>
+            </a:solidFill>
+            <a:prstDash val="sysDash"/>
+            <a:headEnd type="arrow" w="med" len="med"/>
+            <a:tailEnd type="none" w="med" len="med"/>
+          </a:ln>
+        </p:spPr>
+        <p:style>
+          <a:lnRef idx="1">
+            <a:schemeClr val="accent1"/>
+          </a:lnRef>
+          <a:fillRef idx="0">
+            <a:schemeClr val="accent1"/>
+          </a:fillRef>
+          <a:effectRef idx="0">
+            <a:schemeClr val="accent1"/>
+          </a:effectRef>
+          <a:fontRef idx="minor">
+            <a:schemeClr val="tx1"/>
+          </a:fontRef>
+        </p:style>
+      </p:cxnSp>
+      <p:cxnSp>
+        <p:nvCxnSpPr>
+          <p:cNvPr id="18" name="Straight Arrow Connector 17">
+            <a:extLst>
+              <a:ext uri="{FF2B5EF4-FFF2-40B4-BE49-F238E27FC236}">
+                <a16:creationId xmlns:a16="http://schemas.microsoft.com/office/drawing/2014/main" id="{3EC23238-14F5-4F2F-BAD9-7F17B6ECF521}"/>
+              </a:ext>
+            </a:extLst>
+          </p:cNvPr>
+          <p:cNvCxnSpPr/>
+          <p:nvPr/>
+        </p:nvCxnSpPr>
+        <p:spPr>
+          <a:xfrm>
+            <a:off x="1313009" y="2458950"/>
+            <a:ext cx="3061841" cy="0"/>
+          </a:xfrm>
+          <a:prstGeom prst="straightConnector1">
+            <a:avLst/>
+          </a:prstGeom>
+          <a:ln w="19050">
+            <a:solidFill>
+              <a:schemeClr val="accent5">
+                <a:lumMod val="75000"/>
+              </a:schemeClr>
+            </a:solidFill>
+            <a:headEnd type="arrow" w="med" len="med"/>
+            <a:tailEnd type="none" w="med" len="med"/>
+          </a:ln>
+        </p:spPr>
+        <p:style>
+          <a:lnRef idx="1">
+            <a:schemeClr val="accent1"/>
+          </a:lnRef>
+          <a:fillRef idx="0">
+            <a:schemeClr val="accent1"/>
+          </a:fillRef>
+          <a:effectRef idx="0">
+            <a:schemeClr val="accent1"/>
+          </a:effectRef>
+          <a:fontRef idx="minor">
+            <a:schemeClr val="tx1"/>
+          </a:fontRef>
+        </p:style>
+      </p:cxnSp>
+      <p:sp>
+        <p:nvSpPr>
+          <p:cNvPr id="19" name="TextBox 18">
+            <a:extLst>
+              <a:ext uri="{FF2B5EF4-FFF2-40B4-BE49-F238E27FC236}">
+                <a16:creationId xmlns:a16="http://schemas.microsoft.com/office/drawing/2014/main" id="{B538FB21-8D86-4F3C-8A1C-2105B098F8F6}"/>
+              </a:ext>
+            </a:extLst>
+          </p:cNvPr>
+          <p:cNvSpPr txBox="1"/>
+          <p:nvPr/>
+        </p:nvSpPr>
+        <p:spPr>
+          <a:xfrm>
+            <a:off x="1378730" y="2183847"/>
+            <a:ext cx="2659870" cy="215444"/>
+          </a:xfrm>
+          <a:prstGeom prst="rect">
+            <a:avLst/>
+          </a:prstGeom>
+          <a:noFill/>
+        </p:spPr>
+        <p:txBody>
+          <a:bodyPr wrap="square" lIns="0" tIns="0" rIns="0" bIns="0" rtlCol="0">
+            <a:spAutoFit/>
+          </a:bodyPr>
+          <a:lstStyle/>
+          <a:p>
+            <a:r>
+              <a:rPr lang="en-US" sz="1400" dirty="0" err="1">
+                <a:solidFill>
+                  <a:srgbClr val="00B050"/>
+                </a:solidFill>
+              </a:rPr>
+              <a:t>handleEntryBookChangedEvent</a:t>
+            </a:r>
+            <a:r>
+              <a:rPr lang="en-US" sz="1400" dirty="0">
+                <a:solidFill>
+                  <a:srgbClr val="00B050"/>
+                </a:solidFill>
+              </a:rPr>
+              <a:t>()</a:t>
+            </a:r>
+          </a:p>
+        </p:txBody>
+      </p:sp>
+      <p:grpSp>
+        <p:nvGrpSpPr>
+          <p:cNvPr id="20" name="Group 19">
+            <a:extLst>
+              <a:ext uri="{FF2B5EF4-FFF2-40B4-BE49-F238E27FC236}">
+                <a16:creationId xmlns:a16="http://schemas.microsoft.com/office/drawing/2014/main" id="{6A1B0BCB-3FD1-4698-84C7-FED9F5B46346}"/>
+              </a:ext>
+            </a:extLst>
+          </p:cNvPr>
+          <p:cNvGrpSpPr/>
+          <p:nvPr/>
+        </p:nvGrpSpPr>
+        <p:grpSpPr>
+          <a:xfrm>
+            <a:off x="891322" y="2400509"/>
+            <a:ext cx="318328" cy="356515"/>
+            <a:chOff x="1028134" y="5612032"/>
+            <a:chExt cx="217349" cy="270072"/>
+          </a:xfrm>
+        </p:grpSpPr>
+        <p:sp>
+          <p:nvSpPr>
+            <p:cNvPr id="21" name="Freeform 11">
+              <a:extLst>
+                <a:ext uri="{FF2B5EF4-FFF2-40B4-BE49-F238E27FC236}">
+                  <a16:creationId xmlns:a16="http://schemas.microsoft.com/office/drawing/2014/main" id="{68655AAA-F1AE-41E1-A00E-52AA212979B2}"/>
+                </a:ext>
+              </a:extLst>
+            </p:cNvPr>
+            <p:cNvSpPr/>
+            <p:nvPr/>
+          </p:nvSpPr>
+          <p:spPr>
+            <a:xfrm rot="2600998" flipH="1" flipV="1">
+              <a:off x="1028134" y="5612032"/>
+              <a:ext cx="167452" cy="116880"/>
+            </a:xfrm>
+            <a:custGeom>
+              <a:avLst/>
+              <a:gdLst>
+                <a:gd name="connsiteX0" fmla="*/ 0 w 226400"/>
+                <a:gd name="connsiteY0" fmla="*/ 32920 h 171466"/>
+                <a:gd name="connsiteX1" fmla="*/ 157018 w 226400"/>
+                <a:gd name="connsiteY1" fmla="*/ 5211 h 171466"/>
+                <a:gd name="connsiteX2" fmla="*/ 221673 w 226400"/>
+                <a:gd name="connsiteY2" fmla="*/ 125284 h 171466"/>
+                <a:gd name="connsiteX3" fmla="*/ 36945 w 226400"/>
+                <a:gd name="connsiteY3" fmla="*/ 171466 h 171466"/>
+              </a:gdLst>
+              <a:ahLst/>
+              <a:cxnLst>
+                <a:cxn ang="0">
+                  <a:pos x="connsiteX0" y="connsiteY0"/>
+                </a:cxn>
+                <a:cxn ang="0">
+                  <a:pos x="connsiteX1" y="connsiteY1"/>
+                </a:cxn>
+                <a:cxn ang="0">
+                  <a:pos x="connsiteX2" y="connsiteY2"/>
+                </a:cxn>
+                <a:cxn ang="0">
+                  <a:pos x="connsiteX3" y="connsiteY3"/>
+                </a:cxn>
+              </a:cxnLst>
+              <a:rect l="l" t="t" r="r" b="b"/>
+              <a:pathLst>
+                <a:path w="226400" h="171466">
+                  <a:moveTo>
+                    <a:pt x="0" y="32920"/>
+                  </a:moveTo>
+                  <a:cubicBezTo>
+                    <a:pt x="60036" y="11368"/>
+                    <a:pt x="120073" y="-10183"/>
+                    <a:pt x="157018" y="5211"/>
+                  </a:cubicBezTo>
+                  <a:cubicBezTo>
+                    <a:pt x="193963" y="20605"/>
+                    <a:pt x="241685" y="97575"/>
+                    <a:pt x="221673" y="125284"/>
+                  </a:cubicBezTo>
+                  <a:cubicBezTo>
+                    <a:pt x="201661" y="152993"/>
+                    <a:pt x="119303" y="162229"/>
+                    <a:pt x="36945" y="171466"/>
+                  </a:cubicBezTo>
+                </a:path>
+              </a:pathLst>
+            </a:custGeom>
+            <a:ln w="19050">
+              <a:solidFill>
+                <a:srgbClr val="00B050"/>
+              </a:solidFill>
+              <a:headEnd type="arrow" w="med" len="med"/>
+              <a:tailEnd type="none" w="med" len="med"/>
+            </a:ln>
+          </p:spPr>
+          <p:style>
+            <a:lnRef idx="1">
+              <a:schemeClr val="accent1"/>
+            </a:lnRef>
+            <a:fillRef idx="0">
+              <a:schemeClr val="accent1"/>
+            </a:fillRef>
+            <a:effectRef idx="0">
+              <a:schemeClr val="accent1"/>
+            </a:effectRef>
+            <a:fontRef idx="minor">
+              <a:schemeClr val="tx1"/>
+            </a:fontRef>
+          </p:style>
+          <p:txBody>
+            <a:bodyPr rtlCol="0" anchor="ctr"/>
+            <a:lstStyle/>
+            <a:p>
+              <a:pPr algn="ctr"/>
+              <a:endParaRPr lang="en-SG"/>
+            </a:p>
+          </p:txBody>
+        </p:sp>
+        <p:sp>
+          <p:nvSpPr>
+            <p:cNvPr id="22" name="Rectangle 21">
+              <a:extLst>
+                <a:ext uri="{FF2B5EF4-FFF2-40B4-BE49-F238E27FC236}">
+                  <a16:creationId xmlns:a16="http://schemas.microsoft.com/office/drawing/2014/main" id="{EA25E1DD-8AB7-456D-8757-404420F29812}"/>
+                </a:ext>
+              </a:extLst>
+            </p:cNvPr>
+            <p:cNvSpPr/>
+            <p:nvPr/>
+          </p:nvSpPr>
+          <p:spPr>
+            <a:xfrm>
+              <a:off x="1147403" y="5712513"/>
+              <a:ext cx="98080" cy="169591"/>
+            </a:xfrm>
+            <a:prstGeom prst="rect">
+              <a:avLst/>
+            </a:prstGeom>
+            <a:solidFill>
+              <a:srgbClr val="00B050"/>
+            </a:solidFill>
+            <a:ln>
+              <a:solidFill>
+                <a:schemeClr val="bg1"/>
+              </a:solidFill>
+            </a:ln>
+            <a:effectLst/>
+          </p:spPr>
+          <p:style>
+            <a:lnRef idx="1">
+              <a:schemeClr val="accent3"/>
+            </a:lnRef>
+            <a:fillRef idx="2">
+              <a:schemeClr val="accent3"/>
+            </a:fillRef>
+            <a:effectRef idx="1">
+              <a:schemeClr val="accent3"/>
+            </a:effectRef>
+            <a:fontRef idx="minor">
+              <a:schemeClr val="dk1"/>
+            </a:fontRef>
+          </p:style>
+          <p:txBody>
+            <a:bodyPr rtlCol="0" anchor="ctr"/>
+            <a:lstStyle/>
+            <a:p>
+              <a:pPr algn="ctr"/>
+              <a:endParaRPr lang="en-SG" sz="1400">
+                <a:solidFill>
+                  <a:schemeClr val="dk1"/>
+                </a:solidFill>
+              </a:endParaRPr>
+            </a:p>
+          </p:txBody>
+        </p:sp>
+      </p:grpSp>
+      <p:sp>
+        <p:nvSpPr>
+          <p:cNvPr id="23" name="TextBox 22">
+            <a:extLst>
+              <a:ext uri="{FF2B5EF4-FFF2-40B4-BE49-F238E27FC236}">
+                <a16:creationId xmlns:a16="http://schemas.microsoft.com/office/drawing/2014/main" id="{9D59C4AA-CDD6-46B6-9850-635E98E622A1}"/>
+              </a:ext>
+            </a:extLst>
+          </p:cNvPr>
+          <p:cNvSpPr txBox="1"/>
+          <p:nvPr/>
+        </p:nvSpPr>
+        <p:spPr>
+          <a:xfrm>
+            <a:off x="57893" y="2235502"/>
+            <a:ext cx="794081" cy="430887"/>
+          </a:xfrm>
+          <a:prstGeom prst="rect">
+            <a:avLst/>
+          </a:prstGeom>
+          <a:noFill/>
+        </p:spPr>
+        <p:txBody>
+          <a:bodyPr wrap="square" lIns="0" tIns="0" rIns="0" bIns="0" rtlCol="0">
+            <a:spAutoFit/>
+          </a:bodyPr>
+          <a:lstStyle/>
+          <a:p>
+            <a:pPr algn="r"/>
+            <a:r>
+              <a:rPr lang="en-US" sz="1400" dirty="0">
+                <a:solidFill>
+                  <a:srgbClr val="00B050"/>
+                </a:solidFill>
+              </a:rPr>
+              <a:t>Update status bar</a:t>
+            </a:r>
+          </a:p>
+        </p:txBody>
+      </p:sp>
+      <p:grpSp>
+        <p:nvGrpSpPr>
+          <p:cNvPr id="24" name="Group 23">
+            <a:extLst>
+              <a:ext uri="{FF2B5EF4-FFF2-40B4-BE49-F238E27FC236}">
+                <a16:creationId xmlns:a16="http://schemas.microsoft.com/office/drawing/2014/main" id="{A7C9F932-DF79-42F3-9CF0-3333C833FEDF}"/>
+              </a:ext>
+            </a:extLst>
+          </p:cNvPr>
+          <p:cNvGrpSpPr/>
+          <p:nvPr/>
+        </p:nvGrpSpPr>
+        <p:grpSpPr>
+          <a:xfrm flipH="1">
+            <a:off x="7901008" y="2124140"/>
+            <a:ext cx="217349" cy="270072"/>
+            <a:chOff x="1028134" y="5612032"/>
+            <a:chExt cx="217349" cy="270072"/>
+          </a:xfrm>
+        </p:grpSpPr>
+        <p:sp>
+          <p:nvSpPr>
+            <p:cNvPr id="25" name="Freeform 58">
+              <a:extLst>
+                <a:ext uri="{FF2B5EF4-FFF2-40B4-BE49-F238E27FC236}">
+                  <a16:creationId xmlns:a16="http://schemas.microsoft.com/office/drawing/2014/main" id="{A41BC7F8-610F-4C14-9F0A-7E9597AD0344}"/>
+                </a:ext>
+              </a:extLst>
+            </p:cNvPr>
+            <p:cNvSpPr/>
+            <p:nvPr/>
+          </p:nvSpPr>
+          <p:spPr>
+            <a:xfrm rot="2600998" flipH="1" flipV="1">
+              <a:off x="1028134" y="5612032"/>
+              <a:ext cx="167452" cy="116880"/>
+            </a:xfrm>
+            <a:custGeom>
+              <a:avLst/>
+              <a:gdLst>
+                <a:gd name="connsiteX0" fmla="*/ 0 w 226400"/>
+                <a:gd name="connsiteY0" fmla="*/ 32920 h 171466"/>
+                <a:gd name="connsiteX1" fmla="*/ 157018 w 226400"/>
+                <a:gd name="connsiteY1" fmla="*/ 5211 h 171466"/>
+                <a:gd name="connsiteX2" fmla="*/ 221673 w 226400"/>
+                <a:gd name="connsiteY2" fmla="*/ 125284 h 171466"/>
+                <a:gd name="connsiteX3" fmla="*/ 36945 w 226400"/>
+                <a:gd name="connsiteY3" fmla="*/ 171466 h 171466"/>
+              </a:gdLst>
+              <a:ahLst/>
+              <a:cxnLst>
+                <a:cxn ang="0">
+                  <a:pos x="connsiteX0" y="connsiteY0"/>
+                </a:cxn>
+                <a:cxn ang="0">
+                  <a:pos x="connsiteX1" y="connsiteY1"/>
+                </a:cxn>
+                <a:cxn ang="0">
+                  <a:pos x="connsiteX2" y="connsiteY2"/>
+                </a:cxn>
+                <a:cxn ang="0">
+                  <a:pos x="connsiteX3" y="connsiteY3"/>
+                </a:cxn>
+              </a:cxnLst>
+              <a:rect l="l" t="t" r="r" b="b"/>
+              <a:pathLst>
+                <a:path w="226400" h="171466">
+                  <a:moveTo>
+                    <a:pt x="0" y="32920"/>
+                  </a:moveTo>
+                  <a:cubicBezTo>
+                    <a:pt x="60036" y="11368"/>
+                    <a:pt x="120073" y="-10183"/>
+                    <a:pt x="157018" y="5211"/>
+                  </a:cubicBezTo>
+                  <a:cubicBezTo>
+                    <a:pt x="193963" y="20605"/>
+                    <a:pt x="241685" y="97575"/>
+                    <a:pt x="221673" y="125284"/>
+                  </a:cubicBezTo>
+                  <a:cubicBezTo>
+                    <a:pt x="201661" y="152993"/>
+                    <a:pt x="119303" y="162229"/>
+                    <a:pt x="36945" y="171466"/>
+                  </a:cubicBezTo>
+                </a:path>
+              </a:pathLst>
+            </a:custGeom>
+            <a:ln w="19050">
+              <a:solidFill>
+                <a:schemeClr val="accent6">
+                  <a:lumMod val="75000"/>
+                </a:schemeClr>
+              </a:solidFill>
+              <a:headEnd type="arrow" w="med" len="med"/>
+              <a:tailEnd type="none" w="med" len="med"/>
+            </a:ln>
+          </p:spPr>
+          <p:style>
+            <a:lnRef idx="1">
+              <a:schemeClr val="accent1"/>
+            </a:lnRef>
+            <a:fillRef idx="0">
+              <a:schemeClr val="accent1"/>
+            </a:fillRef>
+            <a:effectRef idx="0">
+              <a:schemeClr val="accent1"/>
+            </a:effectRef>
+            <a:fontRef idx="minor">
+              <a:schemeClr val="tx1"/>
+            </a:fontRef>
+          </p:style>
+          <p:txBody>
+            <a:bodyPr rtlCol="0" anchor="ctr"/>
+            <a:lstStyle/>
+            <a:p>
+              <a:pPr algn="ctr"/>
+              <a:endParaRPr lang="en-SG"/>
+            </a:p>
+          </p:txBody>
+        </p:sp>
+        <p:sp>
+          <p:nvSpPr>
+            <p:cNvPr id="26" name="Rectangle 25">
+              <a:extLst>
+                <a:ext uri="{FF2B5EF4-FFF2-40B4-BE49-F238E27FC236}">
+                  <a16:creationId xmlns:a16="http://schemas.microsoft.com/office/drawing/2014/main" id="{B19ECF40-2C78-4CEE-9961-0E3FDE8EB2AE}"/>
+                </a:ext>
+              </a:extLst>
+            </p:cNvPr>
+            <p:cNvSpPr/>
+            <p:nvPr/>
+          </p:nvSpPr>
+          <p:spPr>
+            <a:xfrm>
+              <a:off x="1147403" y="5712513"/>
+              <a:ext cx="98080" cy="169591"/>
+            </a:xfrm>
+            <a:prstGeom prst="rect">
+              <a:avLst/>
+            </a:prstGeom>
+            <a:solidFill>
+              <a:schemeClr val="accent6">
+                <a:lumMod val="75000"/>
+              </a:schemeClr>
+            </a:solidFill>
+            <a:ln>
+              <a:solidFill>
+                <a:schemeClr val="bg1"/>
+              </a:solidFill>
+            </a:ln>
+            <a:effectLst/>
+          </p:spPr>
+          <p:style>
+            <a:lnRef idx="1">
+              <a:schemeClr val="accent3"/>
+            </a:lnRef>
+            <a:fillRef idx="2">
+              <a:schemeClr val="accent3"/>
+            </a:fillRef>
+            <a:effectRef idx="1">
+              <a:schemeClr val="accent3"/>
+            </a:effectRef>
+            <a:fontRef idx="minor">
+              <a:schemeClr val="dk1"/>
+            </a:fontRef>
+          </p:style>
+          <p:txBody>
+            <a:bodyPr rtlCol="0" anchor="ctr"/>
+            <a:lstStyle/>
+            <a:p>
+              <a:pPr algn="ctr"/>
+              <a:endParaRPr lang="en-SG" sz="1400">
+                <a:solidFill>
+                  <a:schemeClr val="dk1"/>
+                </a:solidFill>
+              </a:endParaRPr>
+            </a:p>
+          </p:txBody>
+        </p:sp>
+      </p:grpSp>
+      <p:sp>
+        <p:nvSpPr>
+          <p:cNvPr id="27" name="TextBox 26">
+            <a:extLst>
+              <a:ext uri="{FF2B5EF4-FFF2-40B4-BE49-F238E27FC236}">
+                <a16:creationId xmlns:a16="http://schemas.microsoft.com/office/drawing/2014/main" id="{37158927-16A3-4B22-A4A6-8C8033E385DA}"/>
+              </a:ext>
+            </a:extLst>
+          </p:cNvPr>
+          <p:cNvSpPr txBox="1"/>
+          <p:nvPr/>
+        </p:nvSpPr>
+        <p:spPr>
+          <a:xfrm>
+            <a:off x="8188119" y="1969470"/>
+            <a:ext cx="539047" cy="430887"/>
+          </a:xfrm>
+          <a:prstGeom prst="rect">
+            <a:avLst/>
+          </a:prstGeom>
+          <a:noFill/>
+        </p:spPr>
+        <p:txBody>
+          <a:bodyPr wrap="square" lIns="0" tIns="0" rIns="0" bIns="0" rtlCol="0">
+            <a:spAutoFit/>
+          </a:bodyPr>
+          <a:lstStyle/>
+          <a:p>
+            <a:r>
+              <a:rPr lang="en-US" sz="1400" dirty="0">
+                <a:solidFill>
+                  <a:schemeClr val="accent6">
+                    <a:lumMod val="75000"/>
+                  </a:schemeClr>
+                </a:solidFill>
+              </a:rPr>
+              <a:t>Save </a:t>
+            </a:r>
+            <a:br>
+              <a:rPr lang="en-US" sz="1400" dirty="0">
+                <a:solidFill>
+                  <a:schemeClr val="accent6">
+                    <a:lumMod val="75000"/>
+                  </a:schemeClr>
+                </a:solidFill>
+              </a:rPr>
+            </a:br>
+            <a:r>
+              <a:rPr lang="en-US" sz="1400" dirty="0">
+                <a:solidFill>
+                  <a:schemeClr val="accent6">
+                    <a:lumMod val="75000"/>
+                  </a:schemeClr>
+                </a:solidFill>
+              </a:rPr>
+              <a:t>to file</a:t>
+            </a:r>
+          </a:p>
+        </p:txBody>
+      </p:sp>
+      <p:sp>
+        <p:nvSpPr>
+          <p:cNvPr id="28" name="TextBox 27">
+            <a:extLst>
+              <a:ext uri="{FF2B5EF4-FFF2-40B4-BE49-F238E27FC236}">
+                <a16:creationId xmlns:a16="http://schemas.microsoft.com/office/drawing/2014/main" id="{17509216-4048-40EF-8945-C7E76793CACA}"/>
+              </a:ext>
+            </a:extLst>
+          </p:cNvPr>
+          <p:cNvSpPr txBox="1"/>
+          <p:nvPr/>
+        </p:nvSpPr>
+        <p:spPr>
+          <a:xfrm>
+            <a:off x="1460211" y="3189428"/>
+            <a:ext cx="2716635" cy="215444"/>
+          </a:xfrm>
+          <a:prstGeom prst="rect">
+            <a:avLst/>
+          </a:prstGeom>
+          <a:noFill/>
+        </p:spPr>
+        <p:txBody>
+          <a:bodyPr wrap="square" lIns="0" tIns="0" rIns="0" bIns="0" rtlCol="0">
+            <a:spAutoFit/>
+          </a:bodyPr>
+          <a:lstStyle/>
+          <a:p>
+            <a:r>
+              <a:rPr lang="en-US" sz="1400" dirty="0">
+                <a:solidFill>
+                  <a:schemeClr val="accent5">
+                    <a:lumMod val="75000"/>
+                  </a:schemeClr>
+                </a:solidFill>
+              </a:rPr>
+              <a:t>post(</a:t>
+            </a:r>
+            <a:r>
+              <a:rPr lang="en-US" sz="1400" dirty="0" err="1">
+                <a:solidFill>
+                  <a:schemeClr val="accent5">
+                    <a:lumMod val="75000"/>
+                  </a:schemeClr>
+                </a:solidFill>
+              </a:rPr>
+              <a:t>JumpToEntryListRequestEvent</a:t>
+            </a:r>
+            <a:r>
+              <a:rPr lang="en-US" sz="1400" dirty="0">
+                <a:solidFill>
+                  <a:schemeClr val="accent5">
+                    <a:lumMod val="75000"/>
+                  </a:schemeClr>
+                </a:solidFill>
+              </a:rPr>
+              <a:t>)</a:t>
+            </a:r>
+          </a:p>
+        </p:txBody>
+      </p:sp>
+      <p:sp>
+        <p:nvSpPr>
+          <p:cNvPr id="29" name="TextBox 28">
+            <a:extLst>
+              <a:ext uri="{FF2B5EF4-FFF2-40B4-BE49-F238E27FC236}">
+                <a16:creationId xmlns:a16="http://schemas.microsoft.com/office/drawing/2014/main" id="{01BEBE84-6E3B-4949-95F8-9DBA60EC64EC}"/>
+              </a:ext>
+            </a:extLst>
+          </p:cNvPr>
+          <p:cNvSpPr txBox="1"/>
+          <p:nvPr/>
+        </p:nvSpPr>
+        <p:spPr>
+          <a:xfrm>
+            <a:off x="1545422" y="4984671"/>
+            <a:ext cx="2716635" cy="215444"/>
+          </a:xfrm>
+          <a:prstGeom prst="rect">
+            <a:avLst/>
+          </a:prstGeom>
+          <a:noFill/>
+        </p:spPr>
+        <p:txBody>
+          <a:bodyPr wrap="square" lIns="0" tIns="0" rIns="0" bIns="0" rtlCol="0">
+            <a:spAutoFit/>
+          </a:bodyPr>
+          <a:lstStyle/>
+          <a:p>
+            <a:r>
+              <a:rPr lang="en-US" sz="1400" dirty="0">
+                <a:solidFill>
+                  <a:schemeClr val="accent5">
+                    <a:lumMod val="75000"/>
+                  </a:schemeClr>
+                </a:solidFill>
+              </a:rPr>
+              <a:t>post(</a:t>
+            </a:r>
+            <a:r>
+              <a:rPr lang="en-US" sz="1400" dirty="0" err="1">
+                <a:solidFill>
+                  <a:schemeClr val="accent5">
+                    <a:lumMod val="75000"/>
+                  </a:schemeClr>
+                </a:solidFill>
+              </a:rPr>
+              <a:t>UpdateExpandedEntryEvent</a:t>
+            </a:r>
+            <a:r>
+              <a:rPr lang="en-US" sz="1400" dirty="0">
+                <a:solidFill>
+                  <a:schemeClr val="accent5">
+                    <a:lumMod val="75000"/>
+                  </a:schemeClr>
+                </a:solidFill>
+              </a:rPr>
+              <a:t>)</a:t>
+            </a:r>
+          </a:p>
+        </p:txBody>
+      </p:sp>
+      <p:cxnSp>
+        <p:nvCxnSpPr>
+          <p:cNvPr id="30" name="Straight Arrow Connector 29">
+            <a:extLst>
+              <a:ext uri="{FF2B5EF4-FFF2-40B4-BE49-F238E27FC236}">
+                <a16:creationId xmlns:a16="http://schemas.microsoft.com/office/drawing/2014/main" id="{F0FDA117-06CB-4B11-99D2-5B82E8EB2438}"/>
+              </a:ext>
+            </a:extLst>
+          </p:cNvPr>
+          <p:cNvCxnSpPr/>
+          <p:nvPr/>
+        </p:nvCxnSpPr>
+        <p:spPr>
+          <a:xfrm>
+            <a:off x="3051869" y="3498151"/>
+            <a:ext cx="1295400" cy="0"/>
+          </a:xfrm>
+          <a:prstGeom prst="straightConnector1">
+            <a:avLst/>
+          </a:prstGeom>
+          <a:ln w="19050">
+            <a:solidFill>
+              <a:srgbClr val="7030A0"/>
+            </a:solidFill>
+            <a:tailEnd type="arrow"/>
+          </a:ln>
+        </p:spPr>
+        <p:style>
+          <a:lnRef idx="1">
+            <a:schemeClr val="accent1"/>
+          </a:lnRef>
+          <a:fillRef idx="0">
+            <a:schemeClr val="accent1"/>
+          </a:fillRef>
+          <a:effectRef idx="0">
+            <a:schemeClr val="accent1"/>
+          </a:effectRef>
+          <a:fontRef idx="minor">
+            <a:schemeClr val="tx1"/>
+          </a:fontRef>
+        </p:style>
+      </p:cxnSp>
+      <p:cxnSp>
+        <p:nvCxnSpPr>
+          <p:cNvPr id="31" name="Straight Arrow Connector 30">
+            <a:extLst>
+              <a:ext uri="{FF2B5EF4-FFF2-40B4-BE49-F238E27FC236}">
+                <a16:creationId xmlns:a16="http://schemas.microsoft.com/office/drawing/2014/main" id="{52A6C10B-707C-403A-A6A3-8EDCD1F925F1}"/>
+              </a:ext>
+            </a:extLst>
+          </p:cNvPr>
+          <p:cNvCxnSpPr/>
+          <p:nvPr/>
+        </p:nvCxnSpPr>
+        <p:spPr>
+          <a:xfrm>
+            <a:off x="3060575" y="5334000"/>
+            <a:ext cx="1295400" cy="0"/>
+          </a:xfrm>
+          <a:prstGeom prst="straightConnector1">
+            <a:avLst/>
+          </a:prstGeom>
+          <a:ln w="19050">
+            <a:solidFill>
+              <a:srgbClr val="7030A0"/>
+            </a:solidFill>
+            <a:tailEnd type="arrow"/>
+          </a:ln>
+        </p:spPr>
+        <p:style>
+          <a:lnRef idx="1">
+            <a:schemeClr val="accent1"/>
+          </a:lnRef>
+          <a:fillRef idx="0">
+            <a:schemeClr val="accent1"/>
+          </a:fillRef>
+          <a:effectRef idx="0">
+            <a:schemeClr val="accent1"/>
+          </a:effectRef>
+          <a:fontRef idx="minor">
+            <a:schemeClr val="tx1"/>
+          </a:fontRef>
+        </p:style>
+      </p:cxnSp>
+      <p:grpSp>
+        <p:nvGrpSpPr>
+          <p:cNvPr id="34" name="Group 33">
+            <a:extLst>
+              <a:ext uri="{FF2B5EF4-FFF2-40B4-BE49-F238E27FC236}">
+                <a16:creationId xmlns:a16="http://schemas.microsoft.com/office/drawing/2014/main" id="{5DC6EFA2-CD9A-44F8-BE73-C8DDBAB32184}"/>
+              </a:ext>
+            </a:extLst>
+          </p:cNvPr>
+          <p:cNvGrpSpPr/>
+          <p:nvPr/>
+        </p:nvGrpSpPr>
+        <p:grpSpPr>
+          <a:xfrm>
+            <a:off x="910853" y="3772703"/>
+            <a:ext cx="289176" cy="646897"/>
+            <a:chOff x="1028134" y="5612032"/>
+            <a:chExt cx="217349" cy="270072"/>
+          </a:xfrm>
+        </p:grpSpPr>
+        <p:sp>
+          <p:nvSpPr>
+            <p:cNvPr id="35" name="Freeform 11">
+              <a:extLst>
+                <a:ext uri="{FF2B5EF4-FFF2-40B4-BE49-F238E27FC236}">
+                  <a16:creationId xmlns:a16="http://schemas.microsoft.com/office/drawing/2014/main" id="{1614D29D-8D00-4D14-A83F-C6AFB8458766}"/>
+                </a:ext>
+              </a:extLst>
+            </p:cNvPr>
+            <p:cNvSpPr/>
+            <p:nvPr/>
+          </p:nvSpPr>
+          <p:spPr>
+            <a:xfrm rot="2600998" flipH="1" flipV="1">
+              <a:off x="1028134" y="5612032"/>
+              <a:ext cx="167452" cy="116880"/>
+            </a:xfrm>
+            <a:custGeom>
+              <a:avLst/>
+              <a:gdLst>
+                <a:gd name="connsiteX0" fmla="*/ 0 w 226400"/>
+                <a:gd name="connsiteY0" fmla="*/ 32920 h 171466"/>
+                <a:gd name="connsiteX1" fmla="*/ 157018 w 226400"/>
+                <a:gd name="connsiteY1" fmla="*/ 5211 h 171466"/>
+                <a:gd name="connsiteX2" fmla="*/ 221673 w 226400"/>
+                <a:gd name="connsiteY2" fmla="*/ 125284 h 171466"/>
+                <a:gd name="connsiteX3" fmla="*/ 36945 w 226400"/>
+                <a:gd name="connsiteY3" fmla="*/ 171466 h 171466"/>
+              </a:gdLst>
+              <a:ahLst/>
+              <a:cxnLst>
+                <a:cxn ang="0">
+                  <a:pos x="connsiteX0" y="connsiteY0"/>
+                </a:cxn>
+                <a:cxn ang="0">
+                  <a:pos x="connsiteX1" y="connsiteY1"/>
+                </a:cxn>
+                <a:cxn ang="0">
+                  <a:pos x="connsiteX2" y="connsiteY2"/>
+                </a:cxn>
+                <a:cxn ang="0">
+                  <a:pos x="connsiteX3" y="connsiteY3"/>
+                </a:cxn>
+              </a:cxnLst>
+              <a:rect l="l" t="t" r="r" b="b"/>
+              <a:pathLst>
+                <a:path w="226400" h="171466">
+                  <a:moveTo>
+                    <a:pt x="0" y="32920"/>
+                  </a:moveTo>
+                  <a:cubicBezTo>
+                    <a:pt x="60036" y="11368"/>
+                    <a:pt x="120073" y="-10183"/>
+                    <a:pt x="157018" y="5211"/>
+                  </a:cubicBezTo>
+                  <a:cubicBezTo>
+                    <a:pt x="193963" y="20605"/>
+                    <a:pt x="241685" y="97575"/>
+                    <a:pt x="221673" y="125284"/>
+                  </a:cubicBezTo>
+                  <a:cubicBezTo>
+                    <a:pt x="201661" y="152993"/>
+                    <a:pt x="119303" y="162229"/>
+                    <a:pt x="36945" y="171466"/>
+                  </a:cubicBezTo>
+                </a:path>
+              </a:pathLst>
+            </a:custGeom>
+            <a:ln w="19050">
+              <a:solidFill>
+                <a:srgbClr val="00B050"/>
+              </a:solidFill>
+              <a:headEnd type="arrow" w="med" len="med"/>
+              <a:tailEnd type="none" w="med" len="med"/>
+            </a:ln>
+          </p:spPr>
+          <p:style>
+            <a:lnRef idx="1">
+              <a:schemeClr val="accent1"/>
+            </a:lnRef>
+            <a:fillRef idx="0">
+              <a:schemeClr val="accent1"/>
+            </a:fillRef>
+            <a:effectRef idx="0">
+              <a:schemeClr val="accent1"/>
+            </a:effectRef>
+            <a:fontRef idx="minor">
+              <a:schemeClr val="tx1"/>
+            </a:fontRef>
+          </p:style>
+          <p:txBody>
+            <a:bodyPr rtlCol="0" anchor="ctr"/>
+            <a:lstStyle/>
+            <a:p>
+              <a:pPr algn="ctr"/>
+              <a:endParaRPr lang="en-SG" dirty="0"/>
+            </a:p>
+          </p:txBody>
+        </p:sp>
+        <p:sp>
+          <p:nvSpPr>
+            <p:cNvPr id="36" name="Rectangle 35">
+              <a:extLst>
+                <a:ext uri="{FF2B5EF4-FFF2-40B4-BE49-F238E27FC236}">
+                  <a16:creationId xmlns:a16="http://schemas.microsoft.com/office/drawing/2014/main" id="{C6037FFC-F444-4533-BE7E-AEEDBB2A0E4F}"/>
+                </a:ext>
+              </a:extLst>
+            </p:cNvPr>
+            <p:cNvSpPr/>
+            <p:nvPr/>
+          </p:nvSpPr>
+          <p:spPr>
+            <a:xfrm>
+              <a:off x="1147403" y="5712513"/>
+              <a:ext cx="98080" cy="169591"/>
+            </a:xfrm>
+            <a:prstGeom prst="rect">
+              <a:avLst/>
+            </a:prstGeom>
+            <a:solidFill>
+              <a:srgbClr val="00B050"/>
+            </a:solidFill>
+            <a:ln>
+              <a:solidFill>
+                <a:schemeClr val="bg1"/>
+              </a:solidFill>
+            </a:ln>
+            <a:effectLst/>
+          </p:spPr>
+          <p:style>
+            <a:lnRef idx="1">
+              <a:schemeClr val="accent3"/>
+            </a:lnRef>
+            <a:fillRef idx="2">
+              <a:schemeClr val="accent3"/>
+            </a:fillRef>
+            <a:effectRef idx="1">
+              <a:schemeClr val="accent3"/>
+            </a:effectRef>
+            <a:fontRef idx="minor">
+              <a:schemeClr val="dk1"/>
+            </a:fontRef>
+          </p:style>
+          <p:txBody>
+            <a:bodyPr rtlCol="0" anchor="ctr"/>
+            <a:lstStyle/>
+            <a:p>
+              <a:pPr algn="ctr"/>
+              <a:endParaRPr lang="en-SG" sz="1400">
+                <a:solidFill>
+                  <a:schemeClr val="dk1"/>
+                </a:solidFill>
+              </a:endParaRPr>
+            </a:p>
+          </p:txBody>
+        </p:sp>
+      </p:grpSp>
+      <p:sp>
+        <p:nvSpPr>
+          <p:cNvPr id="37" name="Rectangle 36">
+            <a:extLst>
+              <a:ext uri="{FF2B5EF4-FFF2-40B4-BE49-F238E27FC236}">
+                <a16:creationId xmlns:a16="http://schemas.microsoft.com/office/drawing/2014/main" id="{8B8F83CC-2517-410B-8442-FE0FD2BE10AC}"/>
+              </a:ext>
+            </a:extLst>
+          </p:cNvPr>
+          <p:cNvSpPr/>
+          <p:nvPr/>
+        </p:nvSpPr>
+        <p:spPr>
+          <a:xfrm>
+            <a:off x="1316598" y="3937034"/>
+            <a:ext cx="2985689" cy="307777"/>
+          </a:xfrm>
+          <a:prstGeom prst="rect">
+            <a:avLst/>
+          </a:prstGeom>
+        </p:spPr>
+        <p:txBody>
+          <a:bodyPr wrap="none">
+            <a:spAutoFit/>
+          </a:bodyPr>
+          <a:lstStyle/>
+          <a:p>
+            <a:r>
+              <a:rPr lang="en-US" sz="1400" dirty="0" err="1">
+                <a:solidFill>
+                  <a:srgbClr val="00B050"/>
+                </a:solidFill>
+              </a:rPr>
+              <a:t>handleJumpToEntryListRequestEvent</a:t>
+            </a:r>
+            <a:r>
+              <a:rPr lang="en-US" sz="1400" dirty="0">
+                <a:solidFill>
+                  <a:srgbClr val="00B050"/>
+                </a:solidFill>
+              </a:rPr>
+              <a:t>()</a:t>
+            </a:r>
+            <a:endParaRPr lang="en-SG" sz="1400" dirty="0">
+              <a:solidFill>
+                <a:srgbClr val="00B050"/>
+              </a:solidFill>
+            </a:endParaRPr>
+          </a:p>
+        </p:txBody>
+      </p:sp>
+      <p:cxnSp>
+        <p:nvCxnSpPr>
+          <p:cNvPr id="39" name="Straight Arrow Connector 38">
+            <a:extLst>
+              <a:ext uri="{FF2B5EF4-FFF2-40B4-BE49-F238E27FC236}">
+                <a16:creationId xmlns:a16="http://schemas.microsoft.com/office/drawing/2014/main" id="{5FBCDF11-5279-4A51-AEB4-68D702874CB4}"/>
+              </a:ext>
+            </a:extLst>
+          </p:cNvPr>
+          <p:cNvCxnSpPr/>
+          <p:nvPr/>
+        </p:nvCxnSpPr>
+        <p:spPr>
+          <a:xfrm>
+            <a:off x="1313009" y="3927104"/>
+            <a:ext cx="3061841" cy="0"/>
+          </a:xfrm>
+          <a:prstGeom prst="straightConnector1">
+            <a:avLst/>
+          </a:prstGeom>
+          <a:ln w="19050">
+            <a:solidFill>
+              <a:schemeClr val="accent5">
+                <a:lumMod val="75000"/>
+              </a:schemeClr>
+            </a:solidFill>
+            <a:headEnd type="arrow" w="med" len="med"/>
+            <a:tailEnd type="none" w="med" len="med"/>
+          </a:ln>
+        </p:spPr>
+        <p:style>
+          <a:lnRef idx="1">
+            <a:schemeClr val="accent1"/>
+          </a:lnRef>
+          <a:fillRef idx="0">
+            <a:schemeClr val="accent1"/>
+          </a:fillRef>
+          <a:effectRef idx="0">
+            <a:schemeClr val="accent1"/>
+          </a:effectRef>
+          <a:fontRef idx="minor">
+            <a:schemeClr val="tx1"/>
+          </a:fontRef>
+        </p:style>
+      </p:cxnSp>
+      <p:cxnSp>
+        <p:nvCxnSpPr>
+          <p:cNvPr id="40" name="Straight Arrow Connector 39">
+            <a:extLst>
+              <a:ext uri="{FF2B5EF4-FFF2-40B4-BE49-F238E27FC236}">
+                <a16:creationId xmlns:a16="http://schemas.microsoft.com/office/drawing/2014/main" id="{745CA873-4836-460C-AEDD-811AD2FDBB5C}"/>
+              </a:ext>
+            </a:extLst>
+          </p:cNvPr>
+          <p:cNvCxnSpPr/>
+          <p:nvPr/>
+        </p:nvCxnSpPr>
+        <p:spPr>
+          <a:xfrm flipH="1">
+            <a:off x="1287607" y="4419600"/>
+            <a:ext cx="3061842" cy="0"/>
+          </a:xfrm>
+          <a:prstGeom prst="straightConnector1">
+            <a:avLst/>
+          </a:prstGeom>
+          <a:ln w="19050">
+            <a:solidFill>
+              <a:srgbClr val="00B050"/>
+            </a:solidFill>
+            <a:prstDash val="sysDash"/>
+            <a:headEnd type="arrow" w="med" len="med"/>
+            <a:tailEnd type="none" w="med" len="med"/>
+          </a:ln>
+        </p:spPr>
+        <p:style>
+          <a:lnRef idx="1">
+            <a:schemeClr val="accent1"/>
+          </a:lnRef>
+          <a:fillRef idx="0">
+            <a:schemeClr val="accent1"/>
+          </a:fillRef>
+          <a:effectRef idx="0">
+            <a:schemeClr val="accent1"/>
+          </a:effectRef>
+          <a:fontRef idx="minor">
+            <a:schemeClr val="tx1"/>
+          </a:fontRef>
+        </p:style>
+      </p:cxnSp>
+      <p:cxnSp>
+        <p:nvCxnSpPr>
+          <p:cNvPr id="41" name="Straight Arrow Connector 40">
+            <a:extLst>
+              <a:ext uri="{FF2B5EF4-FFF2-40B4-BE49-F238E27FC236}">
+                <a16:creationId xmlns:a16="http://schemas.microsoft.com/office/drawing/2014/main" id="{40B56870-0E82-40C5-A9A0-22069B184D96}"/>
+              </a:ext>
+            </a:extLst>
+          </p:cNvPr>
+          <p:cNvCxnSpPr>
+            <a:cxnSpLocks/>
+          </p:cNvCxnSpPr>
+          <p:nvPr/>
+        </p:nvCxnSpPr>
+        <p:spPr>
+          <a:xfrm>
+            <a:off x="1313009" y="4648200"/>
+            <a:ext cx="3075554" cy="0"/>
+          </a:xfrm>
+          <a:prstGeom prst="straightConnector1">
+            <a:avLst/>
+          </a:prstGeom>
+          <a:ln w="19050">
+            <a:solidFill>
+              <a:schemeClr val="accent5">
+                <a:lumMod val="75000"/>
+              </a:schemeClr>
+            </a:solidFill>
+            <a:prstDash val="sysDash"/>
+            <a:headEnd type="arrow" w="med" len="med"/>
+            <a:tailEnd type="none" w="med" len="med"/>
+          </a:ln>
+        </p:spPr>
+        <p:style>
+          <a:lnRef idx="1">
+            <a:schemeClr val="accent1"/>
+          </a:lnRef>
+          <a:fillRef idx="0">
+            <a:schemeClr val="accent1"/>
+          </a:fillRef>
+          <a:effectRef idx="0">
+            <a:schemeClr val="accent1"/>
+          </a:effectRef>
+          <a:fontRef idx="minor">
+            <a:schemeClr val="tx1"/>
+          </a:fontRef>
+        </p:style>
+      </p:cxnSp>
+      <p:cxnSp>
+        <p:nvCxnSpPr>
+          <p:cNvPr id="42" name="Straight Arrow Connector 41">
+            <a:extLst>
+              <a:ext uri="{FF2B5EF4-FFF2-40B4-BE49-F238E27FC236}">
+                <a16:creationId xmlns:a16="http://schemas.microsoft.com/office/drawing/2014/main" id="{E9F74C9C-1941-4E92-9EA9-F7D49C40551E}"/>
+              </a:ext>
+            </a:extLst>
+          </p:cNvPr>
+          <p:cNvCxnSpPr/>
+          <p:nvPr/>
+        </p:nvCxnSpPr>
+        <p:spPr>
+          <a:xfrm>
+            <a:off x="1240446" y="5410452"/>
+            <a:ext cx="3061841" cy="0"/>
+          </a:xfrm>
+          <a:prstGeom prst="straightConnector1">
+            <a:avLst/>
+          </a:prstGeom>
+          <a:ln w="19050">
+            <a:solidFill>
+              <a:schemeClr val="accent5">
+                <a:lumMod val="75000"/>
+              </a:schemeClr>
+            </a:solidFill>
+            <a:headEnd type="arrow" w="med" len="med"/>
+            <a:tailEnd type="none" w="med" len="med"/>
+          </a:ln>
+        </p:spPr>
+        <p:style>
+          <a:lnRef idx="1">
+            <a:schemeClr val="accent1"/>
+          </a:lnRef>
+          <a:fillRef idx="0">
+            <a:schemeClr val="accent1"/>
+          </a:fillRef>
+          <a:effectRef idx="0">
+            <a:schemeClr val="accent1"/>
+          </a:effectRef>
+          <a:fontRef idx="minor">
+            <a:schemeClr val="tx1"/>
+          </a:fontRef>
+        </p:style>
+      </p:cxnSp>
+      <p:sp>
+        <p:nvSpPr>
+          <p:cNvPr id="44" name="TextBox 43">
+            <a:extLst>
+              <a:ext uri="{FF2B5EF4-FFF2-40B4-BE49-F238E27FC236}">
+                <a16:creationId xmlns:a16="http://schemas.microsoft.com/office/drawing/2014/main" id="{6BC43812-C598-4B2B-855B-C59FD1B57057}"/>
+              </a:ext>
+            </a:extLst>
+          </p:cNvPr>
+          <p:cNvSpPr txBox="1"/>
+          <p:nvPr/>
+        </p:nvSpPr>
+        <p:spPr>
+          <a:xfrm>
+            <a:off x="1460211" y="5478015"/>
+            <a:ext cx="2842076" cy="430887"/>
+          </a:xfrm>
+          <a:prstGeom prst="rect">
+            <a:avLst/>
+          </a:prstGeom>
+          <a:noFill/>
+        </p:spPr>
+        <p:txBody>
+          <a:bodyPr wrap="square" lIns="0" tIns="0" rIns="0" bIns="0" rtlCol="0">
+            <a:spAutoFit/>
+          </a:bodyPr>
+          <a:lstStyle/>
+          <a:p>
+            <a:r>
+              <a:rPr lang="en-US" sz="1400" dirty="0">
+                <a:solidFill>
+                  <a:schemeClr val="accent5">
+                    <a:lumMod val="75000"/>
+                  </a:schemeClr>
+                </a:solidFill>
+              </a:rPr>
+              <a:t>post(</a:t>
+            </a:r>
+            <a:r>
+              <a:rPr lang="en-US" sz="1400" dirty="0" err="1">
+                <a:solidFill>
+                  <a:schemeClr val="accent5">
+                    <a:lumMod val="75000"/>
+                  </a:schemeClr>
+                </a:solidFill>
+              </a:rPr>
+              <a:t>handleUpdateExpandedEntryEvent</a:t>
+            </a:r>
+            <a:r>
+              <a:rPr lang="en-US" sz="1400" dirty="0">
+                <a:solidFill>
+                  <a:schemeClr val="accent5">
+                    <a:lumMod val="75000"/>
+                  </a:schemeClr>
+                </a:solidFill>
+              </a:rPr>
+              <a:t>)</a:t>
+            </a:r>
+          </a:p>
+        </p:txBody>
+      </p:sp>
+      <p:cxnSp>
+        <p:nvCxnSpPr>
+          <p:cNvPr id="45" name="Straight Arrow Connector 44">
+            <a:extLst>
+              <a:ext uri="{FF2B5EF4-FFF2-40B4-BE49-F238E27FC236}">
+                <a16:creationId xmlns:a16="http://schemas.microsoft.com/office/drawing/2014/main" id="{7FC464F2-B1CC-42CE-8409-E440DD9683CD}"/>
+              </a:ext>
+            </a:extLst>
+          </p:cNvPr>
+          <p:cNvCxnSpPr/>
+          <p:nvPr/>
+        </p:nvCxnSpPr>
+        <p:spPr>
+          <a:xfrm flipH="1">
+            <a:off x="1326721" y="6019800"/>
+            <a:ext cx="3061842" cy="0"/>
+          </a:xfrm>
+          <a:prstGeom prst="straightConnector1">
+            <a:avLst/>
+          </a:prstGeom>
+          <a:ln w="19050">
+            <a:solidFill>
+              <a:srgbClr val="00B050"/>
+            </a:solidFill>
+            <a:prstDash val="sysDash"/>
+            <a:headEnd type="arrow" w="med" len="med"/>
+            <a:tailEnd type="none" w="med" len="med"/>
+          </a:ln>
+        </p:spPr>
+        <p:style>
+          <a:lnRef idx="1">
+            <a:schemeClr val="accent1"/>
+          </a:lnRef>
+          <a:fillRef idx="0">
+            <a:schemeClr val="accent1"/>
+          </a:fillRef>
+          <a:effectRef idx="0">
+            <a:schemeClr val="accent1"/>
+          </a:effectRef>
+          <a:fontRef idx="minor">
+            <a:schemeClr val="tx1"/>
+          </a:fontRef>
+        </p:style>
+      </p:cxnSp>
+      <p:grpSp>
+        <p:nvGrpSpPr>
+          <p:cNvPr id="46" name="Group 45">
+            <a:extLst>
+              <a:ext uri="{FF2B5EF4-FFF2-40B4-BE49-F238E27FC236}">
+                <a16:creationId xmlns:a16="http://schemas.microsoft.com/office/drawing/2014/main" id="{EB0F53D9-2EC9-4FC3-A6A2-0208DF4964FE}"/>
+              </a:ext>
+            </a:extLst>
+          </p:cNvPr>
+          <p:cNvGrpSpPr/>
+          <p:nvPr/>
+        </p:nvGrpSpPr>
+        <p:grpSpPr>
+          <a:xfrm>
+            <a:off x="900674" y="5242266"/>
+            <a:ext cx="268783" cy="861774"/>
+            <a:chOff x="1028134" y="5612032"/>
+            <a:chExt cx="217349" cy="270072"/>
+          </a:xfrm>
+        </p:grpSpPr>
+        <p:sp>
+          <p:nvSpPr>
+            <p:cNvPr id="47" name="Freeform 11">
+              <a:extLst>
+                <a:ext uri="{FF2B5EF4-FFF2-40B4-BE49-F238E27FC236}">
+                  <a16:creationId xmlns:a16="http://schemas.microsoft.com/office/drawing/2014/main" id="{632877B4-F460-48BB-BC35-68DF5CC1C6C6}"/>
+                </a:ext>
+              </a:extLst>
+            </p:cNvPr>
+            <p:cNvSpPr/>
+            <p:nvPr/>
+          </p:nvSpPr>
+          <p:spPr>
+            <a:xfrm rot="2600998" flipH="1" flipV="1">
+              <a:off x="1028134" y="5612032"/>
+              <a:ext cx="167452" cy="116880"/>
+            </a:xfrm>
+            <a:custGeom>
+              <a:avLst/>
+              <a:gdLst>
+                <a:gd name="connsiteX0" fmla="*/ 0 w 226400"/>
+                <a:gd name="connsiteY0" fmla="*/ 32920 h 171466"/>
+                <a:gd name="connsiteX1" fmla="*/ 157018 w 226400"/>
+                <a:gd name="connsiteY1" fmla="*/ 5211 h 171466"/>
+                <a:gd name="connsiteX2" fmla="*/ 221673 w 226400"/>
+                <a:gd name="connsiteY2" fmla="*/ 125284 h 171466"/>
+                <a:gd name="connsiteX3" fmla="*/ 36945 w 226400"/>
+                <a:gd name="connsiteY3" fmla="*/ 171466 h 171466"/>
+              </a:gdLst>
+              <a:ahLst/>
+              <a:cxnLst>
+                <a:cxn ang="0">
+                  <a:pos x="connsiteX0" y="connsiteY0"/>
+                </a:cxn>
+                <a:cxn ang="0">
+                  <a:pos x="connsiteX1" y="connsiteY1"/>
+                </a:cxn>
+                <a:cxn ang="0">
+                  <a:pos x="connsiteX2" y="connsiteY2"/>
+                </a:cxn>
+                <a:cxn ang="0">
+                  <a:pos x="connsiteX3" y="connsiteY3"/>
+                </a:cxn>
+              </a:cxnLst>
+              <a:rect l="l" t="t" r="r" b="b"/>
+              <a:pathLst>
+                <a:path w="226400" h="171466">
+                  <a:moveTo>
+                    <a:pt x="0" y="32920"/>
+                  </a:moveTo>
+                  <a:cubicBezTo>
+                    <a:pt x="60036" y="11368"/>
+                    <a:pt x="120073" y="-10183"/>
+                    <a:pt x="157018" y="5211"/>
+                  </a:cubicBezTo>
+                  <a:cubicBezTo>
+                    <a:pt x="193963" y="20605"/>
+                    <a:pt x="241685" y="97575"/>
+                    <a:pt x="221673" y="125284"/>
+                  </a:cubicBezTo>
+                  <a:cubicBezTo>
+                    <a:pt x="201661" y="152993"/>
+                    <a:pt x="119303" y="162229"/>
+                    <a:pt x="36945" y="171466"/>
+                  </a:cubicBezTo>
+                </a:path>
+              </a:pathLst>
+            </a:custGeom>
+            <a:ln w="19050">
+              <a:solidFill>
+                <a:srgbClr val="00B050"/>
+              </a:solidFill>
+              <a:headEnd type="arrow" w="med" len="med"/>
+              <a:tailEnd type="none" w="med" len="med"/>
+            </a:ln>
+          </p:spPr>
+          <p:style>
+            <a:lnRef idx="1">
+              <a:schemeClr val="accent1"/>
+            </a:lnRef>
+            <a:fillRef idx="0">
+              <a:schemeClr val="accent1"/>
+            </a:fillRef>
+            <a:effectRef idx="0">
+              <a:schemeClr val="accent1"/>
+            </a:effectRef>
+            <a:fontRef idx="minor">
+              <a:schemeClr val="tx1"/>
+            </a:fontRef>
+          </p:style>
+          <p:txBody>
+            <a:bodyPr rtlCol="0" anchor="ctr"/>
+            <a:lstStyle/>
+            <a:p>
+              <a:pPr algn="ctr"/>
+              <a:endParaRPr lang="en-SG" dirty="0"/>
+            </a:p>
+          </p:txBody>
+        </p:sp>
+        <p:sp>
+          <p:nvSpPr>
+            <p:cNvPr id="48" name="Rectangle 47">
+              <a:extLst>
+                <a:ext uri="{FF2B5EF4-FFF2-40B4-BE49-F238E27FC236}">
+                  <a16:creationId xmlns:a16="http://schemas.microsoft.com/office/drawing/2014/main" id="{954420C8-79AD-4B41-B8FB-5341BBB9C6A4}"/>
+                </a:ext>
+              </a:extLst>
+            </p:cNvPr>
+            <p:cNvSpPr/>
+            <p:nvPr/>
+          </p:nvSpPr>
+          <p:spPr>
+            <a:xfrm>
+              <a:off x="1147403" y="5712513"/>
+              <a:ext cx="98080" cy="169591"/>
+            </a:xfrm>
+            <a:prstGeom prst="rect">
+              <a:avLst/>
+            </a:prstGeom>
+            <a:solidFill>
+              <a:srgbClr val="00B050"/>
+            </a:solidFill>
+            <a:ln>
+              <a:solidFill>
+                <a:schemeClr val="bg1"/>
+              </a:solidFill>
+            </a:ln>
+            <a:effectLst/>
+          </p:spPr>
+          <p:style>
+            <a:lnRef idx="1">
+              <a:schemeClr val="accent3"/>
+            </a:lnRef>
+            <a:fillRef idx="2">
+              <a:schemeClr val="accent3"/>
+            </a:fillRef>
+            <a:effectRef idx="1">
+              <a:schemeClr val="accent3"/>
+            </a:effectRef>
+            <a:fontRef idx="minor">
+              <a:schemeClr val="dk1"/>
+            </a:fontRef>
+          </p:style>
+          <p:txBody>
+            <a:bodyPr rtlCol="0" anchor="ctr"/>
+            <a:lstStyle/>
+            <a:p>
+              <a:pPr algn="ctr"/>
+              <a:endParaRPr lang="en-SG" sz="1400">
+                <a:solidFill>
+                  <a:schemeClr val="dk1"/>
+                </a:solidFill>
+              </a:endParaRPr>
+            </a:p>
+          </p:txBody>
+        </p:sp>
+      </p:grpSp>
+      <p:cxnSp>
+        <p:nvCxnSpPr>
+          <p:cNvPr id="49" name="Straight Arrow Connector 48">
+            <a:extLst>
+              <a:ext uri="{FF2B5EF4-FFF2-40B4-BE49-F238E27FC236}">
+                <a16:creationId xmlns:a16="http://schemas.microsoft.com/office/drawing/2014/main" id="{B6749619-662C-4C4D-8E2F-8AC54C7EA17C}"/>
+              </a:ext>
+            </a:extLst>
+          </p:cNvPr>
+          <p:cNvCxnSpPr>
+            <a:cxnSpLocks/>
+          </p:cNvCxnSpPr>
+          <p:nvPr/>
+        </p:nvCxnSpPr>
+        <p:spPr>
+          <a:xfrm>
+            <a:off x="1344338" y="6248397"/>
+            <a:ext cx="3075554" cy="0"/>
+          </a:xfrm>
+          <a:prstGeom prst="straightConnector1">
+            <a:avLst/>
+          </a:prstGeom>
+          <a:ln w="19050">
+            <a:solidFill>
+              <a:schemeClr val="accent5">
+                <a:lumMod val="75000"/>
+              </a:schemeClr>
+            </a:solidFill>
+            <a:prstDash val="sysDash"/>
+            <a:headEnd type="arrow" w="med" len="med"/>
+            <a:tailEnd type="none" w="med" len="med"/>
+          </a:ln>
+        </p:spPr>
+        <p:style>
+          <a:lnRef idx="1">
+            <a:schemeClr val="accent1"/>
+          </a:lnRef>
+          <a:fillRef idx="0">
+            <a:schemeClr val="accent1"/>
+          </a:fillRef>
+          <a:effectRef idx="0">
+            <a:schemeClr val="accent1"/>
+          </a:effectRef>
+          <a:fontRef idx="minor">
+            <a:schemeClr val="tx1"/>
+          </a:fontRef>
+        </p:style>
+      </p:cxnSp>
+      <p:sp>
+        <p:nvSpPr>
+          <p:cNvPr id="50" name="TextBox 49">
+            <a:extLst>
+              <a:ext uri="{FF2B5EF4-FFF2-40B4-BE49-F238E27FC236}">
+                <a16:creationId xmlns:a16="http://schemas.microsoft.com/office/drawing/2014/main" id="{BEFD1BAF-8EAD-44E5-9791-BA32EA1F61A0}"/>
+              </a:ext>
+            </a:extLst>
+          </p:cNvPr>
+          <p:cNvSpPr txBox="1"/>
+          <p:nvPr/>
+        </p:nvSpPr>
+        <p:spPr>
+          <a:xfrm>
+            <a:off x="106593" y="3980519"/>
+            <a:ext cx="794081" cy="646331"/>
+          </a:xfrm>
+          <a:prstGeom prst="rect">
+            <a:avLst/>
+          </a:prstGeom>
+          <a:noFill/>
+        </p:spPr>
+        <p:txBody>
+          <a:bodyPr wrap="square" lIns="0" tIns="0" rIns="0" bIns="0" rtlCol="0">
+            <a:spAutoFit/>
+          </a:bodyPr>
+          <a:lstStyle/>
+          <a:p>
+            <a:pPr algn="r"/>
+            <a:r>
+              <a:rPr lang="en-US" sz="1400" dirty="0">
+                <a:solidFill>
+                  <a:srgbClr val="00B050"/>
+                </a:solidFill>
+              </a:rPr>
+              <a:t>Update entry list selection</a:t>
+            </a:r>
+          </a:p>
+        </p:txBody>
+      </p:sp>
+      <p:sp>
+        <p:nvSpPr>
+          <p:cNvPr id="51" name="TextBox 50">
+            <a:extLst>
+              <a:ext uri="{FF2B5EF4-FFF2-40B4-BE49-F238E27FC236}">
+                <a16:creationId xmlns:a16="http://schemas.microsoft.com/office/drawing/2014/main" id="{04378204-924E-4CF7-A223-7DF86F4F4B2A}"/>
+              </a:ext>
+            </a:extLst>
+          </p:cNvPr>
+          <p:cNvSpPr txBox="1"/>
+          <p:nvPr/>
+        </p:nvSpPr>
+        <p:spPr>
+          <a:xfrm>
+            <a:off x="65279" y="5559900"/>
+            <a:ext cx="794081" cy="861774"/>
+          </a:xfrm>
+          <a:prstGeom prst="rect">
+            <a:avLst/>
+          </a:prstGeom>
+          <a:noFill/>
+        </p:spPr>
+        <p:txBody>
+          <a:bodyPr wrap="square" lIns="0" tIns="0" rIns="0" bIns="0" rtlCol="0">
+            <a:spAutoFit/>
+          </a:bodyPr>
+          <a:lstStyle/>
+          <a:p>
+            <a:pPr algn="r"/>
+            <a:r>
+              <a:rPr lang="en-US" sz="1400" dirty="0">
+                <a:solidFill>
+                  <a:srgbClr val="00B050"/>
+                </a:solidFill>
+              </a:rPr>
+              <a:t>Update expanded entry panel</a:t>
+            </a:r>
+          </a:p>
+        </p:txBody>
+      </p:sp>
+    </p:spTree>
+    <p:extLst>
+      <p:ext uri="{BB962C8B-B14F-4D97-AF65-F5344CB8AC3E}">
+        <p14:creationId xmlns:p14="http://schemas.microsoft.com/office/powerpoint/2010/main" val="421117895"/>
       </p:ext>
     </p:extLst>
   </p:cSld>
